--- a/프론트엔드기초(PPT)/HTML5 4강_목록태그.pptx
+++ b/프론트엔드기초(PPT)/HTML5 4강_목록태그.pptx
@@ -10,8 +10,11 @@
     <p:sldId id="257" r:id="rId4"/>
     <p:sldId id="270" r:id="rId5"/>
     <p:sldId id="271" r:id="rId6"/>
-    <p:sldId id="260" r:id="rId7"/>
-    <p:sldId id="263" r:id="rId8"/>
+    <p:sldId id="272" r:id="rId7"/>
+    <p:sldId id="273" r:id="rId8"/>
+    <p:sldId id="274" r:id="rId9"/>
+    <p:sldId id="260" r:id="rId10"/>
+    <p:sldId id="263" r:id="rId11"/>
   </p:sldIdLst>
   <p:sldSz cx="9144000" cy="6858000" type="screen4x3"/>
   <p:notesSz cx="6858000" cy="9144000"/>
@@ -294,7 +297,7 @@
           <a:p>
             <a:fld id="{FB30EDBD-1C2D-4C1E-B459-B60219FAB484}" type="datetimeFigureOut">
               <a:rPr lang="ko-KR" altLang="en-US" smtClean="0"/>
-              <a:t>2020-04-06</a:t>
+              <a:t>2020-09-07</a:t>
             </a:fld>
             <a:endParaRPr lang="ko-KR" altLang="en-US"/>
           </a:p>
@@ -459,7 +462,7 @@
           <a:p>
             <a:fld id="{FB30EDBD-1C2D-4C1E-B459-B60219FAB484}" type="datetimeFigureOut">
               <a:rPr lang="ko-KR" altLang="en-US" smtClean="0"/>
-              <a:t>2020-04-06</a:t>
+              <a:t>2020-09-07</a:t>
             </a:fld>
             <a:endParaRPr lang="ko-KR" altLang="en-US"/>
           </a:p>
@@ -634,7 +637,7 @@
           <a:p>
             <a:fld id="{FB30EDBD-1C2D-4C1E-B459-B60219FAB484}" type="datetimeFigureOut">
               <a:rPr lang="ko-KR" altLang="en-US" smtClean="0"/>
-              <a:t>2020-04-06</a:t>
+              <a:t>2020-09-07</a:t>
             </a:fld>
             <a:endParaRPr lang="ko-KR" altLang="en-US"/>
           </a:p>
@@ -799,7 +802,7 @@
           <a:p>
             <a:fld id="{FB30EDBD-1C2D-4C1E-B459-B60219FAB484}" type="datetimeFigureOut">
               <a:rPr lang="ko-KR" altLang="en-US" smtClean="0"/>
-              <a:t>2020-04-06</a:t>
+              <a:t>2020-09-07</a:t>
             </a:fld>
             <a:endParaRPr lang="ko-KR" altLang="en-US"/>
           </a:p>
@@ -1040,7 +1043,7 @@
           <a:p>
             <a:fld id="{FB30EDBD-1C2D-4C1E-B459-B60219FAB484}" type="datetimeFigureOut">
               <a:rPr lang="ko-KR" altLang="en-US" smtClean="0"/>
-              <a:t>2020-04-06</a:t>
+              <a:t>2020-09-07</a:t>
             </a:fld>
             <a:endParaRPr lang="ko-KR" altLang="en-US"/>
           </a:p>
@@ -1323,7 +1326,7 @@
           <a:p>
             <a:fld id="{FB30EDBD-1C2D-4C1E-B459-B60219FAB484}" type="datetimeFigureOut">
               <a:rPr lang="ko-KR" altLang="en-US" smtClean="0"/>
-              <a:t>2020-04-06</a:t>
+              <a:t>2020-09-07</a:t>
             </a:fld>
             <a:endParaRPr lang="ko-KR" altLang="en-US"/>
           </a:p>
@@ -1740,7 +1743,7 @@
           <a:p>
             <a:fld id="{FB30EDBD-1C2D-4C1E-B459-B60219FAB484}" type="datetimeFigureOut">
               <a:rPr lang="ko-KR" altLang="en-US" smtClean="0"/>
-              <a:t>2020-04-06</a:t>
+              <a:t>2020-09-07</a:t>
             </a:fld>
             <a:endParaRPr lang="ko-KR" altLang="en-US"/>
           </a:p>
@@ -1853,7 +1856,7 @@
           <a:p>
             <a:fld id="{FB30EDBD-1C2D-4C1E-B459-B60219FAB484}" type="datetimeFigureOut">
               <a:rPr lang="ko-KR" altLang="en-US" smtClean="0"/>
-              <a:t>2020-04-06</a:t>
+              <a:t>2020-09-07</a:t>
             </a:fld>
             <a:endParaRPr lang="ko-KR" altLang="en-US"/>
           </a:p>
@@ -1943,7 +1946,7 @@
           <a:p>
             <a:fld id="{FB30EDBD-1C2D-4C1E-B459-B60219FAB484}" type="datetimeFigureOut">
               <a:rPr lang="ko-KR" altLang="en-US" smtClean="0"/>
-              <a:t>2020-04-06</a:t>
+              <a:t>2020-09-07</a:t>
             </a:fld>
             <a:endParaRPr lang="ko-KR" altLang="en-US"/>
           </a:p>
@@ -2215,7 +2218,7 @@
           <a:p>
             <a:fld id="{FB30EDBD-1C2D-4C1E-B459-B60219FAB484}" type="datetimeFigureOut">
               <a:rPr lang="ko-KR" altLang="en-US" smtClean="0"/>
-              <a:t>2020-04-06</a:t>
+              <a:t>2020-09-07</a:t>
             </a:fld>
             <a:endParaRPr lang="ko-KR" altLang="en-US"/>
           </a:p>
@@ -2463,7 +2466,7 @@
           <a:p>
             <a:fld id="{FB30EDBD-1C2D-4C1E-B459-B60219FAB484}" type="datetimeFigureOut">
               <a:rPr lang="ko-KR" altLang="en-US" smtClean="0"/>
-              <a:t>2020-04-06</a:t>
+              <a:t>2020-09-07</a:t>
             </a:fld>
             <a:endParaRPr lang="ko-KR" altLang="en-US"/>
           </a:p>
@@ -2671,7 +2674,7 @@
           <a:p>
             <a:fld id="{FB30EDBD-1C2D-4C1E-B459-B60219FAB484}" type="datetimeFigureOut">
               <a:rPr lang="ko-KR" altLang="en-US" smtClean="0"/>
-              <a:t>2020-04-06</a:t>
+              <a:t>2020-09-07</a:t>
             </a:fld>
             <a:endParaRPr lang="ko-KR" altLang="en-US"/>
           </a:p>
@@ -3115,7 +3118,28 @@
                 <a:latin typeface="배달의민족 주아" pitchFamily="18" charset="-127"/>
                 <a:ea typeface="배달의민족 주아" pitchFamily="18" charset="-127"/>
               </a:rPr>
-              <a:t>목록 태그</a:t>
+              <a:t>목록</a:t>
+            </a:r>
+            <a:r>
+              <a:rPr lang="ko-KR" altLang="en-US" dirty="0" smtClean="0">
+                <a:latin typeface="배달의민족 주아" pitchFamily="18" charset="-127"/>
+                <a:ea typeface="배달의민족 주아" pitchFamily="18" charset="-127"/>
+              </a:rPr>
+              <a:t>과 테이블</a:t>
+            </a:r>
+            <a:r>
+              <a:rPr lang="ko-KR" altLang="en-US" dirty="0" smtClean="0">
+                <a:latin typeface="배달의민족 주아" pitchFamily="18" charset="-127"/>
+                <a:ea typeface="배달의민족 주아" pitchFamily="18" charset="-127"/>
+              </a:rPr>
+              <a:t> </a:t>
+            </a:r>
+            <a:r>
+              <a:rPr lang="ko-KR" altLang="en-US" dirty="0" smtClean="0">
+                <a:latin typeface="배달의민족 주아" pitchFamily="18" charset="-127"/>
+                <a:ea typeface="배달의민족 주아" pitchFamily="18" charset="-127"/>
+              </a:rPr>
+              <a:t>태그</a:t>
             </a:r>
             <a:endParaRPr lang="ko-KR" altLang="en-US" dirty="0">
               <a:latin typeface="배달의민족 주아" pitchFamily="18" charset="-127"/>
@@ -3285,6 +3309,252 @@
     <p:extLst>
       <p:ext uri="{BB962C8B-B14F-4D97-AF65-F5344CB8AC3E}">
         <p14:creationId xmlns:p14="http://schemas.microsoft.com/office/powerpoint/2010/main" val="4108424399"/>
+      </p:ext>
+    </p:extLst>
+  </p:cSld>
+  <p:clrMapOvr>
+    <a:masterClrMapping/>
+  </p:clrMapOvr>
+  <p:timing>
+    <p:tnLst>
+      <p:par>
+        <p:cTn id="1" dur="indefinite" restart="never" nodeType="tmRoot"/>
+      </p:par>
+    </p:tnLst>
+  </p:timing>
+</p:sld>
+</file>
+
+<file path=ppt/slides/slide10.xml><?xml version="1.0" encoding="utf-8"?>
+<p:sld xmlns:a="http://schemas.openxmlformats.org/drawingml/2006/main" xmlns:r="http://schemas.openxmlformats.org/officeDocument/2006/relationships" xmlns:p="http://schemas.openxmlformats.org/presentationml/2006/main">
+  <p:cSld>
+    <p:spTree>
+      <p:nvGrpSpPr>
+        <p:cNvPr id="1" name=""/>
+        <p:cNvGrpSpPr/>
+        <p:nvPr/>
+      </p:nvGrpSpPr>
+      <p:grpSpPr>
+        <a:xfrm>
+          <a:off x="0" y="0"/>
+          <a:ext cx="0" cy="0"/>
+          <a:chOff x="0" y="0"/>
+          <a:chExt cx="0" cy="0"/>
+        </a:xfrm>
+      </p:grpSpPr>
+      <p:sp>
+        <p:nvSpPr>
+          <p:cNvPr id="5" name="제목 1"/>
+          <p:cNvSpPr txBox="1">
+            <a:spLocks/>
+          </p:cNvSpPr>
+          <p:nvPr/>
+        </p:nvSpPr>
+        <p:spPr>
+          <a:xfrm>
+            <a:off x="827584" y="2204864"/>
+            <a:ext cx="7772400" cy="1470025"/>
+          </a:xfrm>
+          <a:prstGeom prst="rect">
+            <a:avLst/>
+          </a:prstGeom>
+        </p:spPr>
+        <p:txBody>
+          <a:bodyPr vert="horz" lIns="91440" tIns="45720" rIns="91440" bIns="45720" rtlCol="0" anchor="ctr">
+            <a:normAutofit/>
+          </a:bodyPr>
+          <a:lstStyle>
+            <a:lvl1pPr algn="ctr" defTabSz="914400" rtl="0" eaLnBrk="1" latinLnBrk="1" hangingPunct="1">
+              <a:spcBef>
+                <a:spcPct val="0"/>
+              </a:spcBef>
+              <a:buNone/>
+              <a:defRPr sz="4400" kern="1200">
+                <a:solidFill>
+                  <a:schemeClr val="tx1"/>
+                </a:solidFill>
+                <a:latin typeface="+mj-lt"/>
+                <a:ea typeface="+mj-ea"/>
+                <a:cs typeface="+mj-cs"/>
+              </a:defRPr>
+            </a:lvl1pPr>
+          </a:lstStyle>
+          <a:p>
+            <a:r>
+              <a:rPr lang="ko-KR" altLang="en-US" dirty="0" smtClean="0">
+                <a:latin typeface="배달의민족 주아" pitchFamily="18" charset="-127"/>
+                <a:ea typeface="배달의민족 주아" pitchFamily="18" charset="-127"/>
+              </a:rPr>
+              <a:t>감사합니다</a:t>
+            </a:r>
+            <a:endParaRPr lang="ko-KR" altLang="en-US" dirty="0">
+              <a:latin typeface="배달의민족 주아" pitchFamily="18" charset="-127"/>
+              <a:ea typeface="배달의민족 주아" pitchFamily="18" charset="-127"/>
+            </a:endParaRPr>
+          </a:p>
+        </p:txBody>
+      </p:sp>
+      <p:sp>
+        <p:nvSpPr>
+          <p:cNvPr id="3" name="TextBox 2"/>
+          <p:cNvSpPr txBox="1"/>
+          <p:nvPr/>
+        </p:nvSpPr>
+        <p:spPr>
+          <a:xfrm>
+            <a:off x="6948264" y="6093296"/>
+            <a:ext cx="1838965" cy="369332"/>
+          </a:xfrm>
+          <a:prstGeom prst="rect">
+            <a:avLst/>
+          </a:prstGeom>
+          <a:noFill/>
+        </p:spPr>
+        <p:txBody>
+          <a:bodyPr wrap="none" rtlCol="0">
+            <a:spAutoFit/>
+          </a:bodyPr>
+          <a:lstStyle>
+            <a:defPPr>
+              <a:defRPr lang="ko-KR"/>
+            </a:defPPr>
+            <a:lvl1pPr marL="0" algn="l" defTabSz="914400" rtl="0" eaLnBrk="1" latinLnBrk="1" hangingPunct="1">
+              <a:defRPr sz="1800" kern="1200">
+                <a:solidFill>
+                  <a:schemeClr val="tx1"/>
+                </a:solidFill>
+                <a:latin typeface="+mn-lt"/>
+                <a:ea typeface="+mn-ea"/>
+                <a:cs typeface="+mn-cs"/>
+              </a:defRPr>
+            </a:lvl1pPr>
+            <a:lvl2pPr marL="457200" algn="l" defTabSz="914400" rtl="0" eaLnBrk="1" latinLnBrk="1" hangingPunct="1">
+              <a:defRPr sz="1800" kern="1200">
+                <a:solidFill>
+                  <a:schemeClr val="tx1"/>
+                </a:solidFill>
+                <a:latin typeface="+mn-lt"/>
+                <a:ea typeface="+mn-ea"/>
+                <a:cs typeface="+mn-cs"/>
+              </a:defRPr>
+            </a:lvl2pPr>
+            <a:lvl3pPr marL="914400" algn="l" defTabSz="914400" rtl="0" eaLnBrk="1" latinLnBrk="1" hangingPunct="1">
+              <a:defRPr sz="1800" kern="1200">
+                <a:solidFill>
+                  <a:schemeClr val="tx1"/>
+                </a:solidFill>
+                <a:latin typeface="+mn-lt"/>
+                <a:ea typeface="+mn-ea"/>
+                <a:cs typeface="+mn-cs"/>
+              </a:defRPr>
+            </a:lvl3pPr>
+            <a:lvl4pPr marL="1371600" algn="l" defTabSz="914400" rtl="0" eaLnBrk="1" latinLnBrk="1" hangingPunct="1">
+              <a:defRPr sz="1800" kern="1200">
+                <a:solidFill>
+                  <a:schemeClr val="tx1"/>
+                </a:solidFill>
+                <a:latin typeface="+mn-lt"/>
+                <a:ea typeface="+mn-ea"/>
+                <a:cs typeface="+mn-cs"/>
+              </a:defRPr>
+            </a:lvl4pPr>
+            <a:lvl5pPr marL="1828800" algn="l" defTabSz="914400" rtl="0" eaLnBrk="1" latinLnBrk="1" hangingPunct="1">
+              <a:defRPr sz="1800" kern="1200">
+                <a:solidFill>
+                  <a:schemeClr val="tx1"/>
+                </a:solidFill>
+                <a:latin typeface="+mn-lt"/>
+                <a:ea typeface="+mn-ea"/>
+                <a:cs typeface="+mn-cs"/>
+              </a:defRPr>
+            </a:lvl5pPr>
+            <a:lvl6pPr marL="2286000" algn="l" defTabSz="914400" rtl="0" eaLnBrk="1" latinLnBrk="1" hangingPunct="1">
+              <a:defRPr sz="1800" kern="1200">
+                <a:solidFill>
+                  <a:schemeClr val="tx1"/>
+                </a:solidFill>
+                <a:latin typeface="+mn-lt"/>
+                <a:ea typeface="+mn-ea"/>
+                <a:cs typeface="+mn-cs"/>
+              </a:defRPr>
+            </a:lvl6pPr>
+            <a:lvl7pPr marL="2743200" algn="l" defTabSz="914400" rtl="0" eaLnBrk="1" latinLnBrk="1" hangingPunct="1">
+              <a:defRPr sz="1800" kern="1200">
+                <a:solidFill>
+                  <a:schemeClr val="tx1"/>
+                </a:solidFill>
+                <a:latin typeface="+mn-lt"/>
+                <a:ea typeface="+mn-ea"/>
+                <a:cs typeface="+mn-cs"/>
+              </a:defRPr>
+            </a:lvl7pPr>
+            <a:lvl8pPr marL="3200400" algn="l" defTabSz="914400" rtl="0" eaLnBrk="1" latinLnBrk="1" hangingPunct="1">
+              <a:defRPr sz="1800" kern="1200">
+                <a:solidFill>
+                  <a:schemeClr val="tx1"/>
+                </a:solidFill>
+                <a:latin typeface="+mn-lt"/>
+                <a:ea typeface="+mn-ea"/>
+                <a:cs typeface="+mn-cs"/>
+              </a:defRPr>
+            </a:lvl8pPr>
+            <a:lvl9pPr marL="3657600" algn="l" defTabSz="914400" rtl="0" eaLnBrk="1" latinLnBrk="1" hangingPunct="1">
+              <a:defRPr sz="1800" kern="1200">
+                <a:solidFill>
+                  <a:schemeClr val="tx1"/>
+                </a:solidFill>
+                <a:latin typeface="+mn-lt"/>
+                <a:ea typeface="+mn-ea"/>
+                <a:cs typeface="+mn-cs"/>
+              </a:defRPr>
+            </a:lvl9pPr>
+          </a:lstStyle>
+          <a:p>
+            <a:r>
+              <a:rPr lang="en-US" altLang="ko-KR" dirty="0" smtClean="0">
+                <a:solidFill>
+                  <a:schemeClr val="accent5"/>
+                </a:solidFill>
+                <a:latin typeface="배달의민족 도현" pitchFamily="50" charset="-127"/>
+                <a:ea typeface="배달의민족 도현" pitchFamily="50" charset="-127"/>
+              </a:rPr>
+              <a:t>S</a:t>
+            </a:r>
+            <a:r>
+              <a:rPr lang="en-US" altLang="ko-KR" dirty="0" smtClean="0">
+                <a:latin typeface="배달의민족 도현" pitchFamily="50" charset="-127"/>
+                <a:ea typeface="배달의민족 도현" pitchFamily="50" charset="-127"/>
+              </a:rPr>
+              <a:t>TART</a:t>
+            </a:r>
+            <a:r>
+              <a:rPr lang="en-US" altLang="ko-KR" dirty="0" smtClean="0">
+                <a:solidFill>
+                  <a:schemeClr val="accent5"/>
+                </a:solidFill>
+                <a:latin typeface="배달의민족 도현" pitchFamily="50" charset="-127"/>
+                <a:ea typeface="배달의민족 도현" pitchFamily="50" charset="-127"/>
+              </a:rPr>
+              <a:t>C</a:t>
+            </a:r>
+            <a:r>
+              <a:rPr lang="en-US" altLang="ko-KR" dirty="0" smtClean="0">
+                <a:latin typeface="배달의민족 도현" pitchFamily="50" charset="-127"/>
+                <a:ea typeface="배달의민족 도현" pitchFamily="50" charset="-127"/>
+              </a:rPr>
+              <a:t>ODING</a:t>
+            </a:r>
+            <a:endParaRPr lang="ko-KR" altLang="en-US" dirty="0">
+              <a:latin typeface="배달의민족 도현" pitchFamily="50" charset="-127"/>
+              <a:ea typeface="배달의민족 도현" pitchFamily="50" charset="-127"/>
+            </a:endParaRPr>
+          </a:p>
+        </p:txBody>
+      </p:sp>
+    </p:spTree>
+    <p:extLst>
+      <p:ext uri="{BB962C8B-B14F-4D97-AF65-F5344CB8AC3E}">
+        <p14:creationId xmlns:p14="http://schemas.microsoft.com/office/powerpoint/2010/main" val="984902709"/>
       </p:ext>
     </p:extLst>
   </p:cSld>
@@ -3610,14 +3880,7 @@
                 <a:latin typeface="배달의민족 주아" pitchFamily="18" charset="-127"/>
                 <a:ea typeface="배달의민족 주아" pitchFamily="18" charset="-127"/>
               </a:rPr>
-              <a:t>	&lt;</a:t>
-            </a:r>
-            <a:r>
-              <a:rPr lang="en-US" altLang="ko-KR" dirty="0" smtClean="0">
-                <a:latin typeface="배달의민족 주아" pitchFamily="18" charset="-127"/>
-                <a:ea typeface="배달의민족 주아" pitchFamily="18" charset="-127"/>
-              </a:rPr>
-              <a:t>li&gt;</a:t>
+              <a:t>	&lt;li&gt;</a:t>
             </a:r>
             <a:r>
               <a:rPr lang="ko-KR" altLang="en-US" dirty="0" err="1" smtClean="0">
@@ -3638,14 +3901,7 @@
                 <a:latin typeface="배달의민족 주아" pitchFamily="18" charset="-127"/>
                 <a:ea typeface="배달의민족 주아" pitchFamily="18" charset="-127"/>
               </a:rPr>
-              <a:t>&lt;/</a:t>
-            </a:r>
-            <a:r>
-              <a:rPr lang="en-US" altLang="ko-KR" dirty="0" smtClean="0">
-                <a:latin typeface="배달의민족 주아" pitchFamily="18" charset="-127"/>
-                <a:ea typeface="배달의민족 주아" pitchFamily="18" charset="-127"/>
-              </a:rPr>
-              <a:t>li&gt;</a:t>
+              <a:t>&lt;/li&gt;</a:t>
             </a:r>
             <a:br>
               <a:rPr lang="en-US" altLang="ko-KR" dirty="0" smtClean="0">
@@ -3665,14 +3921,7 @@
                 <a:latin typeface="배달의민족 주아" pitchFamily="18" charset="-127"/>
                 <a:ea typeface="배달의민족 주아" pitchFamily="18" charset="-127"/>
               </a:rPr>
-              <a:t>&lt;li</a:t>
-            </a:r>
-            <a:r>
-              <a:rPr lang="en-US" altLang="ko-KR" dirty="0" smtClean="0">
-                <a:latin typeface="배달의민족 주아" pitchFamily="18" charset="-127"/>
-                <a:ea typeface="배달의민족 주아" pitchFamily="18" charset="-127"/>
-              </a:rPr>
-              <a:t>&gt;</a:t>
+              <a:t>&lt;li&gt;</a:t>
             </a:r>
             <a:r>
               <a:rPr lang="ko-KR" altLang="en-US" dirty="0" err="1" smtClean="0">
@@ -3686,14 +3935,7 @@
                 <a:latin typeface="배달의민족 주아" pitchFamily="18" charset="-127"/>
                 <a:ea typeface="배달의민족 주아" pitchFamily="18" charset="-127"/>
               </a:rPr>
-              <a:t>&lt;/</a:t>
-            </a:r>
-            <a:r>
-              <a:rPr lang="en-US" altLang="ko-KR" dirty="0" smtClean="0">
-                <a:latin typeface="배달의민족 주아" pitchFamily="18" charset="-127"/>
-                <a:ea typeface="배달의민족 주아" pitchFamily="18" charset="-127"/>
-              </a:rPr>
-              <a:t>li&gt;</a:t>
+              <a:t>&lt;/li&gt;</a:t>
             </a:r>
             <a:br>
               <a:rPr lang="en-US" altLang="ko-KR" dirty="0" smtClean="0">
@@ -3713,14 +3955,7 @@
                 <a:latin typeface="배달의민족 주아" pitchFamily="18" charset="-127"/>
                 <a:ea typeface="배달의민족 주아" pitchFamily="18" charset="-127"/>
               </a:rPr>
-              <a:t>&lt;li</a:t>
-            </a:r>
-            <a:r>
-              <a:rPr lang="en-US" altLang="ko-KR" dirty="0" smtClean="0">
-                <a:latin typeface="배달의민족 주아" pitchFamily="18" charset="-127"/>
-                <a:ea typeface="배달의민족 주아" pitchFamily="18" charset="-127"/>
-              </a:rPr>
-              <a:t>&gt;</a:t>
+              <a:t>&lt;li&gt;</a:t>
             </a:r>
             <a:r>
               <a:rPr lang="ko-KR" altLang="en-US" dirty="0" err="1" smtClean="0">
@@ -3734,14 +3969,7 @@
                 <a:latin typeface="배달의민족 주아" pitchFamily="18" charset="-127"/>
                 <a:ea typeface="배달의민족 주아" pitchFamily="18" charset="-127"/>
               </a:rPr>
-              <a:t>&lt;/</a:t>
-            </a:r>
-            <a:r>
-              <a:rPr lang="en-US" altLang="ko-KR" dirty="0" smtClean="0">
-                <a:latin typeface="배달의민족 주아" pitchFamily="18" charset="-127"/>
-                <a:ea typeface="배달의민족 주아" pitchFamily="18" charset="-127"/>
-              </a:rPr>
-              <a:t>li&gt;</a:t>
+              <a:t>&lt;/li&gt;</a:t>
             </a:r>
             <a:br>
               <a:rPr lang="en-US" altLang="ko-KR" dirty="0" smtClean="0">
@@ -4438,14 +4666,7 @@
                 <a:latin typeface="배달의민족 주아" pitchFamily="18" charset="-127"/>
                 <a:ea typeface="배달의민족 주아" pitchFamily="18" charset="-127"/>
               </a:rPr>
-              <a:t>	&lt;li</a:t>
-            </a:r>
-            <a:r>
-              <a:rPr lang="en-US" altLang="ko-KR" dirty="0" smtClean="0">
-                <a:latin typeface="배달의민족 주아" pitchFamily="18" charset="-127"/>
-                <a:ea typeface="배달의민족 주아" pitchFamily="18" charset="-127"/>
-              </a:rPr>
-              <a:t>&gt;</a:t>
+              <a:t>	&lt;li&gt;</a:t>
             </a:r>
             <a:r>
               <a:rPr lang="ko-KR" altLang="en-US" dirty="0" err="1" smtClean="0">
@@ -4459,14 +4680,7 @@
                 <a:latin typeface="배달의민족 주아" pitchFamily="18" charset="-127"/>
                 <a:ea typeface="배달의민족 주아" pitchFamily="18" charset="-127"/>
               </a:rPr>
-              <a:t>&lt;/</a:t>
-            </a:r>
-            <a:r>
-              <a:rPr lang="en-US" altLang="ko-KR" dirty="0" smtClean="0">
-                <a:latin typeface="배달의민족 주아" pitchFamily="18" charset="-127"/>
-                <a:ea typeface="배달의민족 주아" pitchFamily="18" charset="-127"/>
-              </a:rPr>
-              <a:t>li&gt;</a:t>
+              <a:t>&lt;/li&gt;</a:t>
             </a:r>
             <a:br>
               <a:rPr lang="en-US" altLang="ko-KR" dirty="0" smtClean="0">
@@ -4486,14 +4700,7 @@
                 <a:latin typeface="배달의민족 주아" pitchFamily="18" charset="-127"/>
                 <a:ea typeface="배달의민족 주아" pitchFamily="18" charset="-127"/>
               </a:rPr>
-              <a:t>&lt;li</a:t>
-            </a:r>
-            <a:r>
-              <a:rPr lang="en-US" altLang="ko-KR" dirty="0" smtClean="0">
-                <a:latin typeface="배달의민족 주아" pitchFamily="18" charset="-127"/>
-                <a:ea typeface="배달의민족 주아" pitchFamily="18" charset="-127"/>
-              </a:rPr>
-              <a:t>&gt;</a:t>
+              <a:t>&lt;li&gt;</a:t>
             </a:r>
             <a:r>
               <a:rPr lang="ko-KR" altLang="en-US" dirty="0" err="1" smtClean="0">
@@ -4507,14 +4714,7 @@
                 <a:latin typeface="배달의민족 주아" pitchFamily="18" charset="-127"/>
                 <a:ea typeface="배달의민족 주아" pitchFamily="18" charset="-127"/>
               </a:rPr>
-              <a:t>&lt;/</a:t>
-            </a:r>
-            <a:r>
-              <a:rPr lang="en-US" altLang="ko-KR" dirty="0" smtClean="0">
-                <a:latin typeface="배달의민족 주아" pitchFamily="18" charset="-127"/>
-                <a:ea typeface="배달의민족 주아" pitchFamily="18" charset="-127"/>
-              </a:rPr>
-              <a:t>li&gt;</a:t>
+              <a:t>&lt;/li&gt;</a:t>
             </a:r>
             <a:br>
               <a:rPr lang="en-US" altLang="ko-KR" dirty="0" smtClean="0">
@@ -4534,14 +4734,7 @@
                 <a:latin typeface="배달의민족 주아" pitchFamily="18" charset="-127"/>
                 <a:ea typeface="배달의민족 주아" pitchFamily="18" charset="-127"/>
               </a:rPr>
-              <a:t>&lt;li</a:t>
-            </a:r>
-            <a:r>
-              <a:rPr lang="en-US" altLang="ko-KR" dirty="0" smtClean="0">
-                <a:latin typeface="배달의민족 주아" pitchFamily="18" charset="-127"/>
-                <a:ea typeface="배달의민족 주아" pitchFamily="18" charset="-127"/>
-              </a:rPr>
-              <a:t>&gt;</a:t>
+              <a:t>&lt;li&gt;</a:t>
             </a:r>
             <a:r>
               <a:rPr lang="ko-KR" altLang="en-US" dirty="0" err="1" smtClean="0">
@@ -4555,14 +4748,7 @@
                 <a:latin typeface="배달의민족 주아" pitchFamily="18" charset="-127"/>
                 <a:ea typeface="배달의민족 주아" pitchFamily="18" charset="-127"/>
               </a:rPr>
-              <a:t>&lt;/</a:t>
-            </a:r>
-            <a:r>
-              <a:rPr lang="en-US" altLang="ko-KR" dirty="0" smtClean="0">
-                <a:latin typeface="배달의민족 주아" pitchFamily="18" charset="-127"/>
-                <a:ea typeface="배달의민족 주아" pitchFamily="18" charset="-127"/>
-              </a:rPr>
-              <a:t>li&gt;</a:t>
+              <a:t>&lt;/li&gt;</a:t>
             </a:r>
             <a:br>
               <a:rPr lang="en-US" altLang="ko-KR" dirty="0" smtClean="0">
@@ -4983,29 +5169,27 @@
           <a:lstStyle/>
           <a:p>
             <a:r>
+              <a:rPr lang="en-US" altLang="ko-KR" dirty="0" smtClean="0">
+                <a:latin typeface="배달의민족 주아" pitchFamily="18" charset="-127"/>
+                <a:ea typeface="배달의민족 주아" pitchFamily="18" charset="-127"/>
+              </a:rPr>
+              <a:t>table</a:t>
+            </a:r>
+            <a:r>
+              <a:rPr lang="en-US" altLang="ko-KR" dirty="0" smtClean="0">
+                <a:latin typeface="배달의민족 주아" pitchFamily="18" charset="-127"/>
+                <a:ea typeface="배달의민족 주아" pitchFamily="18" charset="-127"/>
+              </a:rPr>
+              <a:t> </a:t>
+            </a:r>
+            <a:r>
               <a:rPr lang="ko-KR" altLang="en-US" dirty="0" smtClean="0">
-                <a:solidFill>
-                  <a:schemeClr val="accent5"/>
-                </a:solidFill>
-                <a:latin typeface="배달의민족 주아" pitchFamily="18" charset="-127"/>
-                <a:ea typeface="배달의민족 주아" pitchFamily="18" charset="-127"/>
-              </a:rPr>
-              <a:t>실습</a:t>
-            </a:r>
-            <a:r>
-              <a:rPr lang="en-US" altLang="ko-KR" dirty="0" smtClean="0">
-                <a:solidFill>
-                  <a:schemeClr val="accent5"/>
-                </a:solidFill>
-                <a:latin typeface="배달의민족 주아" pitchFamily="18" charset="-127"/>
-                <a:ea typeface="배달의민족 주아" pitchFamily="18" charset="-127"/>
-              </a:rPr>
-              <a:t>!</a:t>
+                <a:latin typeface="배달의민족 주아" pitchFamily="18" charset="-127"/>
+                <a:ea typeface="배달의민족 주아" pitchFamily="18" charset="-127"/>
+              </a:rPr>
+              <a:t>태그</a:t>
             </a:r>
             <a:endParaRPr lang="ko-KR" altLang="en-US" dirty="0">
-              <a:solidFill>
-                <a:schemeClr val="accent5"/>
-              </a:solidFill>
               <a:latin typeface="배달의민족 주아" pitchFamily="18" charset="-127"/>
               <a:ea typeface="배달의민족 주아" pitchFamily="18" charset="-127"/>
             </a:endParaRPr>
@@ -5172,7 +5356,7 @@
     </p:spTree>
     <p:extLst>
       <p:ext uri="{BB962C8B-B14F-4D97-AF65-F5344CB8AC3E}">
-        <p14:creationId xmlns:p14="http://schemas.microsoft.com/office/powerpoint/2010/main" val="3842579216"/>
+        <p14:creationId xmlns:p14="http://schemas.microsoft.com/office/powerpoint/2010/main" val="288518067"/>
       </p:ext>
     </p:extLst>
   </p:cSld>
@@ -5208,50 +5392,189 @@
       </p:grpSpPr>
       <p:sp>
         <p:nvSpPr>
-          <p:cNvPr id="5" name="제목 1"/>
-          <p:cNvSpPr txBox="1">
-            <a:spLocks/>
-          </p:cNvSpPr>
-          <p:nvPr/>
+          <p:cNvPr id="2" name="제목 1"/>
+          <p:cNvSpPr>
+            <a:spLocks noGrp="1"/>
+          </p:cNvSpPr>
+          <p:nvPr>
+            <p:ph type="ctrTitle"/>
+          </p:nvPr>
         </p:nvSpPr>
         <p:spPr>
           <a:xfrm>
-            <a:off x="827584" y="2204864"/>
+            <a:off x="685800" y="2535039"/>
             <a:ext cx="7772400" cy="1470025"/>
           </a:xfrm>
-          <a:prstGeom prst="rect">
-            <a:avLst/>
-          </a:prstGeom>
         </p:spPr>
         <p:txBody>
-          <a:bodyPr vert="horz" lIns="91440" tIns="45720" rIns="91440" bIns="45720" rtlCol="0" anchor="ctr">
-            <a:normAutofit/>
+          <a:bodyPr>
+            <a:noAutofit/>
           </a:bodyPr>
-          <a:lstStyle>
-            <a:lvl1pPr algn="ctr" defTabSz="914400" rtl="0" eaLnBrk="1" latinLnBrk="1" hangingPunct="1">
-              <a:spcBef>
-                <a:spcPct val="0"/>
-              </a:spcBef>
-              <a:buNone/>
-              <a:defRPr sz="4400" kern="1200">
-                <a:solidFill>
-                  <a:schemeClr val="tx1"/>
-                </a:solidFill>
-                <a:latin typeface="+mj-lt"/>
-                <a:ea typeface="+mj-ea"/>
-                <a:cs typeface="+mj-cs"/>
-              </a:defRPr>
-            </a:lvl1pPr>
-          </a:lstStyle>
-          <a:p>
-            <a:r>
-              <a:rPr lang="ko-KR" altLang="en-US" dirty="0" smtClean="0">
-                <a:latin typeface="배달의민족 주아" pitchFamily="18" charset="-127"/>
-                <a:ea typeface="배달의민족 주아" pitchFamily="18" charset="-127"/>
-              </a:rPr>
-              <a:t>감사합니다</a:t>
-            </a:r>
-            <a:endParaRPr lang="ko-KR" altLang="en-US" dirty="0">
+          <a:lstStyle/>
+          <a:p>
+            <a:pPr algn="l">
+              <a:tabLst>
+                <a:tab pos="2336800" algn="l"/>
+              </a:tabLst>
+            </a:pPr>
+            <a:r>
+              <a:rPr lang="en-US" altLang="ko-KR" sz="3200" dirty="0" smtClean="0">
+                <a:latin typeface="배달의민족 주아" pitchFamily="18" charset="-127"/>
+                <a:ea typeface="배달의민족 주아" pitchFamily="18" charset="-127"/>
+              </a:rPr>
+              <a:t>1. &lt;</a:t>
+            </a:r>
+            <a:r>
+              <a:rPr lang="en-US" altLang="ko-KR" sz="3200" dirty="0" err="1" smtClean="0">
+                <a:latin typeface="배달의민족 주아" pitchFamily="18" charset="-127"/>
+                <a:ea typeface="배달의민족 주아" pitchFamily="18" charset="-127"/>
+              </a:rPr>
+              <a:t>tr</a:t>
+            </a:r>
+            <a:r>
+              <a:rPr lang="en-US" altLang="ko-KR" sz="3200" dirty="0" smtClean="0">
+                <a:latin typeface="배달의민족 주아" pitchFamily="18" charset="-127"/>
+                <a:ea typeface="배달의민족 주아" pitchFamily="18" charset="-127"/>
+              </a:rPr>
+              <a:t>&gt;</a:t>
+            </a:r>
+            <a:r>
+              <a:rPr lang="ko-KR" altLang="en-US" sz="3200" dirty="0" smtClean="0">
+                <a:latin typeface="배달의민족 주아" pitchFamily="18" charset="-127"/>
+                <a:ea typeface="배달의민족 주아" pitchFamily="18" charset="-127"/>
+              </a:rPr>
+              <a:t>태그는 테이블에서 열을 구분</a:t>
+            </a:r>
+            <a:r>
+              <a:rPr lang="en-US" altLang="ko-KR" sz="3200" dirty="0" smtClean="0">
+                <a:latin typeface="배달의민족 주아" pitchFamily="18" charset="-127"/>
+                <a:ea typeface="배달의민족 주아" pitchFamily="18" charset="-127"/>
+              </a:rPr>
+              <a:t/>
+            </a:r>
+            <a:br>
+              <a:rPr lang="en-US" altLang="ko-KR" sz="3200" dirty="0" smtClean="0">
+                <a:latin typeface="배달의민족 주아" pitchFamily="18" charset="-127"/>
+                <a:ea typeface="배달의민족 주아" pitchFamily="18" charset="-127"/>
+              </a:rPr>
+            </a:br>
+            <a:r>
+              <a:rPr lang="en-US" altLang="ko-KR" sz="3200" dirty="0" smtClean="0">
+                <a:latin typeface="배달의민족 주아" pitchFamily="18" charset="-127"/>
+                <a:ea typeface="배달의민족 주아" pitchFamily="18" charset="-127"/>
+              </a:rPr>
+              <a:t/>
+            </a:r>
+            <a:br>
+              <a:rPr lang="en-US" altLang="ko-KR" sz="3200" dirty="0" smtClean="0">
+                <a:latin typeface="배달의민족 주아" pitchFamily="18" charset="-127"/>
+                <a:ea typeface="배달의민족 주아" pitchFamily="18" charset="-127"/>
+              </a:rPr>
+            </a:br>
+            <a:r>
+              <a:rPr lang="en-US" altLang="ko-KR" sz="3200" dirty="0" smtClean="0">
+                <a:latin typeface="배달의민족 주아" pitchFamily="18" charset="-127"/>
+                <a:ea typeface="배달의민족 주아" pitchFamily="18" charset="-127"/>
+              </a:rPr>
+              <a:t>2. &lt;</a:t>
+            </a:r>
+            <a:r>
+              <a:rPr lang="en-US" altLang="ko-KR" sz="3200" dirty="0" err="1" smtClean="0">
+                <a:latin typeface="배달의민족 주아" pitchFamily="18" charset="-127"/>
+                <a:ea typeface="배달의민족 주아" pitchFamily="18" charset="-127"/>
+              </a:rPr>
+              <a:t>th</a:t>
+            </a:r>
+            <a:r>
+              <a:rPr lang="en-US" altLang="ko-KR" sz="3200" dirty="0" smtClean="0">
+                <a:latin typeface="배달의민족 주아" pitchFamily="18" charset="-127"/>
+                <a:ea typeface="배달의민족 주아" pitchFamily="18" charset="-127"/>
+              </a:rPr>
+              <a:t>&gt; </a:t>
+            </a:r>
+            <a:r>
+              <a:rPr lang="ko-KR" altLang="en-US" sz="3200" dirty="0" smtClean="0">
+                <a:latin typeface="배달의민족 주아" pitchFamily="18" charset="-127"/>
+                <a:ea typeface="배달의민족 주아" pitchFamily="18" charset="-127"/>
+              </a:rPr>
+              <a:t>태그는 각 열의 제목을 나타내며</a:t>
+            </a:r>
+            <a:r>
+              <a:rPr lang="en-US" altLang="ko-KR" sz="3200" dirty="0" smtClean="0">
+                <a:latin typeface="배달의민족 주아" pitchFamily="18" charset="-127"/>
+                <a:ea typeface="배달의민족 주아" pitchFamily="18" charset="-127"/>
+              </a:rPr>
+              <a:t>, </a:t>
+            </a:r>
+            <a:r>
+              <a:rPr lang="ko-KR" altLang="en-US" sz="3200" dirty="0" smtClean="0">
+                <a:latin typeface="배달의민족 주아" pitchFamily="18" charset="-127"/>
+                <a:ea typeface="배달의민족 주아" pitchFamily="18" charset="-127"/>
+              </a:rPr>
+              <a:t>자동으로 굵은 글씨에 가운데 정렬이 된다</a:t>
+            </a:r>
+            <a:r>
+              <a:rPr lang="en-US" altLang="ko-KR" sz="3200" dirty="0" smtClean="0">
+                <a:latin typeface="배달의민족 주아" pitchFamily="18" charset="-127"/>
+                <a:ea typeface="배달의민족 주아" pitchFamily="18" charset="-127"/>
+              </a:rPr>
+              <a:t>.</a:t>
+            </a:r>
+            <a:br>
+              <a:rPr lang="en-US" altLang="ko-KR" sz="3200" dirty="0" smtClean="0">
+                <a:latin typeface="배달의민족 주아" pitchFamily="18" charset="-127"/>
+                <a:ea typeface="배달의민족 주아" pitchFamily="18" charset="-127"/>
+              </a:rPr>
+            </a:br>
+            <a:r>
+              <a:rPr lang="en-US" altLang="ko-KR" sz="3200" dirty="0" smtClean="0">
+                <a:latin typeface="배달의민족 주아" pitchFamily="18" charset="-127"/>
+                <a:ea typeface="배달의민족 주아" pitchFamily="18" charset="-127"/>
+              </a:rPr>
+              <a:t/>
+            </a:r>
+            <a:br>
+              <a:rPr lang="en-US" altLang="ko-KR" sz="3200" dirty="0" smtClean="0">
+                <a:latin typeface="배달의민족 주아" pitchFamily="18" charset="-127"/>
+                <a:ea typeface="배달의민족 주아" pitchFamily="18" charset="-127"/>
+              </a:rPr>
+            </a:br>
+            <a:r>
+              <a:rPr lang="en-US" altLang="ko-KR" sz="3200" dirty="0" smtClean="0">
+                <a:latin typeface="배달의민족 주아" pitchFamily="18" charset="-127"/>
+                <a:ea typeface="배달의민족 주아" pitchFamily="18" charset="-127"/>
+              </a:rPr>
+              <a:t>3. &lt;td&gt;</a:t>
+            </a:r>
+            <a:r>
+              <a:rPr lang="ko-KR" altLang="en-US" sz="3200" dirty="0" smtClean="0">
+                <a:latin typeface="배달의민족 주아" pitchFamily="18" charset="-127"/>
+                <a:ea typeface="배달의민족 주아" pitchFamily="18" charset="-127"/>
+              </a:rPr>
+              <a:t>태그는 테이블의 열을 셀</a:t>
+            </a:r>
+            <a:r>
+              <a:rPr lang="en-US" altLang="ko-KR" sz="3200" dirty="0" smtClean="0">
+                <a:latin typeface="배달의민족 주아" pitchFamily="18" charset="-127"/>
+                <a:ea typeface="배달의민족 주아" pitchFamily="18" charset="-127"/>
+              </a:rPr>
+              <a:t>(cell)</a:t>
+            </a:r>
+            <a:r>
+              <a:rPr lang="ko-KR" altLang="en-US" sz="3200" dirty="0" smtClean="0">
+                <a:latin typeface="배달의민족 주아" pitchFamily="18" charset="-127"/>
+                <a:ea typeface="배달의민족 주아" pitchFamily="18" charset="-127"/>
+              </a:rPr>
+              <a:t>로 나누어 준다</a:t>
+            </a:r>
+            <a:r>
+              <a:rPr lang="en-US" altLang="ko-KR" sz="3200" dirty="0" smtClean="0">
+                <a:latin typeface="배달의민족 주아" pitchFamily="18" charset="-127"/>
+                <a:ea typeface="배달의민족 주아" pitchFamily="18" charset="-127"/>
+              </a:rPr>
+              <a:t>. </a:t>
+            </a:r>
+            <a:endParaRPr lang="ko-KR" altLang="en-US" sz="3200" dirty="0">
               <a:latin typeface="배달의민족 주아" pitchFamily="18" charset="-127"/>
               <a:ea typeface="배달의민족 주아" pitchFamily="18" charset="-127"/>
             </a:endParaRPr>
@@ -5418,7 +5741,889 @@
     </p:spTree>
     <p:extLst>
       <p:ext uri="{BB962C8B-B14F-4D97-AF65-F5344CB8AC3E}">
-        <p14:creationId xmlns:p14="http://schemas.microsoft.com/office/powerpoint/2010/main" val="984902709"/>
+        <p14:creationId xmlns:p14="http://schemas.microsoft.com/office/powerpoint/2010/main" val="637846642"/>
+      </p:ext>
+    </p:extLst>
+  </p:cSld>
+  <p:clrMapOvr>
+    <a:masterClrMapping/>
+  </p:clrMapOvr>
+  <p:timing>
+    <p:tnLst>
+      <p:par>
+        <p:cTn id="1" dur="indefinite" restart="never" nodeType="tmRoot"/>
+      </p:par>
+    </p:tnLst>
+  </p:timing>
+</p:sld>
+</file>
+
+<file path=ppt/slides/slide8.xml><?xml version="1.0" encoding="utf-8"?>
+<p:sld xmlns:a="http://schemas.openxmlformats.org/drawingml/2006/main" xmlns:r="http://schemas.openxmlformats.org/officeDocument/2006/relationships" xmlns:p="http://schemas.openxmlformats.org/presentationml/2006/main">
+  <p:cSld>
+    <p:spTree>
+      <p:nvGrpSpPr>
+        <p:cNvPr id="1" name=""/>
+        <p:cNvGrpSpPr/>
+        <p:nvPr/>
+      </p:nvGrpSpPr>
+      <p:grpSpPr>
+        <a:xfrm>
+          <a:off x="0" y="0"/>
+          <a:ext cx="0" cy="0"/>
+          <a:chOff x="0" y="0"/>
+          <a:chExt cx="0" cy="0"/>
+        </a:xfrm>
+      </p:grpSpPr>
+      <p:sp>
+        <p:nvSpPr>
+          <p:cNvPr id="2" name="제목 1"/>
+          <p:cNvSpPr>
+            <a:spLocks noGrp="1"/>
+          </p:cNvSpPr>
+          <p:nvPr>
+            <p:ph type="ctrTitle"/>
+          </p:nvPr>
+        </p:nvSpPr>
+        <p:spPr>
+          <a:xfrm>
+            <a:off x="2483768" y="1484784"/>
+            <a:ext cx="7772400" cy="3600400"/>
+          </a:xfrm>
+        </p:spPr>
+        <p:txBody>
+          <a:bodyPr>
+            <a:noAutofit/>
+          </a:bodyPr>
+          <a:lstStyle/>
+          <a:p>
+            <a:pPr algn="l" defTabSz="876300">
+              <a:tabLst>
+                <a:tab pos="1790700" algn="l"/>
+                <a:tab pos="1879600" algn="l"/>
+              </a:tabLst>
+            </a:pPr>
+            <a:r>
+              <a:rPr lang="en-US" altLang="ko-KR" sz="2400" dirty="0" smtClean="0">
+                <a:latin typeface="배달의민족 주아" pitchFamily="18" charset="-127"/>
+                <a:ea typeface="배달의민족 주아" pitchFamily="18" charset="-127"/>
+              </a:rPr>
+              <a:t>&lt;table border=“”1””&gt;</a:t>
+            </a:r>
+            <a:br>
+              <a:rPr lang="en-US" altLang="ko-KR" sz="2400" dirty="0" smtClean="0">
+                <a:latin typeface="배달의민족 주아" pitchFamily="18" charset="-127"/>
+                <a:ea typeface="배달의민족 주아" pitchFamily="18" charset="-127"/>
+              </a:rPr>
+            </a:br>
+            <a:r>
+              <a:rPr lang="en-US" altLang="ko-KR" sz="2400" dirty="0" smtClean="0">
+                <a:latin typeface="배달의민족 주아" pitchFamily="18" charset="-127"/>
+                <a:ea typeface="배달의민족 주아" pitchFamily="18" charset="-127"/>
+              </a:rPr>
+              <a:t>    &lt;</a:t>
+            </a:r>
+            <a:r>
+              <a:rPr lang="en-US" altLang="ko-KR" sz="2400" dirty="0" err="1" smtClean="0">
+                <a:latin typeface="배달의민족 주아" pitchFamily="18" charset="-127"/>
+                <a:ea typeface="배달의민족 주아" pitchFamily="18" charset="-127"/>
+              </a:rPr>
+              <a:t>tr</a:t>
+            </a:r>
+            <a:r>
+              <a:rPr lang="en-US" altLang="ko-KR" sz="2400" dirty="0" smtClean="0">
+                <a:latin typeface="배달의민족 주아" pitchFamily="18" charset="-127"/>
+                <a:ea typeface="배달의민족 주아" pitchFamily="18" charset="-127"/>
+              </a:rPr>
+              <a:t>&gt;</a:t>
+            </a:r>
+            <a:br>
+              <a:rPr lang="en-US" altLang="ko-KR" sz="2400" dirty="0" smtClean="0">
+                <a:latin typeface="배달의민족 주아" pitchFamily="18" charset="-127"/>
+                <a:ea typeface="배달의민족 주아" pitchFamily="18" charset="-127"/>
+              </a:rPr>
+            </a:br>
+            <a:r>
+              <a:rPr lang="en-US" altLang="ko-KR" sz="2400" dirty="0" smtClean="0">
+                <a:latin typeface="배달의민족 주아" pitchFamily="18" charset="-127"/>
+                <a:ea typeface="배달의민족 주아" pitchFamily="18" charset="-127"/>
+              </a:rPr>
+              <a:t>        &lt;</a:t>
+            </a:r>
+            <a:r>
+              <a:rPr lang="en-US" altLang="ko-KR" sz="2400" dirty="0" err="1" smtClean="0">
+                <a:latin typeface="배달의민족 주아" pitchFamily="18" charset="-127"/>
+                <a:ea typeface="배달의민족 주아" pitchFamily="18" charset="-127"/>
+              </a:rPr>
+              <a:t>th</a:t>
+            </a:r>
+            <a:r>
+              <a:rPr lang="en-US" altLang="ko-KR" sz="2400" dirty="0" smtClean="0">
+                <a:latin typeface="배달의민족 주아" pitchFamily="18" charset="-127"/>
+                <a:ea typeface="배달의민족 주아" pitchFamily="18" charset="-127"/>
+              </a:rPr>
+              <a:t>&gt;</a:t>
+            </a:r>
+            <a:r>
+              <a:rPr lang="ko-KR" altLang="en-US" sz="2400" dirty="0" smtClean="0">
+                <a:latin typeface="배달의민족 주아" pitchFamily="18" charset="-127"/>
+                <a:ea typeface="배달의민족 주아" pitchFamily="18" charset="-127"/>
+              </a:rPr>
+              <a:t>음식</a:t>
+            </a:r>
+            <a:r>
+              <a:rPr lang="en-US" altLang="ko-KR" sz="2400" dirty="0" smtClean="0">
+                <a:latin typeface="배달의민족 주아" pitchFamily="18" charset="-127"/>
+                <a:ea typeface="배달의민족 주아" pitchFamily="18" charset="-127"/>
+              </a:rPr>
+              <a:t>&lt;/</a:t>
+            </a:r>
+            <a:r>
+              <a:rPr lang="en-US" altLang="ko-KR" sz="2400" dirty="0" err="1" smtClean="0">
+                <a:latin typeface="배달의민족 주아" pitchFamily="18" charset="-127"/>
+                <a:ea typeface="배달의민족 주아" pitchFamily="18" charset="-127"/>
+              </a:rPr>
+              <a:t>th</a:t>
+            </a:r>
+            <a:r>
+              <a:rPr lang="en-US" altLang="ko-KR" sz="2400" dirty="0" smtClean="0">
+                <a:latin typeface="배달의민족 주아" pitchFamily="18" charset="-127"/>
+                <a:ea typeface="배달의민족 주아" pitchFamily="18" charset="-127"/>
+              </a:rPr>
+              <a:t>&gt;</a:t>
+            </a:r>
+            <a:br>
+              <a:rPr lang="en-US" altLang="ko-KR" sz="2400" dirty="0" smtClean="0">
+                <a:latin typeface="배달의민족 주아" pitchFamily="18" charset="-127"/>
+                <a:ea typeface="배달의민족 주아" pitchFamily="18" charset="-127"/>
+              </a:rPr>
+            </a:br>
+            <a:r>
+              <a:rPr lang="en-US" altLang="ko-KR" sz="2400" dirty="0" smtClean="0">
+                <a:latin typeface="배달의민족 주아" pitchFamily="18" charset="-127"/>
+                <a:ea typeface="배달의민족 주아" pitchFamily="18" charset="-127"/>
+              </a:rPr>
+              <a:t>        &lt;</a:t>
+            </a:r>
+            <a:r>
+              <a:rPr lang="en-US" altLang="ko-KR" sz="2400" dirty="0" err="1" smtClean="0">
+                <a:latin typeface="배달의민족 주아" pitchFamily="18" charset="-127"/>
+                <a:ea typeface="배달의민족 주아" pitchFamily="18" charset="-127"/>
+              </a:rPr>
+              <a:t>th</a:t>
+            </a:r>
+            <a:r>
+              <a:rPr lang="en-US" altLang="ko-KR" sz="2400" dirty="0" smtClean="0">
+                <a:latin typeface="배달의민족 주아" pitchFamily="18" charset="-127"/>
+                <a:ea typeface="배달의민족 주아" pitchFamily="18" charset="-127"/>
+              </a:rPr>
+              <a:t>&gt;</a:t>
+            </a:r>
+            <a:r>
+              <a:rPr lang="ko-KR" altLang="en-US" sz="2400" dirty="0" smtClean="0">
+                <a:latin typeface="배달의민족 주아" pitchFamily="18" charset="-127"/>
+                <a:ea typeface="배달의민족 주아" pitchFamily="18" charset="-127"/>
+              </a:rPr>
+              <a:t>가격</a:t>
+            </a:r>
+            <a:r>
+              <a:rPr lang="en-US" altLang="ko-KR" sz="2400" dirty="0" smtClean="0">
+                <a:latin typeface="배달의민족 주아" pitchFamily="18" charset="-127"/>
+                <a:ea typeface="배달의민족 주아" pitchFamily="18" charset="-127"/>
+              </a:rPr>
+              <a:t>&lt;/</a:t>
+            </a:r>
+            <a:r>
+              <a:rPr lang="en-US" altLang="ko-KR" sz="2400" dirty="0" err="1" smtClean="0">
+                <a:latin typeface="배달의민족 주아" pitchFamily="18" charset="-127"/>
+                <a:ea typeface="배달의민족 주아" pitchFamily="18" charset="-127"/>
+              </a:rPr>
+              <a:t>th</a:t>
+            </a:r>
+            <a:r>
+              <a:rPr lang="en-US" altLang="ko-KR" sz="2400" dirty="0" smtClean="0">
+                <a:latin typeface="배달의민족 주아" pitchFamily="18" charset="-127"/>
+                <a:ea typeface="배달의민족 주아" pitchFamily="18" charset="-127"/>
+              </a:rPr>
+              <a:t>&gt;</a:t>
+            </a:r>
+            <a:r>
+              <a:rPr lang="en-US" altLang="ko-KR" sz="2400" dirty="0" smtClean="0">
+                <a:latin typeface="배달의민족 주아" pitchFamily="18" charset="-127"/>
+                <a:ea typeface="배달의민족 주아" pitchFamily="18" charset="-127"/>
+              </a:rPr>
+              <a:t/>
+            </a:r>
+            <a:br>
+              <a:rPr lang="en-US" altLang="ko-KR" sz="2400" dirty="0" smtClean="0">
+                <a:latin typeface="배달의민족 주아" pitchFamily="18" charset="-127"/>
+                <a:ea typeface="배달의민족 주아" pitchFamily="18" charset="-127"/>
+              </a:rPr>
+            </a:br>
+            <a:r>
+              <a:rPr lang="en-US" altLang="ko-KR" sz="2400" dirty="0" smtClean="0">
+                <a:latin typeface="배달의민족 주아" pitchFamily="18" charset="-127"/>
+                <a:ea typeface="배달의민족 주아" pitchFamily="18" charset="-127"/>
+              </a:rPr>
+              <a:t>    &lt;/</a:t>
+            </a:r>
+            <a:r>
+              <a:rPr lang="en-US" altLang="ko-KR" sz="2400" dirty="0" err="1" smtClean="0">
+                <a:latin typeface="배달의민족 주아" pitchFamily="18" charset="-127"/>
+                <a:ea typeface="배달의민족 주아" pitchFamily="18" charset="-127"/>
+              </a:rPr>
+              <a:t>tr</a:t>
+            </a:r>
+            <a:r>
+              <a:rPr lang="en-US" altLang="ko-KR" sz="2400" dirty="0" smtClean="0">
+                <a:latin typeface="배달의민족 주아" pitchFamily="18" charset="-127"/>
+                <a:ea typeface="배달의민족 주아" pitchFamily="18" charset="-127"/>
+              </a:rPr>
+              <a:t>&gt;</a:t>
+            </a:r>
+            <a:br>
+              <a:rPr lang="en-US" altLang="ko-KR" sz="2400" dirty="0" smtClean="0">
+                <a:latin typeface="배달의민족 주아" pitchFamily="18" charset="-127"/>
+                <a:ea typeface="배달의민족 주아" pitchFamily="18" charset="-127"/>
+              </a:rPr>
+            </a:br>
+            <a:r>
+              <a:rPr lang="en-US" altLang="ko-KR" sz="2400" dirty="0" smtClean="0">
+                <a:latin typeface="배달의민족 주아" pitchFamily="18" charset="-127"/>
+                <a:ea typeface="배달의민족 주아" pitchFamily="18" charset="-127"/>
+              </a:rPr>
+              <a:t>    &lt;</a:t>
+            </a:r>
+            <a:r>
+              <a:rPr lang="en-US" altLang="ko-KR" sz="2400" dirty="0" err="1" smtClean="0">
+                <a:latin typeface="배달의민족 주아" pitchFamily="18" charset="-127"/>
+                <a:ea typeface="배달의민족 주아" pitchFamily="18" charset="-127"/>
+              </a:rPr>
+              <a:t>tr</a:t>
+            </a:r>
+            <a:r>
+              <a:rPr lang="en-US" altLang="ko-KR" sz="2400" dirty="0" smtClean="0">
+                <a:latin typeface="배달의민족 주아" pitchFamily="18" charset="-127"/>
+                <a:ea typeface="배달의민족 주아" pitchFamily="18" charset="-127"/>
+              </a:rPr>
+              <a:t>&gt;</a:t>
+            </a:r>
+            <a:br>
+              <a:rPr lang="en-US" altLang="ko-KR" sz="2400" dirty="0" smtClean="0">
+                <a:latin typeface="배달의민족 주아" pitchFamily="18" charset="-127"/>
+                <a:ea typeface="배달의민족 주아" pitchFamily="18" charset="-127"/>
+              </a:rPr>
+            </a:br>
+            <a:r>
+              <a:rPr lang="en-US" altLang="ko-KR" sz="2400" dirty="0" smtClean="0">
+                <a:latin typeface="배달의민족 주아" pitchFamily="18" charset="-127"/>
+                <a:ea typeface="배달의민족 주아" pitchFamily="18" charset="-127"/>
+              </a:rPr>
+              <a:t>        &lt;td&gt;</a:t>
+            </a:r>
+            <a:r>
+              <a:rPr lang="ko-KR" altLang="en-US" sz="2400" dirty="0" smtClean="0">
+                <a:latin typeface="배달의민족 주아" pitchFamily="18" charset="-127"/>
+                <a:ea typeface="배달의민족 주아" pitchFamily="18" charset="-127"/>
+              </a:rPr>
+              <a:t>피자</a:t>
+            </a:r>
+            <a:r>
+              <a:rPr lang="en-US" altLang="ko-KR" sz="2400" dirty="0" smtClean="0">
+                <a:latin typeface="배달의민족 주아" pitchFamily="18" charset="-127"/>
+                <a:ea typeface="배달의민족 주아" pitchFamily="18" charset="-127"/>
+              </a:rPr>
+              <a:t>&lt;/td&gt;</a:t>
+            </a:r>
+            <a:br>
+              <a:rPr lang="en-US" altLang="ko-KR" sz="2400" dirty="0" smtClean="0">
+                <a:latin typeface="배달의민족 주아" pitchFamily="18" charset="-127"/>
+                <a:ea typeface="배달의민족 주아" pitchFamily="18" charset="-127"/>
+              </a:rPr>
+            </a:br>
+            <a:r>
+              <a:rPr lang="en-US" altLang="ko-KR" sz="2400" dirty="0" smtClean="0">
+                <a:latin typeface="배달의민족 주아" pitchFamily="18" charset="-127"/>
+                <a:ea typeface="배달의민족 주아" pitchFamily="18" charset="-127"/>
+              </a:rPr>
+              <a:t>        &lt;td&gt;15000</a:t>
+            </a:r>
+            <a:r>
+              <a:rPr lang="ko-KR" altLang="en-US" sz="2400" dirty="0" smtClean="0">
+                <a:latin typeface="배달의민족 주아" pitchFamily="18" charset="-127"/>
+                <a:ea typeface="배달의민족 주아" pitchFamily="18" charset="-127"/>
+              </a:rPr>
+              <a:t>원</a:t>
+            </a:r>
+            <a:r>
+              <a:rPr lang="en-US" altLang="ko-KR" sz="2400" dirty="0" smtClean="0">
+                <a:latin typeface="배달의민족 주아" pitchFamily="18" charset="-127"/>
+                <a:ea typeface="배달의민족 주아" pitchFamily="18" charset="-127"/>
+              </a:rPr>
+              <a:t>&lt;/td&gt;</a:t>
+            </a:r>
+            <a:br>
+              <a:rPr lang="en-US" altLang="ko-KR" sz="2400" dirty="0" smtClean="0">
+                <a:latin typeface="배달의민족 주아" pitchFamily="18" charset="-127"/>
+                <a:ea typeface="배달의민족 주아" pitchFamily="18" charset="-127"/>
+              </a:rPr>
+            </a:br>
+            <a:r>
+              <a:rPr lang="en-US" altLang="ko-KR" sz="2400" dirty="0" smtClean="0">
+                <a:latin typeface="배달의민족 주아" pitchFamily="18" charset="-127"/>
+                <a:ea typeface="배달의민족 주아" pitchFamily="18" charset="-127"/>
+              </a:rPr>
+              <a:t>    &lt;/</a:t>
+            </a:r>
+            <a:r>
+              <a:rPr lang="en-US" altLang="ko-KR" sz="2400" dirty="0" err="1" smtClean="0">
+                <a:latin typeface="배달의민족 주아" pitchFamily="18" charset="-127"/>
+                <a:ea typeface="배달의민족 주아" pitchFamily="18" charset="-127"/>
+              </a:rPr>
+              <a:t>tr</a:t>
+            </a:r>
+            <a:r>
+              <a:rPr lang="en-US" altLang="ko-KR" sz="2400" dirty="0" smtClean="0">
+                <a:latin typeface="배달의민족 주아" pitchFamily="18" charset="-127"/>
+                <a:ea typeface="배달의민족 주아" pitchFamily="18" charset="-127"/>
+              </a:rPr>
+              <a:t>&gt;</a:t>
+            </a:r>
+            <a:br>
+              <a:rPr lang="en-US" altLang="ko-KR" sz="2400" dirty="0" smtClean="0">
+                <a:latin typeface="배달의민족 주아" pitchFamily="18" charset="-127"/>
+                <a:ea typeface="배달의민족 주아" pitchFamily="18" charset="-127"/>
+              </a:rPr>
+            </a:br>
+            <a:r>
+              <a:rPr lang="en-US" altLang="ko-KR" sz="2400" dirty="0" smtClean="0">
+                <a:latin typeface="배달의민족 주아" pitchFamily="18" charset="-127"/>
+                <a:ea typeface="배달의민족 주아" pitchFamily="18" charset="-127"/>
+              </a:rPr>
+              <a:t>    &lt;</a:t>
+            </a:r>
+            <a:r>
+              <a:rPr lang="en-US" altLang="ko-KR" sz="2400" dirty="0" err="1" smtClean="0">
+                <a:latin typeface="배달의민족 주아" pitchFamily="18" charset="-127"/>
+                <a:ea typeface="배달의민족 주아" pitchFamily="18" charset="-127"/>
+              </a:rPr>
+              <a:t>tr</a:t>
+            </a:r>
+            <a:r>
+              <a:rPr lang="en-US" altLang="ko-KR" sz="2400" dirty="0" smtClean="0">
+                <a:latin typeface="배달의민족 주아" pitchFamily="18" charset="-127"/>
+                <a:ea typeface="배달의민족 주아" pitchFamily="18" charset="-127"/>
+              </a:rPr>
+              <a:t>&gt;</a:t>
+            </a:r>
+            <a:br>
+              <a:rPr lang="en-US" altLang="ko-KR" sz="2400" dirty="0" smtClean="0">
+                <a:latin typeface="배달의민족 주아" pitchFamily="18" charset="-127"/>
+                <a:ea typeface="배달의민족 주아" pitchFamily="18" charset="-127"/>
+              </a:rPr>
+            </a:br>
+            <a:r>
+              <a:rPr lang="en-US" altLang="ko-KR" sz="2400" dirty="0" smtClean="0">
+                <a:latin typeface="배달의민족 주아" pitchFamily="18" charset="-127"/>
+                <a:ea typeface="배달의민족 주아" pitchFamily="18" charset="-127"/>
+              </a:rPr>
+              <a:t>        &lt;td&gt;</a:t>
+            </a:r>
+            <a:r>
+              <a:rPr lang="ko-KR" altLang="en-US" sz="2400" dirty="0" smtClean="0">
+                <a:latin typeface="배달의민족 주아" pitchFamily="18" charset="-127"/>
+                <a:ea typeface="배달의민족 주아" pitchFamily="18" charset="-127"/>
+              </a:rPr>
+              <a:t>치킨</a:t>
+            </a:r>
+            <a:r>
+              <a:rPr lang="en-US" altLang="ko-KR" sz="2400" dirty="0" smtClean="0">
+                <a:latin typeface="배달의민족 주아" pitchFamily="18" charset="-127"/>
+                <a:ea typeface="배달의민족 주아" pitchFamily="18" charset="-127"/>
+              </a:rPr>
+              <a:t>&lt;/td&gt;</a:t>
+            </a:r>
+            <a:br>
+              <a:rPr lang="en-US" altLang="ko-KR" sz="2400" dirty="0" smtClean="0">
+                <a:latin typeface="배달의민족 주아" pitchFamily="18" charset="-127"/>
+                <a:ea typeface="배달의민족 주아" pitchFamily="18" charset="-127"/>
+              </a:rPr>
+            </a:br>
+            <a:r>
+              <a:rPr lang="en-US" altLang="ko-KR" sz="2400" dirty="0" smtClean="0">
+                <a:latin typeface="배달의민족 주아" pitchFamily="18" charset="-127"/>
+                <a:ea typeface="배달의민족 주아" pitchFamily="18" charset="-127"/>
+              </a:rPr>
+              <a:t>        &lt;td&gt;20000</a:t>
+            </a:r>
+            <a:r>
+              <a:rPr lang="ko-KR" altLang="en-US" sz="2400" dirty="0" smtClean="0">
+                <a:latin typeface="배달의민족 주아" pitchFamily="18" charset="-127"/>
+                <a:ea typeface="배달의민족 주아" pitchFamily="18" charset="-127"/>
+              </a:rPr>
+              <a:t>원</a:t>
+            </a:r>
+            <a:r>
+              <a:rPr lang="en-US" altLang="ko-KR" sz="2400" dirty="0" smtClean="0">
+                <a:latin typeface="배달의민족 주아" pitchFamily="18" charset="-127"/>
+                <a:ea typeface="배달의민족 주아" pitchFamily="18" charset="-127"/>
+              </a:rPr>
+              <a:t>&lt;/td&gt;</a:t>
+            </a:r>
+            <a:br>
+              <a:rPr lang="en-US" altLang="ko-KR" sz="2400" dirty="0" smtClean="0">
+                <a:latin typeface="배달의민족 주아" pitchFamily="18" charset="-127"/>
+                <a:ea typeface="배달의민족 주아" pitchFamily="18" charset="-127"/>
+              </a:rPr>
+            </a:br>
+            <a:r>
+              <a:rPr lang="en-US" altLang="ko-KR" sz="2400" dirty="0" smtClean="0">
+                <a:latin typeface="배달의민족 주아" pitchFamily="18" charset="-127"/>
+                <a:ea typeface="배달의민족 주아" pitchFamily="18" charset="-127"/>
+              </a:rPr>
+              <a:t>    &lt;/</a:t>
+            </a:r>
+            <a:r>
+              <a:rPr lang="en-US" altLang="ko-KR" sz="2400" dirty="0" err="1" smtClean="0">
+                <a:latin typeface="배달의민족 주아" pitchFamily="18" charset="-127"/>
+                <a:ea typeface="배달의민족 주아" pitchFamily="18" charset="-127"/>
+              </a:rPr>
+              <a:t>tr</a:t>
+            </a:r>
+            <a:r>
+              <a:rPr lang="en-US" altLang="ko-KR" sz="2400" dirty="0" smtClean="0">
+                <a:latin typeface="배달의민족 주아" pitchFamily="18" charset="-127"/>
+                <a:ea typeface="배달의민족 주아" pitchFamily="18" charset="-127"/>
+              </a:rPr>
+              <a:t>&gt;</a:t>
+            </a:r>
+            <a:r>
+              <a:rPr lang="en-US" altLang="ko-KR" sz="2400" dirty="0" smtClean="0">
+                <a:latin typeface="배달의민족 주아" pitchFamily="18" charset="-127"/>
+                <a:ea typeface="배달의민족 주아" pitchFamily="18" charset="-127"/>
+              </a:rPr>
+              <a:t/>
+            </a:r>
+            <a:br>
+              <a:rPr lang="en-US" altLang="ko-KR" sz="2400" dirty="0" smtClean="0">
+                <a:latin typeface="배달의민족 주아" pitchFamily="18" charset="-127"/>
+                <a:ea typeface="배달의민족 주아" pitchFamily="18" charset="-127"/>
+              </a:rPr>
+            </a:br>
+            <a:r>
+              <a:rPr lang="en-US" altLang="ko-KR" sz="2400" dirty="0" smtClean="0">
+                <a:latin typeface="배달의민족 주아" pitchFamily="18" charset="-127"/>
+                <a:ea typeface="배달의민족 주아" pitchFamily="18" charset="-127"/>
+              </a:rPr>
+              <a:t>&lt;/table&gt;</a:t>
+            </a:r>
+            <a:endParaRPr lang="ko-KR" altLang="en-US" sz="2400" dirty="0">
+              <a:latin typeface="배달의민족 주아" pitchFamily="18" charset="-127"/>
+              <a:ea typeface="배달의민족 주아" pitchFamily="18" charset="-127"/>
+            </a:endParaRPr>
+          </a:p>
+        </p:txBody>
+      </p:sp>
+      <p:sp>
+        <p:nvSpPr>
+          <p:cNvPr id="5" name="TextBox 2"/>
+          <p:cNvSpPr txBox="1"/>
+          <p:nvPr/>
+        </p:nvSpPr>
+        <p:spPr>
+          <a:xfrm>
+            <a:off x="6948264" y="6093296"/>
+            <a:ext cx="1838965" cy="369332"/>
+          </a:xfrm>
+          <a:prstGeom prst="rect">
+            <a:avLst/>
+          </a:prstGeom>
+          <a:noFill/>
+        </p:spPr>
+        <p:txBody>
+          <a:bodyPr wrap="none" rtlCol="0">
+            <a:spAutoFit/>
+          </a:bodyPr>
+          <a:lstStyle>
+            <a:defPPr>
+              <a:defRPr lang="ko-KR"/>
+            </a:defPPr>
+            <a:lvl1pPr marL="0" algn="l" defTabSz="914400" rtl="0" eaLnBrk="1" latinLnBrk="1" hangingPunct="1">
+              <a:defRPr sz="1800" kern="1200">
+                <a:solidFill>
+                  <a:schemeClr val="tx1"/>
+                </a:solidFill>
+                <a:latin typeface="+mn-lt"/>
+                <a:ea typeface="+mn-ea"/>
+                <a:cs typeface="+mn-cs"/>
+              </a:defRPr>
+            </a:lvl1pPr>
+            <a:lvl2pPr marL="457200" algn="l" defTabSz="914400" rtl="0" eaLnBrk="1" latinLnBrk="1" hangingPunct="1">
+              <a:defRPr sz="1800" kern="1200">
+                <a:solidFill>
+                  <a:schemeClr val="tx1"/>
+                </a:solidFill>
+                <a:latin typeface="+mn-lt"/>
+                <a:ea typeface="+mn-ea"/>
+                <a:cs typeface="+mn-cs"/>
+              </a:defRPr>
+            </a:lvl2pPr>
+            <a:lvl3pPr marL="914400" algn="l" defTabSz="914400" rtl="0" eaLnBrk="1" latinLnBrk="1" hangingPunct="1">
+              <a:defRPr sz="1800" kern="1200">
+                <a:solidFill>
+                  <a:schemeClr val="tx1"/>
+                </a:solidFill>
+                <a:latin typeface="+mn-lt"/>
+                <a:ea typeface="+mn-ea"/>
+                <a:cs typeface="+mn-cs"/>
+              </a:defRPr>
+            </a:lvl3pPr>
+            <a:lvl4pPr marL="1371600" algn="l" defTabSz="914400" rtl="0" eaLnBrk="1" latinLnBrk="1" hangingPunct="1">
+              <a:defRPr sz="1800" kern="1200">
+                <a:solidFill>
+                  <a:schemeClr val="tx1"/>
+                </a:solidFill>
+                <a:latin typeface="+mn-lt"/>
+                <a:ea typeface="+mn-ea"/>
+                <a:cs typeface="+mn-cs"/>
+              </a:defRPr>
+            </a:lvl4pPr>
+            <a:lvl5pPr marL="1828800" algn="l" defTabSz="914400" rtl="0" eaLnBrk="1" latinLnBrk="1" hangingPunct="1">
+              <a:defRPr sz="1800" kern="1200">
+                <a:solidFill>
+                  <a:schemeClr val="tx1"/>
+                </a:solidFill>
+                <a:latin typeface="+mn-lt"/>
+                <a:ea typeface="+mn-ea"/>
+                <a:cs typeface="+mn-cs"/>
+              </a:defRPr>
+            </a:lvl5pPr>
+            <a:lvl6pPr marL="2286000" algn="l" defTabSz="914400" rtl="0" eaLnBrk="1" latinLnBrk="1" hangingPunct="1">
+              <a:defRPr sz="1800" kern="1200">
+                <a:solidFill>
+                  <a:schemeClr val="tx1"/>
+                </a:solidFill>
+                <a:latin typeface="+mn-lt"/>
+                <a:ea typeface="+mn-ea"/>
+                <a:cs typeface="+mn-cs"/>
+              </a:defRPr>
+            </a:lvl6pPr>
+            <a:lvl7pPr marL="2743200" algn="l" defTabSz="914400" rtl="0" eaLnBrk="1" latinLnBrk="1" hangingPunct="1">
+              <a:defRPr sz="1800" kern="1200">
+                <a:solidFill>
+                  <a:schemeClr val="tx1"/>
+                </a:solidFill>
+                <a:latin typeface="+mn-lt"/>
+                <a:ea typeface="+mn-ea"/>
+                <a:cs typeface="+mn-cs"/>
+              </a:defRPr>
+            </a:lvl7pPr>
+            <a:lvl8pPr marL="3200400" algn="l" defTabSz="914400" rtl="0" eaLnBrk="1" latinLnBrk="1" hangingPunct="1">
+              <a:defRPr sz="1800" kern="1200">
+                <a:solidFill>
+                  <a:schemeClr val="tx1"/>
+                </a:solidFill>
+                <a:latin typeface="+mn-lt"/>
+                <a:ea typeface="+mn-ea"/>
+                <a:cs typeface="+mn-cs"/>
+              </a:defRPr>
+            </a:lvl8pPr>
+            <a:lvl9pPr marL="3657600" algn="l" defTabSz="914400" rtl="0" eaLnBrk="1" latinLnBrk="1" hangingPunct="1">
+              <a:defRPr sz="1800" kern="1200">
+                <a:solidFill>
+                  <a:schemeClr val="tx1"/>
+                </a:solidFill>
+                <a:latin typeface="+mn-lt"/>
+                <a:ea typeface="+mn-ea"/>
+                <a:cs typeface="+mn-cs"/>
+              </a:defRPr>
+            </a:lvl9pPr>
+          </a:lstStyle>
+          <a:p>
+            <a:r>
+              <a:rPr lang="en-US" altLang="ko-KR" dirty="0" smtClean="0">
+                <a:solidFill>
+                  <a:schemeClr val="accent5"/>
+                </a:solidFill>
+                <a:latin typeface="배달의민족 도현" pitchFamily="50" charset="-127"/>
+                <a:ea typeface="배달의민족 도현" pitchFamily="50" charset="-127"/>
+              </a:rPr>
+              <a:t>S</a:t>
+            </a:r>
+            <a:r>
+              <a:rPr lang="en-US" altLang="ko-KR" dirty="0" smtClean="0">
+                <a:latin typeface="배달의민족 도현" pitchFamily="50" charset="-127"/>
+                <a:ea typeface="배달의민족 도현" pitchFamily="50" charset="-127"/>
+              </a:rPr>
+              <a:t>TART</a:t>
+            </a:r>
+            <a:r>
+              <a:rPr lang="en-US" altLang="ko-KR" dirty="0" smtClean="0">
+                <a:solidFill>
+                  <a:schemeClr val="accent5"/>
+                </a:solidFill>
+                <a:latin typeface="배달의민족 도현" pitchFamily="50" charset="-127"/>
+                <a:ea typeface="배달의민족 도현" pitchFamily="50" charset="-127"/>
+              </a:rPr>
+              <a:t>C</a:t>
+            </a:r>
+            <a:r>
+              <a:rPr lang="en-US" altLang="ko-KR" dirty="0" smtClean="0">
+                <a:latin typeface="배달의민족 도현" pitchFamily="50" charset="-127"/>
+                <a:ea typeface="배달의민족 도현" pitchFamily="50" charset="-127"/>
+              </a:rPr>
+              <a:t>ODING</a:t>
+            </a:r>
+            <a:endParaRPr lang="ko-KR" altLang="en-US" dirty="0">
+              <a:latin typeface="배달의민족 도현" pitchFamily="50" charset="-127"/>
+              <a:ea typeface="배달의민족 도현" pitchFamily="50" charset="-127"/>
+            </a:endParaRPr>
+          </a:p>
+        </p:txBody>
+      </p:sp>
+    </p:spTree>
+    <p:extLst>
+      <p:ext uri="{BB962C8B-B14F-4D97-AF65-F5344CB8AC3E}">
+        <p14:creationId xmlns:p14="http://schemas.microsoft.com/office/powerpoint/2010/main" val="2178618757"/>
+      </p:ext>
+    </p:extLst>
+  </p:cSld>
+  <p:clrMapOvr>
+    <a:masterClrMapping/>
+  </p:clrMapOvr>
+  <p:timing>
+    <p:tnLst>
+      <p:par>
+        <p:cTn id="1" dur="indefinite" restart="never" nodeType="tmRoot"/>
+      </p:par>
+    </p:tnLst>
+  </p:timing>
+</p:sld>
+</file>
+
+<file path=ppt/slides/slide9.xml><?xml version="1.0" encoding="utf-8"?>
+<p:sld xmlns:a="http://schemas.openxmlformats.org/drawingml/2006/main" xmlns:r="http://schemas.openxmlformats.org/officeDocument/2006/relationships" xmlns:p="http://schemas.openxmlformats.org/presentationml/2006/main">
+  <p:cSld>
+    <p:spTree>
+      <p:nvGrpSpPr>
+        <p:cNvPr id="1" name=""/>
+        <p:cNvGrpSpPr/>
+        <p:nvPr/>
+      </p:nvGrpSpPr>
+      <p:grpSpPr>
+        <a:xfrm>
+          <a:off x="0" y="0"/>
+          <a:ext cx="0" cy="0"/>
+          <a:chOff x="0" y="0"/>
+          <a:chExt cx="0" cy="0"/>
+        </a:xfrm>
+      </p:grpSpPr>
+      <p:sp>
+        <p:nvSpPr>
+          <p:cNvPr id="2" name="제목 1"/>
+          <p:cNvSpPr>
+            <a:spLocks noGrp="1"/>
+          </p:cNvSpPr>
+          <p:nvPr>
+            <p:ph type="ctrTitle"/>
+          </p:nvPr>
+        </p:nvSpPr>
+        <p:spPr/>
+        <p:txBody>
+          <a:bodyPr/>
+          <a:lstStyle/>
+          <a:p>
+            <a:r>
+              <a:rPr lang="ko-KR" altLang="en-US" dirty="0" smtClean="0">
+                <a:solidFill>
+                  <a:schemeClr val="accent5"/>
+                </a:solidFill>
+                <a:latin typeface="배달의민족 주아" pitchFamily="18" charset="-127"/>
+                <a:ea typeface="배달의민족 주아" pitchFamily="18" charset="-127"/>
+              </a:rPr>
+              <a:t>실습</a:t>
+            </a:r>
+            <a:r>
+              <a:rPr lang="en-US" altLang="ko-KR" dirty="0" smtClean="0">
+                <a:solidFill>
+                  <a:schemeClr val="accent5"/>
+                </a:solidFill>
+                <a:latin typeface="배달의민족 주아" pitchFamily="18" charset="-127"/>
+                <a:ea typeface="배달의민족 주아" pitchFamily="18" charset="-127"/>
+              </a:rPr>
+              <a:t>!</a:t>
+            </a:r>
+            <a:endParaRPr lang="ko-KR" altLang="en-US" dirty="0">
+              <a:solidFill>
+                <a:schemeClr val="accent5"/>
+              </a:solidFill>
+              <a:latin typeface="배달의민족 주아" pitchFamily="18" charset="-127"/>
+              <a:ea typeface="배달의민족 주아" pitchFamily="18" charset="-127"/>
+            </a:endParaRPr>
+          </a:p>
+        </p:txBody>
+      </p:sp>
+      <p:sp>
+        <p:nvSpPr>
+          <p:cNvPr id="3" name="TextBox 2"/>
+          <p:cNvSpPr txBox="1"/>
+          <p:nvPr/>
+        </p:nvSpPr>
+        <p:spPr>
+          <a:xfrm>
+            <a:off x="6948264" y="6093296"/>
+            <a:ext cx="1838965" cy="369332"/>
+          </a:xfrm>
+          <a:prstGeom prst="rect">
+            <a:avLst/>
+          </a:prstGeom>
+          <a:noFill/>
+        </p:spPr>
+        <p:txBody>
+          <a:bodyPr wrap="none" rtlCol="0">
+            <a:spAutoFit/>
+          </a:bodyPr>
+          <a:lstStyle>
+            <a:defPPr>
+              <a:defRPr lang="ko-KR"/>
+            </a:defPPr>
+            <a:lvl1pPr marL="0" algn="l" defTabSz="914400" rtl="0" eaLnBrk="1" latinLnBrk="1" hangingPunct="1">
+              <a:defRPr sz="1800" kern="1200">
+                <a:solidFill>
+                  <a:schemeClr val="tx1"/>
+                </a:solidFill>
+                <a:latin typeface="+mn-lt"/>
+                <a:ea typeface="+mn-ea"/>
+                <a:cs typeface="+mn-cs"/>
+              </a:defRPr>
+            </a:lvl1pPr>
+            <a:lvl2pPr marL="457200" algn="l" defTabSz="914400" rtl="0" eaLnBrk="1" latinLnBrk="1" hangingPunct="1">
+              <a:defRPr sz="1800" kern="1200">
+                <a:solidFill>
+                  <a:schemeClr val="tx1"/>
+                </a:solidFill>
+                <a:latin typeface="+mn-lt"/>
+                <a:ea typeface="+mn-ea"/>
+                <a:cs typeface="+mn-cs"/>
+              </a:defRPr>
+            </a:lvl2pPr>
+            <a:lvl3pPr marL="914400" algn="l" defTabSz="914400" rtl="0" eaLnBrk="1" latinLnBrk="1" hangingPunct="1">
+              <a:defRPr sz="1800" kern="1200">
+                <a:solidFill>
+                  <a:schemeClr val="tx1"/>
+                </a:solidFill>
+                <a:latin typeface="+mn-lt"/>
+                <a:ea typeface="+mn-ea"/>
+                <a:cs typeface="+mn-cs"/>
+              </a:defRPr>
+            </a:lvl3pPr>
+            <a:lvl4pPr marL="1371600" algn="l" defTabSz="914400" rtl="0" eaLnBrk="1" latinLnBrk="1" hangingPunct="1">
+              <a:defRPr sz="1800" kern="1200">
+                <a:solidFill>
+                  <a:schemeClr val="tx1"/>
+                </a:solidFill>
+                <a:latin typeface="+mn-lt"/>
+                <a:ea typeface="+mn-ea"/>
+                <a:cs typeface="+mn-cs"/>
+              </a:defRPr>
+            </a:lvl4pPr>
+            <a:lvl5pPr marL="1828800" algn="l" defTabSz="914400" rtl="0" eaLnBrk="1" latinLnBrk="1" hangingPunct="1">
+              <a:defRPr sz="1800" kern="1200">
+                <a:solidFill>
+                  <a:schemeClr val="tx1"/>
+                </a:solidFill>
+                <a:latin typeface="+mn-lt"/>
+                <a:ea typeface="+mn-ea"/>
+                <a:cs typeface="+mn-cs"/>
+              </a:defRPr>
+            </a:lvl5pPr>
+            <a:lvl6pPr marL="2286000" algn="l" defTabSz="914400" rtl="0" eaLnBrk="1" latinLnBrk="1" hangingPunct="1">
+              <a:defRPr sz="1800" kern="1200">
+                <a:solidFill>
+                  <a:schemeClr val="tx1"/>
+                </a:solidFill>
+                <a:latin typeface="+mn-lt"/>
+                <a:ea typeface="+mn-ea"/>
+                <a:cs typeface="+mn-cs"/>
+              </a:defRPr>
+            </a:lvl6pPr>
+            <a:lvl7pPr marL="2743200" algn="l" defTabSz="914400" rtl="0" eaLnBrk="1" latinLnBrk="1" hangingPunct="1">
+              <a:defRPr sz="1800" kern="1200">
+                <a:solidFill>
+                  <a:schemeClr val="tx1"/>
+                </a:solidFill>
+                <a:latin typeface="+mn-lt"/>
+                <a:ea typeface="+mn-ea"/>
+                <a:cs typeface="+mn-cs"/>
+              </a:defRPr>
+            </a:lvl7pPr>
+            <a:lvl8pPr marL="3200400" algn="l" defTabSz="914400" rtl="0" eaLnBrk="1" latinLnBrk="1" hangingPunct="1">
+              <a:defRPr sz="1800" kern="1200">
+                <a:solidFill>
+                  <a:schemeClr val="tx1"/>
+                </a:solidFill>
+                <a:latin typeface="+mn-lt"/>
+                <a:ea typeface="+mn-ea"/>
+                <a:cs typeface="+mn-cs"/>
+              </a:defRPr>
+            </a:lvl8pPr>
+            <a:lvl9pPr marL="3657600" algn="l" defTabSz="914400" rtl="0" eaLnBrk="1" latinLnBrk="1" hangingPunct="1">
+              <a:defRPr sz="1800" kern="1200">
+                <a:solidFill>
+                  <a:schemeClr val="tx1"/>
+                </a:solidFill>
+                <a:latin typeface="+mn-lt"/>
+                <a:ea typeface="+mn-ea"/>
+                <a:cs typeface="+mn-cs"/>
+              </a:defRPr>
+            </a:lvl9pPr>
+          </a:lstStyle>
+          <a:p>
+            <a:r>
+              <a:rPr lang="en-US" altLang="ko-KR" dirty="0" smtClean="0">
+                <a:solidFill>
+                  <a:schemeClr val="accent5"/>
+                </a:solidFill>
+                <a:latin typeface="배달의민족 도현" pitchFamily="50" charset="-127"/>
+                <a:ea typeface="배달의민족 도현" pitchFamily="50" charset="-127"/>
+              </a:rPr>
+              <a:t>S</a:t>
+            </a:r>
+            <a:r>
+              <a:rPr lang="en-US" altLang="ko-KR" dirty="0" smtClean="0">
+                <a:latin typeface="배달의민족 도현" pitchFamily="50" charset="-127"/>
+                <a:ea typeface="배달의민족 도현" pitchFamily="50" charset="-127"/>
+              </a:rPr>
+              <a:t>TART</a:t>
+            </a:r>
+            <a:r>
+              <a:rPr lang="en-US" altLang="ko-KR" dirty="0" smtClean="0">
+                <a:solidFill>
+                  <a:schemeClr val="accent5"/>
+                </a:solidFill>
+                <a:latin typeface="배달의민족 도현" pitchFamily="50" charset="-127"/>
+                <a:ea typeface="배달의민족 도현" pitchFamily="50" charset="-127"/>
+              </a:rPr>
+              <a:t>C</a:t>
+            </a:r>
+            <a:r>
+              <a:rPr lang="en-US" altLang="ko-KR" dirty="0" smtClean="0">
+                <a:latin typeface="배달의민족 도현" pitchFamily="50" charset="-127"/>
+                <a:ea typeface="배달의민족 도현" pitchFamily="50" charset="-127"/>
+              </a:rPr>
+              <a:t>ODING</a:t>
+            </a:r>
+            <a:endParaRPr lang="ko-KR" altLang="en-US" dirty="0">
+              <a:latin typeface="배달의민족 도현" pitchFamily="50" charset="-127"/>
+              <a:ea typeface="배달의민족 도현" pitchFamily="50" charset="-127"/>
+            </a:endParaRPr>
+          </a:p>
+        </p:txBody>
+      </p:sp>
+    </p:spTree>
+    <p:extLst>
+      <p:ext uri="{BB962C8B-B14F-4D97-AF65-F5344CB8AC3E}">
+        <p14:creationId xmlns:p14="http://schemas.microsoft.com/office/powerpoint/2010/main" val="3842579216"/>
       </p:ext>
     </p:extLst>
   </p:cSld>

--- a/프론트엔드기초(PPT)/HTML5 4강_목록태그.pptx
+++ b/프론트엔드기초(PPT)/HTML5 4강_목록태그.pptx
@@ -12,9 +12,10 @@
     <p:sldId id="271" r:id="rId6"/>
     <p:sldId id="272" r:id="rId7"/>
     <p:sldId id="273" r:id="rId8"/>
-    <p:sldId id="274" r:id="rId9"/>
-    <p:sldId id="260" r:id="rId10"/>
-    <p:sldId id="263" r:id="rId11"/>
+    <p:sldId id="275" r:id="rId9"/>
+    <p:sldId id="274" r:id="rId10"/>
+    <p:sldId id="260" r:id="rId11"/>
+    <p:sldId id="263" r:id="rId12"/>
   </p:sldIdLst>
   <p:sldSz cx="9144000" cy="6858000" type="screen4x3"/>
   <p:notesSz cx="6858000" cy="9144000"/>
@@ -297,7 +298,7 @@
           <a:p>
             <a:fld id="{FB30EDBD-1C2D-4C1E-B459-B60219FAB484}" type="datetimeFigureOut">
               <a:rPr lang="ko-KR" altLang="en-US" smtClean="0"/>
-              <a:t>2020-09-07</a:t>
+              <a:t>2020-09-15</a:t>
             </a:fld>
             <a:endParaRPr lang="ko-KR" altLang="en-US"/>
           </a:p>
@@ -462,7 +463,7 @@
           <a:p>
             <a:fld id="{FB30EDBD-1C2D-4C1E-B459-B60219FAB484}" type="datetimeFigureOut">
               <a:rPr lang="ko-KR" altLang="en-US" smtClean="0"/>
-              <a:t>2020-09-07</a:t>
+              <a:t>2020-09-15</a:t>
             </a:fld>
             <a:endParaRPr lang="ko-KR" altLang="en-US"/>
           </a:p>
@@ -637,7 +638,7 @@
           <a:p>
             <a:fld id="{FB30EDBD-1C2D-4C1E-B459-B60219FAB484}" type="datetimeFigureOut">
               <a:rPr lang="ko-KR" altLang="en-US" smtClean="0"/>
-              <a:t>2020-09-07</a:t>
+              <a:t>2020-09-15</a:t>
             </a:fld>
             <a:endParaRPr lang="ko-KR" altLang="en-US"/>
           </a:p>
@@ -802,7 +803,7 @@
           <a:p>
             <a:fld id="{FB30EDBD-1C2D-4C1E-B459-B60219FAB484}" type="datetimeFigureOut">
               <a:rPr lang="ko-KR" altLang="en-US" smtClean="0"/>
-              <a:t>2020-09-07</a:t>
+              <a:t>2020-09-15</a:t>
             </a:fld>
             <a:endParaRPr lang="ko-KR" altLang="en-US"/>
           </a:p>
@@ -1043,7 +1044,7 @@
           <a:p>
             <a:fld id="{FB30EDBD-1C2D-4C1E-B459-B60219FAB484}" type="datetimeFigureOut">
               <a:rPr lang="ko-KR" altLang="en-US" smtClean="0"/>
-              <a:t>2020-09-07</a:t>
+              <a:t>2020-09-15</a:t>
             </a:fld>
             <a:endParaRPr lang="ko-KR" altLang="en-US"/>
           </a:p>
@@ -1326,7 +1327,7 @@
           <a:p>
             <a:fld id="{FB30EDBD-1C2D-4C1E-B459-B60219FAB484}" type="datetimeFigureOut">
               <a:rPr lang="ko-KR" altLang="en-US" smtClean="0"/>
-              <a:t>2020-09-07</a:t>
+              <a:t>2020-09-15</a:t>
             </a:fld>
             <a:endParaRPr lang="ko-KR" altLang="en-US"/>
           </a:p>
@@ -1743,7 +1744,7 @@
           <a:p>
             <a:fld id="{FB30EDBD-1C2D-4C1E-B459-B60219FAB484}" type="datetimeFigureOut">
               <a:rPr lang="ko-KR" altLang="en-US" smtClean="0"/>
-              <a:t>2020-09-07</a:t>
+              <a:t>2020-09-15</a:t>
             </a:fld>
             <a:endParaRPr lang="ko-KR" altLang="en-US"/>
           </a:p>
@@ -1856,7 +1857,7 @@
           <a:p>
             <a:fld id="{FB30EDBD-1C2D-4C1E-B459-B60219FAB484}" type="datetimeFigureOut">
               <a:rPr lang="ko-KR" altLang="en-US" smtClean="0"/>
-              <a:t>2020-09-07</a:t>
+              <a:t>2020-09-15</a:t>
             </a:fld>
             <a:endParaRPr lang="ko-KR" altLang="en-US"/>
           </a:p>
@@ -1946,7 +1947,7 @@
           <a:p>
             <a:fld id="{FB30EDBD-1C2D-4C1E-B459-B60219FAB484}" type="datetimeFigureOut">
               <a:rPr lang="ko-KR" altLang="en-US" smtClean="0"/>
-              <a:t>2020-09-07</a:t>
+              <a:t>2020-09-15</a:t>
             </a:fld>
             <a:endParaRPr lang="ko-KR" altLang="en-US"/>
           </a:p>
@@ -2218,7 +2219,7 @@
           <a:p>
             <a:fld id="{FB30EDBD-1C2D-4C1E-B459-B60219FAB484}" type="datetimeFigureOut">
               <a:rPr lang="ko-KR" altLang="en-US" smtClean="0"/>
-              <a:t>2020-09-07</a:t>
+              <a:t>2020-09-15</a:t>
             </a:fld>
             <a:endParaRPr lang="ko-KR" altLang="en-US"/>
           </a:p>
@@ -2466,7 +2467,7 @@
           <a:p>
             <a:fld id="{FB30EDBD-1C2D-4C1E-B459-B60219FAB484}" type="datetimeFigureOut">
               <a:rPr lang="ko-KR" altLang="en-US" smtClean="0"/>
-              <a:t>2020-09-07</a:t>
+              <a:t>2020-09-15</a:t>
             </a:fld>
             <a:endParaRPr lang="ko-KR" altLang="en-US"/>
           </a:p>
@@ -2674,7 +2675,7 @@
           <a:p>
             <a:fld id="{FB30EDBD-1C2D-4C1E-B459-B60219FAB484}" type="datetimeFigureOut">
               <a:rPr lang="ko-KR" altLang="en-US" smtClean="0"/>
-              <a:t>2020-09-07</a:t>
+              <a:t>2020-09-15</a:t>
             </a:fld>
             <a:endParaRPr lang="ko-KR" altLang="en-US"/>
           </a:p>
@@ -3030,6 +3031,14 @@
 <file path=ppt/slides/slide1.xml><?xml version="1.0" encoding="utf-8"?>
 <p:sld xmlns:a="http://schemas.openxmlformats.org/drawingml/2006/main" xmlns:r="http://schemas.openxmlformats.org/officeDocument/2006/relationships" xmlns:p="http://schemas.openxmlformats.org/presentationml/2006/main">
   <p:cSld>
+    <p:bg>
+      <p:bgPr>
+        <a:solidFill>
+          <a:schemeClr val="accent5"/>
+        </a:solidFill>
+        <a:effectLst/>
+      </p:bgPr>
+    </p:bg>
     <p:spTree>
       <p:nvGrpSpPr>
         <p:cNvPr id="1" name=""/>
@@ -3064,7 +3073,7 @@
             <a:r>
               <a:rPr lang="en-US" altLang="ko-KR" sz="2800" dirty="0" smtClean="0">
                 <a:solidFill>
-                  <a:schemeClr val="accent5"/>
+                  <a:schemeClr val="bg1"/>
                 </a:solidFill>
                 <a:latin typeface="배달의민족 주아" pitchFamily="18" charset="-127"/>
                 <a:ea typeface="배달의민족 주아" pitchFamily="18" charset="-127"/>
@@ -3074,7 +3083,7 @@
             <a:r>
               <a:rPr lang="ko-KR" altLang="en-US" sz="2800" dirty="0" smtClean="0">
                 <a:solidFill>
-                  <a:schemeClr val="accent5"/>
+                  <a:schemeClr val="bg1"/>
                 </a:solidFill>
                 <a:latin typeface="배달의민족 주아" pitchFamily="18" charset="-127"/>
                 <a:ea typeface="배달의민족 주아" pitchFamily="18" charset="-127"/>
@@ -3084,7 +3093,7 @@
             <a:r>
               <a:rPr lang="en-US" altLang="ko-KR" sz="2800" dirty="0" smtClean="0">
                 <a:solidFill>
-                  <a:schemeClr val="accent5"/>
+                  <a:schemeClr val="bg1"/>
                 </a:solidFill>
                 <a:latin typeface="배달의민족 주아" pitchFamily="18" charset="-127"/>
                 <a:ea typeface="배달의민족 주아" pitchFamily="18" charset="-127"/>
@@ -3094,7 +3103,7 @@
             <a:br>
               <a:rPr lang="en-US" altLang="ko-KR" sz="2800" dirty="0" smtClean="0">
                 <a:solidFill>
-                  <a:schemeClr val="accent5"/>
+                  <a:schemeClr val="bg1"/>
                 </a:solidFill>
                 <a:latin typeface="배달의민족 주아" pitchFamily="18" charset="-127"/>
                 <a:ea typeface="배달의민족 주아" pitchFamily="18" charset="-127"/>
@@ -3102,6 +3111,9 @@
             </a:br>
             <a:r>
               <a:rPr lang="en-US" altLang="ko-KR" dirty="0" smtClean="0">
+                <a:solidFill>
+                  <a:schemeClr val="bg1"/>
+                </a:solidFill>
                 <a:latin typeface="배달의민족 주아" pitchFamily="18" charset="-127"/>
                 <a:ea typeface="배달의민족 주아" pitchFamily="18" charset="-127"/>
               </a:rPr>
@@ -3109,39 +3121,27 @@
             </a:r>
             <a:br>
               <a:rPr lang="en-US" altLang="ko-KR" dirty="0" smtClean="0">
+                <a:solidFill>
+                  <a:schemeClr val="bg1"/>
+                </a:solidFill>
                 <a:latin typeface="배달의민족 주아" pitchFamily="18" charset="-127"/>
                 <a:ea typeface="배달의민족 주아" pitchFamily="18" charset="-127"/>
               </a:rPr>
             </a:br>
             <a:r>
               <a:rPr lang="ko-KR" altLang="en-US" dirty="0" smtClean="0">
-                <a:latin typeface="배달의민족 주아" pitchFamily="18" charset="-127"/>
-                <a:ea typeface="배달의민족 주아" pitchFamily="18" charset="-127"/>
-              </a:rPr>
-              <a:t>목록</a:t>
-            </a:r>
-            <a:r>
-              <a:rPr lang="ko-KR" altLang="en-US" dirty="0" smtClean="0">
-                <a:latin typeface="배달의민족 주아" pitchFamily="18" charset="-127"/>
-                <a:ea typeface="배달의민족 주아" pitchFamily="18" charset="-127"/>
-              </a:rPr>
-              <a:t>과 테이블</a:t>
-            </a:r>
-            <a:r>
-              <a:rPr lang="ko-KR" altLang="en-US" dirty="0" smtClean="0">
-                <a:latin typeface="배달의민족 주아" pitchFamily="18" charset="-127"/>
-                <a:ea typeface="배달의민족 주아" pitchFamily="18" charset="-127"/>
-              </a:rPr>
-              <a:t> </a:t>
-            </a:r>
-            <a:r>
-              <a:rPr lang="ko-KR" altLang="en-US" dirty="0" smtClean="0">
-                <a:latin typeface="배달의민족 주아" pitchFamily="18" charset="-127"/>
-                <a:ea typeface="배달의민족 주아" pitchFamily="18" charset="-127"/>
-              </a:rPr>
-              <a:t>태그</a:t>
+                <a:solidFill>
+                  <a:schemeClr val="bg1"/>
+                </a:solidFill>
+                <a:latin typeface="배달의민족 주아" pitchFamily="18" charset="-127"/>
+                <a:ea typeface="배달의민족 주아" pitchFamily="18" charset="-127"/>
+              </a:rPr>
+              <a:t>목록과 테이블 태그</a:t>
             </a:r>
             <a:endParaRPr lang="ko-KR" altLang="en-US" dirty="0">
+              <a:solidFill>
+                <a:schemeClr val="bg1"/>
+              </a:solidFill>
               <a:latin typeface="배달의민족 주아" pitchFamily="18" charset="-127"/>
               <a:ea typeface="배달의민족 주아" pitchFamily="18" charset="-127"/>
             </a:endParaRPr>
@@ -3267,7 +3267,7 @@
             <a:r>
               <a:rPr lang="en-US" altLang="ko-KR" dirty="0" smtClean="0">
                 <a:solidFill>
-                  <a:schemeClr val="accent5"/>
+                  <a:schemeClr val="bg1"/>
                 </a:solidFill>
                 <a:latin typeface="배달의민족 도현" pitchFamily="50" charset="-127"/>
                 <a:ea typeface="배달의민족 도현" pitchFamily="50" charset="-127"/>
@@ -3284,7 +3284,7 @@
             <a:r>
               <a:rPr lang="en-US" altLang="ko-KR" dirty="0" smtClean="0">
                 <a:solidFill>
-                  <a:schemeClr val="accent5"/>
+                  <a:schemeClr val="bg1"/>
                 </a:solidFill>
                 <a:latin typeface="배달의민족 도현" pitchFamily="50" charset="-127"/>
                 <a:ea typeface="배달의민족 도현" pitchFamily="50" charset="-127"/>
@@ -3344,6 +3344,245 @@
       </p:grpSpPr>
       <p:sp>
         <p:nvSpPr>
+          <p:cNvPr id="2" name="제목 1"/>
+          <p:cNvSpPr>
+            <a:spLocks noGrp="1"/>
+          </p:cNvSpPr>
+          <p:nvPr>
+            <p:ph type="ctrTitle"/>
+          </p:nvPr>
+        </p:nvSpPr>
+        <p:spPr/>
+        <p:txBody>
+          <a:bodyPr/>
+          <a:lstStyle/>
+          <a:p>
+            <a:r>
+              <a:rPr lang="ko-KR" altLang="en-US" dirty="0" smtClean="0">
+                <a:solidFill>
+                  <a:schemeClr val="accent5"/>
+                </a:solidFill>
+                <a:latin typeface="배달의민족 주아" pitchFamily="18" charset="-127"/>
+                <a:ea typeface="배달의민족 주아" pitchFamily="18" charset="-127"/>
+              </a:rPr>
+              <a:t>실습</a:t>
+            </a:r>
+            <a:r>
+              <a:rPr lang="en-US" altLang="ko-KR" dirty="0" smtClean="0">
+                <a:solidFill>
+                  <a:schemeClr val="accent5"/>
+                </a:solidFill>
+                <a:latin typeface="배달의민족 주아" pitchFamily="18" charset="-127"/>
+                <a:ea typeface="배달의민족 주아" pitchFamily="18" charset="-127"/>
+              </a:rPr>
+              <a:t>!</a:t>
+            </a:r>
+            <a:endParaRPr lang="ko-KR" altLang="en-US" dirty="0">
+              <a:solidFill>
+                <a:schemeClr val="accent5"/>
+              </a:solidFill>
+              <a:latin typeface="배달의민족 주아" pitchFamily="18" charset="-127"/>
+              <a:ea typeface="배달의민족 주아" pitchFamily="18" charset="-127"/>
+            </a:endParaRPr>
+          </a:p>
+        </p:txBody>
+      </p:sp>
+      <p:sp>
+        <p:nvSpPr>
+          <p:cNvPr id="3" name="TextBox 2"/>
+          <p:cNvSpPr txBox="1"/>
+          <p:nvPr/>
+        </p:nvSpPr>
+        <p:spPr>
+          <a:xfrm>
+            <a:off x="6948264" y="6093296"/>
+            <a:ext cx="1838965" cy="369332"/>
+          </a:xfrm>
+          <a:prstGeom prst="rect">
+            <a:avLst/>
+          </a:prstGeom>
+          <a:noFill/>
+        </p:spPr>
+        <p:txBody>
+          <a:bodyPr wrap="none" rtlCol="0">
+            <a:spAutoFit/>
+          </a:bodyPr>
+          <a:lstStyle>
+            <a:defPPr>
+              <a:defRPr lang="ko-KR"/>
+            </a:defPPr>
+            <a:lvl1pPr marL="0" algn="l" defTabSz="914400" rtl="0" eaLnBrk="1" latinLnBrk="1" hangingPunct="1">
+              <a:defRPr sz="1800" kern="1200">
+                <a:solidFill>
+                  <a:schemeClr val="tx1"/>
+                </a:solidFill>
+                <a:latin typeface="+mn-lt"/>
+                <a:ea typeface="+mn-ea"/>
+                <a:cs typeface="+mn-cs"/>
+              </a:defRPr>
+            </a:lvl1pPr>
+            <a:lvl2pPr marL="457200" algn="l" defTabSz="914400" rtl="0" eaLnBrk="1" latinLnBrk="1" hangingPunct="1">
+              <a:defRPr sz="1800" kern="1200">
+                <a:solidFill>
+                  <a:schemeClr val="tx1"/>
+                </a:solidFill>
+                <a:latin typeface="+mn-lt"/>
+                <a:ea typeface="+mn-ea"/>
+                <a:cs typeface="+mn-cs"/>
+              </a:defRPr>
+            </a:lvl2pPr>
+            <a:lvl3pPr marL="914400" algn="l" defTabSz="914400" rtl="0" eaLnBrk="1" latinLnBrk="1" hangingPunct="1">
+              <a:defRPr sz="1800" kern="1200">
+                <a:solidFill>
+                  <a:schemeClr val="tx1"/>
+                </a:solidFill>
+                <a:latin typeface="+mn-lt"/>
+                <a:ea typeface="+mn-ea"/>
+                <a:cs typeface="+mn-cs"/>
+              </a:defRPr>
+            </a:lvl3pPr>
+            <a:lvl4pPr marL="1371600" algn="l" defTabSz="914400" rtl="0" eaLnBrk="1" latinLnBrk="1" hangingPunct="1">
+              <a:defRPr sz="1800" kern="1200">
+                <a:solidFill>
+                  <a:schemeClr val="tx1"/>
+                </a:solidFill>
+                <a:latin typeface="+mn-lt"/>
+                <a:ea typeface="+mn-ea"/>
+                <a:cs typeface="+mn-cs"/>
+              </a:defRPr>
+            </a:lvl4pPr>
+            <a:lvl5pPr marL="1828800" algn="l" defTabSz="914400" rtl="0" eaLnBrk="1" latinLnBrk="1" hangingPunct="1">
+              <a:defRPr sz="1800" kern="1200">
+                <a:solidFill>
+                  <a:schemeClr val="tx1"/>
+                </a:solidFill>
+                <a:latin typeface="+mn-lt"/>
+                <a:ea typeface="+mn-ea"/>
+                <a:cs typeface="+mn-cs"/>
+              </a:defRPr>
+            </a:lvl5pPr>
+            <a:lvl6pPr marL="2286000" algn="l" defTabSz="914400" rtl="0" eaLnBrk="1" latinLnBrk="1" hangingPunct="1">
+              <a:defRPr sz="1800" kern="1200">
+                <a:solidFill>
+                  <a:schemeClr val="tx1"/>
+                </a:solidFill>
+                <a:latin typeface="+mn-lt"/>
+                <a:ea typeface="+mn-ea"/>
+                <a:cs typeface="+mn-cs"/>
+              </a:defRPr>
+            </a:lvl6pPr>
+            <a:lvl7pPr marL="2743200" algn="l" defTabSz="914400" rtl="0" eaLnBrk="1" latinLnBrk="1" hangingPunct="1">
+              <a:defRPr sz="1800" kern="1200">
+                <a:solidFill>
+                  <a:schemeClr val="tx1"/>
+                </a:solidFill>
+                <a:latin typeface="+mn-lt"/>
+                <a:ea typeface="+mn-ea"/>
+                <a:cs typeface="+mn-cs"/>
+              </a:defRPr>
+            </a:lvl7pPr>
+            <a:lvl8pPr marL="3200400" algn="l" defTabSz="914400" rtl="0" eaLnBrk="1" latinLnBrk="1" hangingPunct="1">
+              <a:defRPr sz="1800" kern="1200">
+                <a:solidFill>
+                  <a:schemeClr val="tx1"/>
+                </a:solidFill>
+                <a:latin typeface="+mn-lt"/>
+                <a:ea typeface="+mn-ea"/>
+                <a:cs typeface="+mn-cs"/>
+              </a:defRPr>
+            </a:lvl8pPr>
+            <a:lvl9pPr marL="3657600" algn="l" defTabSz="914400" rtl="0" eaLnBrk="1" latinLnBrk="1" hangingPunct="1">
+              <a:defRPr sz="1800" kern="1200">
+                <a:solidFill>
+                  <a:schemeClr val="tx1"/>
+                </a:solidFill>
+                <a:latin typeface="+mn-lt"/>
+                <a:ea typeface="+mn-ea"/>
+                <a:cs typeface="+mn-cs"/>
+              </a:defRPr>
+            </a:lvl9pPr>
+          </a:lstStyle>
+          <a:p>
+            <a:r>
+              <a:rPr lang="en-US" altLang="ko-KR" dirty="0" smtClean="0">
+                <a:solidFill>
+                  <a:schemeClr val="accent5"/>
+                </a:solidFill>
+                <a:latin typeface="배달의민족 도현" pitchFamily="50" charset="-127"/>
+                <a:ea typeface="배달의민족 도현" pitchFamily="50" charset="-127"/>
+              </a:rPr>
+              <a:t>S</a:t>
+            </a:r>
+            <a:r>
+              <a:rPr lang="en-US" altLang="ko-KR" dirty="0" smtClean="0">
+                <a:latin typeface="배달의민족 도현" pitchFamily="50" charset="-127"/>
+                <a:ea typeface="배달의민족 도현" pitchFamily="50" charset="-127"/>
+              </a:rPr>
+              <a:t>TART</a:t>
+            </a:r>
+            <a:r>
+              <a:rPr lang="en-US" altLang="ko-KR" dirty="0" smtClean="0">
+                <a:solidFill>
+                  <a:schemeClr val="accent5"/>
+                </a:solidFill>
+                <a:latin typeface="배달의민족 도현" pitchFamily="50" charset="-127"/>
+                <a:ea typeface="배달의민족 도현" pitchFamily="50" charset="-127"/>
+              </a:rPr>
+              <a:t>C</a:t>
+            </a:r>
+            <a:r>
+              <a:rPr lang="en-US" altLang="ko-KR" dirty="0" smtClean="0">
+                <a:latin typeface="배달의민족 도현" pitchFamily="50" charset="-127"/>
+                <a:ea typeface="배달의민족 도현" pitchFamily="50" charset="-127"/>
+              </a:rPr>
+              <a:t>ODING</a:t>
+            </a:r>
+            <a:endParaRPr lang="ko-KR" altLang="en-US" dirty="0">
+              <a:latin typeface="배달의민족 도현" pitchFamily="50" charset="-127"/>
+              <a:ea typeface="배달의민족 도현" pitchFamily="50" charset="-127"/>
+            </a:endParaRPr>
+          </a:p>
+        </p:txBody>
+      </p:sp>
+    </p:spTree>
+    <p:extLst>
+      <p:ext uri="{BB962C8B-B14F-4D97-AF65-F5344CB8AC3E}">
+        <p14:creationId xmlns:p14="http://schemas.microsoft.com/office/powerpoint/2010/main" val="3842579216"/>
+      </p:ext>
+    </p:extLst>
+  </p:cSld>
+  <p:clrMapOvr>
+    <a:masterClrMapping/>
+  </p:clrMapOvr>
+  <p:timing>
+    <p:tnLst>
+      <p:par>
+        <p:cTn id="1" dur="indefinite" restart="never" nodeType="tmRoot"/>
+      </p:par>
+    </p:tnLst>
+  </p:timing>
+</p:sld>
+</file>
+
+<file path=ppt/slides/slide11.xml><?xml version="1.0" encoding="utf-8"?>
+<p:sld xmlns:a="http://schemas.openxmlformats.org/drawingml/2006/main" xmlns:r="http://schemas.openxmlformats.org/officeDocument/2006/relationships" xmlns:p="http://schemas.openxmlformats.org/presentationml/2006/main">
+  <p:cSld>
+    <p:spTree>
+      <p:nvGrpSpPr>
+        <p:cNvPr id="1" name=""/>
+        <p:cNvGrpSpPr/>
+        <p:nvPr/>
+      </p:nvGrpSpPr>
+      <p:grpSpPr>
+        <a:xfrm>
+          <a:off x="0" y="0"/>
+          <a:ext cx="0" cy="0"/>
+          <a:chOff x="0" y="0"/>
+          <a:chExt cx="0" cy="0"/>
+        </a:xfrm>
+      </p:grpSpPr>
+      <p:sp>
+        <p:nvSpPr>
           <p:cNvPr id="5" name="제목 1"/>
           <p:cNvSpPr txBox="1">
             <a:spLocks/>
@@ -3788,6 +4027,58 @@
           </a:p>
         </p:txBody>
       </p:sp>
+      <p:sp>
+        <p:nvSpPr>
+          <p:cNvPr id="4" name="제목 1"/>
+          <p:cNvSpPr txBox="1">
+            <a:spLocks/>
+          </p:cNvSpPr>
+          <p:nvPr/>
+        </p:nvSpPr>
+        <p:spPr>
+          <a:xfrm>
+            <a:off x="685800" y="3140968"/>
+            <a:ext cx="7772400" cy="1470025"/>
+          </a:xfrm>
+          <a:prstGeom prst="rect">
+            <a:avLst/>
+          </a:prstGeom>
+        </p:spPr>
+        <p:txBody>
+          <a:bodyPr vert="horz" lIns="91440" tIns="45720" rIns="91440" bIns="45720" rtlCol="0" anchor="ctr">
+            <a:normAutofit/>
+          </a:bodyPr>
+          <a:lstStyle>
+            <a:lvl1pPr algn="ctr" defTabSz="914400" rtl="0" eaLnBrk="1" latinLnBrk="1" hangingPunct="1">
+              <a:spcBef>
+                <a:spcPct val="0"/>
+              </a:spcBef>
+              <a:buNone/>
+              <a:defRPr sz="4400" kern="1200">
+                <a:solidFill>
+                  <a:schemeClr val="tx1"/>
+                </a:solidFill>
+                <a:latin typeface="+mj-lt"/>
+                <a:ea typeface="+mj-ea"/>
+                <a:cs typeface="+mj-cs"/>
+              </a:defRPr>
+            </a:lvl1pPr>
+          </a:lstStyle>
+          <a:p>
+            <a:r>
+              <a:rPr lang="en-US" altLang="ko-KR" dirty="0" smtClean="0">
+                <a:latin typeface="배달의민족 주아" pitchFamily="18" charset="-127"/>
+                <a:ea typeface="배달의민족 주아" pitchFamily="18" charset="-127"/>
+              </a:rPr>
+              <a:t>(unordered list)</a:t>
+            </a:r>
+            <a:endParaRPr lang="ko-KR" altLang="en-US" dirty="0">
+              <a:latin typeface="배달의민족 주아" pitchFamily="18" charset="-127"/>
+              <a:ea typeface="배달의민족 주아" pitchFamily="18" charset="-127"/>
+            </a:endParaRPr>
+          </a:p>
+        </p:txBody>
+      </p:sp>
     </p:spTree>
     <p:extLst>
       <p:ext uri="{BB962C8B-B14F-4D97-AF65-F5344CB8AC3E}">
@@ -3880,28 +4171,35 @@
                 <a:latin typeface="배달의민족 주아" pitchFamily="18" charset="-127"/>
                 <a:ea typeface="배달의민족 주아" pitchFamily="18" charset="-127"/>
               </a:rPr>
-              <a:t>	&lt;li&gt;</a:t>
-            </a:r>
-            <a:r>
-              <a:rPr lang="ko-KR" altLang="en-US" dirty="0" err="1" smtClean="0">
-                <a:latin typeface="배달의민족 주아" pitchFamily="18" charset="-127"/>
-                <a:ea typeface="배달의민족 주아" pitchFamily="18" charset="-127"/>
-              </a:rPr>
-              <a:t>아이</a:t>
-            </a:r>
-            <a:r>
-              <a:rPr lang="ko-KR" altLang="en-US" dirty="0" err="1">
-                <a:latin typeface="배달의민족 주아" pitchFamily="18" charset="-127"/>
-                <a:ea typeface="배달의민족 주아" pitchFamily="18" charset="-127"/>
-              </a:rPr>
-              <a:t>유</a:t>
-            </a:r>
-            <a:r>
-              <a:rPr lang="en-US" altLang="ko-KR" dirty="0" smtClean="0">
-                <a:latin typeface="배달의민족 주아" pitchFamily="18" charset="-127"/>
-                <a:ea typeface="배달의민족 주아" pitchFamily="18" charset="-127"/>
-              </a:rPr>
-              <a:t>&lt;/li&gt;</a:t>
+              <a:t>	&lt;</a:t>
+            </a:r>
+            <a:r>
+              <a:rPr lang="en-US" altLang="ko-KR" dirty="0" smtClean="0">
+                <a:latin typeface="배달의민족 주아" pitchFamily="18" charset="-127"/>
+                <a:ea typeface="배달의민족 주아" pitchFamily="18" charset="-127"/>
+              </a:rPr>
+              <a:t>li&gt;</a:t>
+            </a:r>
+            <a:r>
+              <a:rPr lang="ko-KR" altLang="en-US" dirty="0" smtClean="0">
+                <a:latin typeface="배달의민족 주아" pitchFamily="18" charset="-127"/>
+                <a:ea typeface="배달의민족 주아" pitchFamily="18" charset="-127"/>
+              </a:rPr>
+              <a:t>블랙핑크</a:t>
+            </a:r>
+            <a:r>
+              <a:rPr lang="en-US" altLang="ko-KR" dirty="0" smtClean="0">
+                <a:latin typeface="배달의민족 주아" pitchFamily="18" charset="-127"/>
+                <a:ea typeface="배달의민족 주아" pitchFamily="18" charset="-127"/>
+              </a:rPr>
+              <a:t>&lt;/</a:t>
+            </a:r>
+            <a:r>
+              <a:rPr lang="en-US" altLang="ko-KR" dirty="0" smtClean="0">
+                <a:latin typeface="배달의민족 주아" pitchFamily="18" charset="-127"/>
+                <a:ea typeface="배달의민족 주아" pitchFamily="18" charset="-127"/>
+              </a:rPr>
+              <a:t>li&gt;</a:t>
             </a:r>
             <a:br>
               <a:rPr lang="en-US" altLang="ko-KR" dirty="0" smtClean="0">
@@ -4567,6 +4865,58 @@
           </a:p>
         </p:txBody>
       </p:sp>
+      <p:sp>
+        <p:nvSpPr>
+          <p:cNvPr id="4" name="제목 1"/>
+          <p:cNvSpPr txBox="1">
+            <a:spLocks/>
+          </p:cNvSpPr>
+          <p:nvPr/>
+        </p:nvSpPr>
+        <p:spPr>
+          <a:xfrm>
+            <a:off x="685800" y="3140968"/>
+            <a:ext cx="7772400" cy="1470025"/>
+          </a:xfrm>
+          <a:prstGeom prst="rect">
+            <a:avLst/>
+          </a:prstGeom>
+        </p:spPr>
+        <p:txBody>
+          <a:bodyPr vert="horz" lIns="91440" tIns="45720" rIns="91440" bIns="45720" rtlCol="0" anchor="ctr">
+            <a:normAutofit/>
+          </a:bodyPr>
+          <a:lstStyle>
+            <a:lvl1pPr algn="ctr" defTabSz="914400" rtl="0" eaLnBrk="1" latinLnBrk="1" hangingPunct="1">
+              <a:spcBef>
+                <a:spcPct val="0"/>
+              </a:spcBef>
+              <a:buNone/>
+              <a:defRPr sz="4400" kern="1200">
+                <a:solidFill>
+                  <a:schemeClr val="tx1"/>
+                </a:solidFill>
+                <a:latin typeface="+mj-lt"/>
+                <a:ea typeface="+mj-ea"/>
+                <a:cs typeface="+mj-cs"/>
+              </a:defRPr>
+            </a:lvl1pPr>
+          </a:lstStyle>
+          <a:p>
+            <a:r>
+              <a:rPr lang="en-US" altLang="ko-KR" dirty="0" smtClean="0">
+                <a:latin typeface="배달의민족 주아" pitchFamily="18" charset="-127"/>
+                <a:ea typeface="배달의민족 주아" pitchFamily="18" charset="-127"/>
+              </a:rPr>
+              <a:t>(ordered list)</a:t>
+            </a:r>
+            <a:endParaRPr lang="ko-KR" altLang="en-US" dirty="0">
+              <a:latin typeface="배달의민족 주아" pitchFamily="18" charset="-127"/>
+              <a:ea typeface="배달의민족 주아" pitchFamily="18" charset="-127"/>
+            </a:endParaRPr>
+          </a:p>
+        </p:txBody>
+      </p:sp>
     </p:spTree>
     <p:extLst>
       <p:ext uri="{BB962C8B-B14F-4D97-AF65-F5344CB8AC3E}">
@@ -4666,89 +5016,117 @@
                 <a:latin typeface="배달의민족 주아" pitchFamily="18" charset="-127"/>
                 <a:ea typeface="배달의민족 주아" pitchFamily="18" charset="-127"/>
               </a:rPr>
-              <a:t>	&lt;li&gt;</a:t>
+              <a:t>	&lt;li</a:t>
+            </a:r>
+            <a:r>
+              <a:rPr lang="en-US" altLang="ko-KR" dirty="0" smtClean="0">
+                <a:latin typeface="배달의민족 주아" pitchFamily="18" charset="-127"/>
+                <a:ea typeface="배달의민족 주아" pitchFamily="18" charset="-127"/>
+              </a:rPr>
+              <a:t>&gt;</a:t>
+            </a:r>
+            <a:r>
+              <a:rPr lang="ko-KR" altLang="en-US" dirty="0" smtClean="0">
+                <a:latin typeface="배달의민족 주아" pitchFamily="18" charset="-127"/>
+                <a:ea typeface="배달의민족 주아" pitchFamily="18" charset="-127"/>
+              </a:rPr>
+              <a:t>방탄소년단</a:t>
+            </a:r>
+            <a:r>
+              <a:rPr lang="en-US" altLang="ko-KR" dirty="0" smtClean="0">
+                <a:latin typeface="배달의민족 주아" pitchFamily="18" charset="-127"/>
+                <a:ea typeface="배달의민족 주아" pitchFamily="18" charset="-127"/>
+              </a:rPr>
+              <a:t>&lt;/</a:t>
+            </a:r>
+            <a:r>
+              <a:rPr lang="en-US" altLang="ko-KR" dirty="0" smtClean="0">
+                <a:latin typeface="배달의민족 주아" pitchFamily="18" charset="-127"/>
+                <a:ea typeface="배달의민족 주아" pitchFamily="18" charset="-127"/>
+              </a:rPr>
+              <a:t>li&gt;</a:t>
+            </a:r>
+            <a:br>
+              <a:rPr lang="en-US" altLang="ko-KR" dirty="0" smtClean="0">
+                <a:latin typeface="배달의민족 주아" pitchFamily="18" charset="-127"/>
+                <a:ea typeface="배달의민족 주아" pitchFamily="18" charset="-127"/>
+              </a:rPr>
+            </a:br>
+            <a:r>
+              <a:rPr lang="en-US" altLang="ko-KR" dirty="0">
+                <a:latin typeface="배달의민족 주아" pitchFamily="18" charset="-127"/>
+                <a:ea typeface="배달의민족 주아" pitchFamily="18" charset="-127"/>
+              </a:rPr>
+              <a:t>	</a:t>
+            </a:r>
+            <a:r>
+              <a:rPr lang="en-US" altLang="ko-KR" dirty="0" smtClean="0">
+                <a:latin typeface="배달의민족 주아" pitchFamily="18" charset="-127"/>
+                <a:ea typeface="배달의민족 주아" pitchFamily="18" charset="-127"/>
+              </a:rPr>
+              <a:t>&lt;</a:t>
+            </a:r>
+            <a:r>
+              <a:rPr lang="en-US" altLang="ko-KR" dirty="0" smtClean="0">
+                <a:latin typeface="배달의민족 주아" pitchFamily="18" charset="-127"/>
+                <a:ea typeface="배달의민족 주아" pitchFamily="18" charset="-127"/>
+              </a:rPr>
+              <a:t>li&gt;EXO&lt;/</a:t>
+            </a:r>
+            <a:r>
+              <a:rPr lang="en-US" altLang="ko-KR" dirty="0" smtClean="0">
+                <a:latin typeface="배달의민족 주아" pitchFamily="18" charset="-127"/>
+                <a:ea typeface="배달의민족 주아" pitchFamily="18" charset="-127"/>
+              </a:rPr>
+              <a:t>li&gt;</a:t>
+            </a:r>
+            <a:br>
+              <a:rPr lang="en-US" altLang="ko-KR" dirty="0" smtClean="0">
+                <a:latin typeface="배달의민족 주아" pitchFamily="18" charset="-127"/>
+                <a:ea typeface="배달의민족 주아" pitchFamily="18" charset="-127"/>
+              </a:rPr>
+            </a:br>
+            <a:r>
+              <a:rPr lang="en-US" altLang="ko-KR" dirty="0">
+                <a:latin typeface="배달의민족 주아" pitchFamily="18" charset="-127"/>
+                <a:ea typeface="배달의민족 주아" pitchFamily="18" charset="-127"/>
+              </a:rPr>
+              <a:t>	</a:t>
+            </a:r>
+            <a:r>
+              <a:rPr lang="en-US" altLang="ko-KR" dirty="0" smtClean="0">
+                <a:latin typeface="배달의민족 주아" pitchFamily="18" charset="-127"/>
+                <a:ea typeface="배달의민족 주아" pitchFamily="18" charset="-127"/>
+              </a:rPr>
+              <a:t>&lt;</a:t>
+            </a:r>
+            <a:r>
+              <a:rPr lang="en-US" altLang="ko-KR" dirty="0" smtClean="0">
+                <a:latin typeface="배달의민족 주아" pitchFamily="18" charset="-127"/>
+                <a:ea typeface="배달의민족 주아" pitchFamily="18" charset="-127"/>
+              </a:rPr>
+              <a:t>li&gt;</a:t>
             </a:r>
             <a:r>
               <a:rPr lang="ko-KR" altLang="en-US" dirty="0" err="1" smtClean="0">
                 <a:latin typeface="배달의민족 주아" pitchFamily="18" charset="-127"/>
                 <a:ea typeface="배달의민족 주아" pitchFamily="18" charset="-127"/>
               </a:rPr>
-              <a:t>아이유</a:t>
-            </a:r>
-            <a:r>
-              <a:rPr lang="en-US" altLang="ko-KR" dirty="0" smtClean="0">
-                <a:latin typeface="배달의민족 주아" pitchFamily="18" charset="-127"/>
-                <a:ea typeface="배달의민족 주아" pitchFamily="18" charset="-127"/>
-              </a:rPr>
-              <a:t>&lt;/li&gt;</a:t>
-            </a:r>
-            <a:br>
-              <a:rPr lang="en-US" altLang="ko-KR" dirty="0" smtClean="0">
-                <a:latin typeface="배달의민족 주아" pitchFamily="18" charset="-127"/>
-                <a:ea typeface="배달의민족 주아" pitchFamily="18" charset="-127"/>
-              </a:rPr>
-            </a:br>
-            <a:r>
-              <a:rPr lang="en-US" altLang="ko-KR" dirty="0">
-                <a:latin typeface="배달의민족 주아" pitchFamily="18" charset="-127"/>
-                <a:ea typeface="배달의민족 주아" pitchFamily="18" charset="-127"/>
-              </a:rPr>
-              <a:t>	</a:t>
-            </a:r>
-            <a:r>
-              <a:rPr lang="en-US" altLang="ko-KR" dirty="0" smtClean="0">
-                <a:latin typeface="배달의민족 주아" pitchFamily="18" charset="-127"/>
-                <a:ea typeface="배달의민족 주아" pitchFamily="18" charset="-127"/>
-              </a:rPr>
-              <a:t>&lt;li&gt;</a:t>
-            </a:r>
-            <a:r>
-              <a:rPr lang="ko-KR" altLang="en-US" dirty="0" err="1" smtClean="0">
-                <a:latin typeface="배달의민족 주아" pitchFamily="18" charset="-127"/>
-                <a:ea typeface="배달의민족 주아" pitchFamily="18" charset="-127"/>
-              </a:rPr>
-              <a:t>트와이스</a:t>
-            </a:r>
-            <a:r>
-              <a:rPr lang="en-US" altLang="ko-KR" dirty="0" smtClean="0">
-                <a:latin typeface="배달의민족 주아" pitchFamily="18" charset="-127"/>
-                <a:ea typeface="배달의민족 주아" pitchFamily="18" charset="-127"/>
-              </a:rPr>
-              <a:t>&lt;/li&gt;</a:t>
-            </a:r>
-            <a:br>
-              <a:rPr lang="en-US" altLang="ko-KR" dirty="0" smtClean="0">
-                <a:latin typeface="배달의민족 주아" pitchFamily="18" charset="-127"/>
-                <a:ea typeface="배달의민족 주아" pitchFamily="18" charset="-127"/>
-              </a:rPr>
-            </a:br>
-            <a:r>
-              <a:rPr lang="en-US" altLang="ko-KR" dirty="0">
-                <a:latin typeface="배달의민족 주아" pitchFamily="18" charset="-127"/>
-                <a:ea typeface="배달의민족 주아" pitchFamily="18" charset="-127"/>
-              </a:rPr>
-              <a:t>	</a:t>
-            </a:r>
-            <a:r>
-              <a:rPr lang="en-US" altLang="ko-KR" dirty="0" smtClean="0">
-                <a:latin typeface="배달의민족 주아" pitchFamily="18" charset="-127"/>
-                <a:ea typeface="배달의민족 주아" pitchFamily="18" charset="-127"/>
-              </a:rPr>
-              <a:t>&lt;li&gt;</a:t>
-            </a:r>
-            <a:r>
-              <a:rPr lang="ko-KR" altLang="en-US" dirty="0" err="1" smtClean="0">
-                <a:latin typeface="배달의민족 주아" pitchFamily="18" charset="-127"/>
-                <a:ea typeface="배달의민족 주아" pitchFamily="18" charset="-127"/>
-              </a:rPr>
-              <a:t>레드벨벳</a:t>
-            </a:r>
-            <a:r>
-              <a:rPr lang="en-US" altLang="ko-KR" dirty="0" smtClean="0">
-                <a:latin typeface="배달의민족 주아" pitchFamily="18" charset="-127"/>
-                <a:ea typeface="배달의민족 주아" pitchFamily="18" charset="-127"/>
-              </a:rPr>
-              <a:t>&lt;/li&gt;</a:t>
+              <a:t>세븐틴</a:t>
+            </a:r>
+            <a:r>
+              <a:rPr lang="en-US" altLang="ko-KR" dirty="0" smtClean="0">
+                <a:latin typeface="배달의민족 주아" pitchFamily="18" charset="-127"/>
+                <a:ea typeface="배달의민족 주아" pitchFamily="18" charset="-127"/>
+              </a:rPr>
+              <a:t>&lt;/</a:t>
+            </a:r>
+            <a:r>
+              <a:rPr lang="en-US" altLang="ko-KR" dirty="0" smtClean="0">
+                <a:latin typeface="배달의민족 주아" pitchFamily="18" charset="-127"/>
+                <a:ea typeface="배달의민족 주아" pitchFamily="18" charset="-127"/>
+              </a:rPr>
+              <a:t>li&gt;</a:t>
             </a:r>
             <a:br>
               <a:rPr lang="en-US" altLang="ko-KR" dirty="0" smtClean="0">
@@ -5173,14 +5551,7 @@
                 <a:latin typeface="배달의민족 주아" pitchFamily="18" charset="-127"/>
                 <a:ea typeface="배달의민족 주아" pitchFamily="18" charset="-127"/>
               </a:rPr>
-              <a:t>table</a:t>
-            </a:r>
-            <a:r>
-              <a:rPr lang="en-US" altLang="ko-KR" dirty="0" smtClean="0">
-                <a:latin typeface="배달의민족 주아" pitchFamily="18" charset="-127"/>
-                <a:ea typeface="배달의민족 주아" pitchFamily="18" charset="-127"/>
-              </a:rPr>
-              <a:t> </a:t>
+              <a:t>table </a:t>
             </a:r>
             <a:r>
               <a:rPr lang="ko-KR" altLang="en-US" dirty="0" smtClean="0">
@@ -5392,197 +5763,6 @@
       </p:grpSpPr>
       <p:sp>
         <p:nvSpPr>
-          <p:cNvPr id="2" name="제목 1"/>
-          <p:cNvSpPr>
-            <a:spLocks noGrp="1"/>
-          </p:cNvSpPr>
-          <p:nvPr>
-            <p:ph type="ctrTitle"/>
-          </p:nvPr>
-        </p:nvSpPr>
-        <p:spPr>
-          <a:xfrm>
-            <a:off x="685800" y="2535039"/>
-            <a:ext cx="7772400" cy="1470025"/>
-          </a:xfrm>
-        </p:spPr>
-        <p:txBody>
-          <a:bodyPr>
-            <a:noAutofit/>
-          </a:bodyPr>
-          <a:lstStyle/>
-          <a:p>
-            <a:pPr algn="l">
-              <a:tabLst>
-                <a:tab pos="2336800" algn="l"/>
-              </a:tabLst>
-            </a:pPr>
-            <a:r>
-              <a:rPr lang="en-US" altLang="ko-KR" sz="3200" dirty="0" smtClean="0">
-                <a:latin typeface="배달의민족 주아" pitchFamily="18" charset="-127"/>
-                <a:ea typeface="배달의민족 주아" pitchFamily="18" charset="-127"/>
-              </a:rPr>
-              <a:t>1. &lt;</a:t>
-            </a:r>
-            <a:r>
-              <a:rPr lang="en-US" altLang="ko-KR" sz="3200" dirty="0" err="1" smtClean="0">
-                <a:latin typeface="배달의민족 주아" pitchFamily="18" charset="-127"/>
-                <a:ea typeface="배달의민족 주아" pitchFamily="18" charset="-127"/>
-              </a:rPr>
-              <a:t>tr</a:t>
-            </a:r>
-            <a:r>
-              <a:rPr lang="en-US" altLang="ko-KR" sz="3200" dirty="0" smtClean="0">
-                <a:latin typeface="배달의민족 주아" pitchFamily="18" charset="-127"/>
-                <a:ea typeface="배달의민족 주아" pitchFamily="18" charset="-127"/>
-              </a:rPr>
-              <a:t>&gt;</a:t>
-            </a:r>
-            <a:r>
-              <a:rPr lang="ko-KR" altLang="en-US" sz="3200" dirty="0" smtClean="0">
-                <a:latin typeface="배달의민족 주아" pitchFamily="18" charset="-127"/>
-                <a:ea typeface="배달의민족 주아" pitchFamily="18" charset="-127"/>
-              </a:rPr>
-              <a:t>태그는 테이블에서 열을 구분</a:t>
-            </a:r>
-            <a:r>
-              <a:rPr lang="en-US" altLang="ko-KR" sz="3200" dirty="0" smtClean="0">
-                <a:latin typeface="배달의민족 주아" pitchFamily="18" charset="-127"/>
-                <a:ea typeface="배달의민족 주아" pitchFamily="18" charset="-127"/>
-              </a:rPr>
-              <a:t/>
-            </a:r>
-            <a:br>
-              <a:rPr lang="en-US" altLang="ko-KR" sz="3200" dirty="0" smtClean="0">
-                <a:latin typeface="배달의민족 주아" pitchFamily="18" charset="-127"/>
-                <a:ea typeface="배달의민족 주아" pitchFamily="18" charset="-127"/>
-              </a:rPr>
-            </a:br>
-            <a:r>
-              <a:rPr lang="en-US" altLang="ko-KR" sz="3200" dirty="0" smtClean="0">
-                <a:latin typeface="배달의민족 주아" pitchFamily="18" charset="-127"/>
-                <a:ea typeface="배달의민족 주아" pitchFamily="18" charset="-127"/>
-              </a:rPr>
-              <a:t/>
-            </a:r>
-            <a:br>
-              <a:rPr lang="en-US" altLang="ko-KR" sz="3200" dirty="0" smtClean="0">
-                <a:latin typeface="배달의민족 주아" pitchFamily="18" charset="-127"/>
-                <a:ea typeface="배달의민족 주아" pitchFamily="18" charset="-127"/>
-              </a:rPr>
-            </a:br>
-            <a:r>
-              <a:rPr lang="en-US" altLang="ko-KR" sz="3200" dirty="0" smtClean="0">
-                <a:latin typeface="배달의민족 주아" pitchFamily="18" charset="-127"/>
-                <a:ea typeface="배달의민족 주아" pitchFamily="18" charset="-127"/>
-              </a:rPr>
-              <a:t>2. &lt;</a:t>
-            </a:r>
-            <a:r>
-              <a:rPr lang="en-US" altLang="ko-KR" sz="3200" dirty="0" err="1" smtClean="0">
-                <a:latin typeface="배달의민족 주아" pitchFamily="18" charset="-127"/>
-                <a:ea typeface="배달의민족 주아" pitchFamily="18" charset="-127"/>
-              </a:rPr>
-              <a:t>th</a:t>
-            </a:r>
-            <a:r>
-              <a:rPr lang="en-US" altLang="ko-KR" sz="3200" dirty="0" smtClean="0">
-                <a:latin typeface="배달의민족 주아" pitchFamily="18" charset="-127"/>
-                <a:ea typeface="배달의민족 주아" pitchFamily="18" charset="-127"/>
-              </a:rPr>
-              <a:t>&gt; </a:t>
-            </a:r>
-            <a:r>
-              <a:rPr lang="ko-KR" altLang="en-US" sz="3200" dirty="0" smtClean="0">
-                <a:latin typeface="배달의민족 주아" pitchFamily="18" charset="-127"/>
-                <a:ea typeface="배달의민족 주아" pitchFamily="18" charset="-127"/>
-              </a:rPr>
-              <a:t>태그는 각 열의 제목을 나타내며</a:t>
-            </a:r>
-            <a:r>
-              <a:rPr lang="en-US" altLang="ko-KR" sz="3200" dirty="0" smtClean="0">
-                <a:latin typeface="배달의민족 주아" pitchFamily="18" charset="-127"/>
-                <a:ea typeface="배달의민족 주아" pitchFamily="18" charset="-127"/>
-              </a:rPr>
-              <a:t>, </a:t>
-            </a:r>
-            <a:r>
-              <a:rPr lang="ko-KR" altLang="en-US" sz="3200" dirty="0" smtClean="0">
-                <a:latin typeface="배달의민족 주아" pitchFamily="18" charset="-127"/>
-                <a:ea typeface="배달의민족 주아" pitchFamily="18" charset="-127"/>
-              </a:rPr>
-              <a:t>자동으로 굵은 글씨에 가운데 정렬이 된다</a:t>
-            </a:r>
-            <a:r>
-              <a:rPr lang="en-US" altLang="ko-KR" sz="3200" dirty="0" smtClean="0">
-                <a:latin typeface="배달의민족 주아" pitchFamily="18" charset="-127"/>
-                <a:ea typeface="배달의민족 주아" pitchFamily="18" charset="-127"/>
-              </a:rPr>
-              <a:t>.</a:t>
-            </a:r>
-            <a:br>
-              <a:rPr lang="en-US" altLang="ko-KR" sz="3200" dirty="0" smtClean="0">
-                <a:latin typeface="배달의민족 주아" pitchFamily="18" charset="-127"/>
-                <a:ea typeface="배달의민족 주아" pitchFamily="18" charset="-127"/>
-              </a:rPr>
-            </a:br>
-            <a:r>
-              <a:rPr lang="en-US" altLang="ko-KR" sz="3200" dirty="0" smtClean="0">
-                <a:latin typeface="배달의민족 주아" pitchFamily="18" charset="-127"/>
-                <a:ea typeface="배달의민족 주아" pitchFamily="18" charset="-127"/>
-              </a:rPr>
-              <a:t/>
-            </a:r>
-            <a:br>
-              <a:rPr lang="en-US" altLang="ko-KR" sz="3200" dirty="0" smtClean="0">
-                <a:latin typeface="배달의민족 주아" pitchFamily="18" charset="-127"/>
-                <a:ea typeface="배달의민족 주아" pitchFamily="18" charset="-127"/>
-              </a:rPr>
-            </a:br>
-            <a:r>
-              <a:rPr lang="en-US" altLang="ko-KR" sz="3200" dirty="0" smtClean="0">
-                <a:latin typeface="배달의민족 주아" pitchFamily="18" charset="-127"/>
-                <a:ea typeface="배달의민족 주아" pitchFamily="18" charset="-127"/>
-              </a:rPr>
-              <a:t>3. &lt;td&gt;</a:t>
-            </a:r>
-            <a:r>
-              <a:rPr lang="ko-KR" altLang="en-US" sz="3200" dirty="0" smtClean="0">
-                <a:latin typeface="배달의민족 주아" pitchFamily="18" charset="-127"/>
-                <a:ea typeface="배달의민족 주아" pitchFamily="18" charset="-127"/>
-              </a:rPr>
-              <a:t>태그는 테이블의 열을 셀</a:t>
-            </a:r>
-            <a:r>
-              <a:rPr lang="en-US" altLang="ko-KR" sz="3200" dirty="0" smtClean="0">
-                <a:latin typeface="배달의민족 주아" pitchFamily="18" charset="-127"/>
-                <a:ea typeface="배달의민족 주아" pitchFamily="18" charset="-127"/>
-              </a:rPr>
-              <a:t>(cell)</a:t>
-            </a:r>
-            <a:r>
-              <a:rPr lang="ko-KR" altLang="en-US" sz="3200" dirty="0" smtClean="0">
-                <a:latin typeface="배달의민족 주아" pitchFamily="18" charset="-127"/>
-                <a:ea typeface="배달의민족 주아" pitchFamily="18" charset="-127"/>
-              </a:rPr>
-              <a:t>로 나누어 준다</a:t>
-            </a:r>
-            <a:r>
-              <a:rPr lang="en-US" altLang="ko-KR" sz="3200" dirty="0" smtClean="0">
-                <a:latin typeface="배달의민족 주아" pitchFamily="18" charset="-127"/>
-                <a:ea typeface="배달의민족 주아" pitchFamily="18" charset="-127"/>
-              </a:rPr>
-              <a:t>. </a:t>
-            </a:r>
-            <a:endParaRPr lang="ko-KR" altLang="en-US" sz="3200" dirty="0">
-              <a:latin typeface="배달의민족 주아" pitchFamily="18" charset="-127"/>
-              <a:ea typeface="배달의민족 주아" pitchFamily="18" charset="-127"/>
-            </a:endParaRPr>
-          </a:p>
-        </p:txBody>
-      </p:sp>
-      <p:sp>
-        <p:nvSpPr>
           <p:cNvPr id="3" name="TextBox 2"/>
           <p:cNvSpPr txBox="1"/>
           <p:nvPr/>
@@ -5738,6 +5918,258 @@
           </a:p>
         </p:txBody>
       </p:sp>
+      <p:graphicFrame>
+        <p:nvGraphicFramePr>
+          <p:cNvPr id="4" name="표 3"/>
+          <p:cNvGraphicFramePr>
+            <a:graphicFrameLocks noGrp="1"/>
+          </p:cNvGraphicFramePr>
+          <p:nvPr>
+            <p:extLst>
+              <p:ext uri="{D42A27DB-BD31-4B8C-83A1-F6EECF244321}">
+                <p14:modId xmlns:p14="http://schemas.microsoft.com/office/powerpoint/2010/main" val="2216742189"/>
+              </p:ext>
+            </p:extLst>
+          </p:nvPr>
+        </p:nvGraphicFramePr>
+        <p:xfrm>
+          <a:off x="1323898" y="1916832"/>
+          <a:ext cx="6552728" cy="2664296"/>
+        </p:xfrm>
+        <a:graphic>
+          <a:graphicData uri="http://schemas.openxmlformats.org/drawingml/2006/table">
+            <a:tbl>
+              <a:tblPr firstRow="1" bandRow="1">
+                <a:tableStyleId>{5C22544A-7EE6-4342-B048-85BDC9FD1C3A}</a:tableStyleId>
+              </a:tblPr>
+              <a:tblGrid>
+                <a:gridCol w="3276364"/>
+                <a:gridCol w="3276364"/>
+              </a:tblGrid>
+              <a:tr h="527004">
+                <a:tc>
+                  <a:txBody>
+                    <a:bodyPr/>
+                    <a:lstStyle/>
+                    <a:p>
+                      <a:pPr algn="ctr" latinLnBrk="1"/>
+                      <a:r>
+                        <a:rPr lang="ko-KR" altLang="en-US" sz="2000" dirty="0" smtClean="0">
+                          <a:latin typeface="배달의민족 주아" pitchFamily="18" charset="-127"/>
+                          <a:ea typeface="배달의민족 주아" pitchFamily="18" charset="-127"/>
+                        </a:rPr>
+                        <a:t>태그</a:t>
+                      </a:r>
+                      <a:endParaRPr lang="ko-KR" altLang="en-US" sz="2000" dirty="0">
+                        <a:latin typeface="배달의민족 주아" pitchFamily="18" charset="-127"/>
+                        <a:ea typeface="배달의민족 주아" pitchFamily="18" charset="-127"/>
+                      </a:endParaRPr>
+                    </a:p>
+                  </a:txBody>
+                  <a:tcPr/>
+                </a:tc>
+                <a:tc>
+                  <a:txBody>
+                    <a:bodyPr/>
+                    <a:lstStyle/>
+                    <a:p>
+                      <a:pPr algn="ctr" latinLnBrk="1"/>
+                      <a:r>
+                        <a:rPr lang="ko-KR" altLang="en-US" sz="2000" dirty="0" smtClean="0">
+                          <a:latin typeface="배달의민족 주아" pitchFamily="18" charset="-127"/>
+                          <a:ea typeface="배달의민족 주아" pitchFamily="18" charset="-127"/>
+                        </a:rPr>
+                        <a:t>설명</a:t>
+                      </a:r>
+                      <a:endParaRPr lang="ko-KR" altLang="en-US" sz="2000" dirty="0">
+                        <a:latin typeface="배달의민족 주아" pitchFamily="18" charset="-127"/>
+                        <a:ea typeface="배달의민족 주아" pitchFamily="18" charset="-127"/>
+                      </a:endParaRPr>
+                    </a:p>
+                  </a:txBody>
+                  <a:tcPr/>
+                </a:tc>
+              </a:tr>
+              <a:tr h="534323">
+                <a:tc>
+                  <a:txBody>
+                    <a:bodyPr/>
+                    <a:lstStyle/>
+                    <a:p>
+                      <a:pPr algn="ctr" latinLnBrk="1"/>
+                      <a:r>
+                        <a:rPr lang="en-US" altLang="ko-KR" sz="2000" dirty="0" smtClean="0">
+                          <a:latin typeface="배달의민족 주아" pitchFamily="18" charset="-127"/>
+                          <a:ea typeface="배달의민족 주아" pitchFamily="18" charset="-127"/>
+                        </a:rPr>
+                        <a:t>table</a:t>
+                      </a:r>
+                      <a:endParaRPr lang="ko-KR" altLang="en-US" sz="2000" dirty="0">
+                        <a:latin typeface="배달의민족 주아" pitchFamily="18" charset="-127"/>
+                        <a:ea typeface="배달의민족 주아" pitchFamily="18" charset="-127"/>
+                      </a:endParaRPr>
+                    </a:p>
+                  </a:txBody>
+                  <a:tcPr/>
+                </a:tc>
+                <a:tc>
+                  <a:txBody>
+                    <a:bodyPr/>
+                    <a:lstStyle/>
+                    <a:p>
+                      <a:pPr algn="ctr" latinLnBrk="1"/>
+                      <a:r>
+                        <a:rPr lang="ko-KR" altLang="en-US" sz="2000" dirty="0" smtClean="0">
+                          <a:latin typeface="배달의민족 주아" pitchFamily="18" charset="-127"/>
+                          <a:ea typeface="배달의민족 주아" pitchFamily="18" charset="-127"/>
+                        </a:rPr>
+                        <a:t>표를 만드는 태그</a:t>
+                      </a:r>
+                      <a:endParaRPr lang="ko-KR" altLang="en-US" sz="2000" dirty="0">
+                        <a:latin typeface="배달의민족 주아" pitchFamily="18" charset="-127"/>
+                        <a:ea typeface="배달의민족 주아" pitchFamily="18" charset="-127"/>
+                      </a:endParaRPr>
+                    </a:p>
+                  </a:txBody>
+                  <a:tcPr/>
+                </a:tc>
+              </a:tr>
+              <a:tr h="534323">
+                <a:tc>
+                  <a:txBody>
+                    <a:bodyPr/>
+                    <a:lstStyle/>
+                    <a:p>
+                      <a:pPr algn="ctr" latinLnBrk="1"/>
+                      <a:r>
+                        <a:rPr lang="en-US" altLang="ko-KR" sz="2000" dirty="0" err="1" smtClean="0">
+                          <a:latin typeface="배달의민족 주아" pitchFamily="18" charset="-127"/>
+                          <a:ea typeface="배달의민족 주아" pitchFamily="18" charset="-127"/>
+                        </a:rPr>
+                        <a:t>tr</a:t>
+                      </a:r>
+                      <a:endParaRPr lang="ko-KR" altLang="en-US" sz="2000" dirty="0">
+                        <a:latin typeface="배달의민족 주아" pitchFamily="18" charset="-127"/>
+                        <a:ea typeface="배달의민족 주아" pitchFamily="18" charset="-127"/>
+                      </a:endParaRPr>
+                    </a:p>
+                  </a:txBody>
+                  <a:tcPr/>
+                </a:tc>
+                <a:tc>
+                  <a:txBody>
+                    <a:bodyPr/>
+                    <a:lstStyle/>
+                    <a:p>
+                      <a:pPr algn="ctr" latinLnBrk="1"/>
+                      <a:r>
+                        <a:rPr lang="ko-KR" altLang="en-US" sz="2000" dirty="0" smtClean="0">
+                          <a:latin typeface="배달의민족 주아" pitchFamily="18" charset="-127"/>
+                          <a:ea typeface="배달의민족 주아" pitchFamily="18" charset="-127"/>
+                        </a:rPr>
+                        <a:t>행을 하나 만든다</a:t>
+                      </a:r>
+                      <a:endParaRPr lang="ko-KR" altLang="en-US" sz="2000" dirty="0">
+                        <a:latin typeface="배달의민족 주아" pitchFamily="18" charset="-127"/>
+                        <a:ea typeface="배달의민족 주아" pitchFamily="18" charset="-127"/>
+                      </a:endParaRPr>
+                    </a:p>
+                  </a:txBody>
+                  <a:tcPr/>
+                </a:tc>
+              </a:tr>
+              <a:tr h="534323">
+                <a:tc>
+                  <a:txBody>
+                    <a:bodyPr/>
+                    <a:lstStyle/>
+                    <a:p>
+                      <a:pPr algn="ctr" latinLnBrk="1"/>
+                      <a:r>
+                        <a:rPr lang="en-US" altLang="ko-KR" sz="2000" dirty="0" err="1" smtClean="0">
+                          <a:latin typeface="배달의민족 주아" pitchFamily="18" charset="-127"/>
+                          <a:ea typeface="배달의민족 주아" pitchFamily="18" charset="-127"/>
+                        </a:rPr>
+                        <a:t>th</a:t>
+                      </a:r>
+                      <a:endParaRPr lang="ko-KR" altLang="en-US" sz="2000" dirty="0">
+                        <a:latin typeface="배달의민족 주아" pitchFamily="18" charset="-127"/>
+                        <a:ea typeface="배달의민족 주아" pitchFamily="18" charset="-127"/>
+                      </a:endParaRPr>
+                    </a:p>
+                  </a:txBody>
+                  <a:tcPr/>
+                </a:tc>
+                <a:tc>
+                  <a:txBody>
+                    <a:bodyPr/>
+                    <a:lstStyle/>
+                    <a:p>
+                      <a:pPr algn="ctr" latinLnBrk="1"/>
+                      <a:r>
+                        <a:rPr lang="ko-KR" altLang="en-US" sz="2000" dirty="0" smtClean="0">
+                          <a:latin typeface="배달의민족 주아" pitchFamily="18" charset="-127"/>
+                          <a:ea typeface="배달의민족 주아" pitchFamily="18" charset="-127"/>
+                        </a:rPr>
+                        <a:t>제목 셀을 하나 만든다</a:t>
+                      </a:r>
+                      <a:endParaRPr lang="ko-KR" altLang="en-US" sz="2000" dirty="0">
+                        <a:latin typeface="배달의민족 주아" pitchFamily="18" charset="-127"/>
+                        <a:ea typeface="배달의민족 주아" pitchFamily="18" charset="-127"/>
+                      </a:endParaRPr>
+                    </a:p>
+                  </a:txBody>
+                  <a:tcPr/>
+                </a:tc>
+              </a:tr>
+              <a:tr h="534323">
+                <a:tc>
+                  <a:txBody>
+                    <a:bodyPr/>
+                    <a:lstStyle/>
+                    <a:p>
+                      <a:pPr algn="ctr" latinLnBrk="1"/>
+                      <a:r>
+                        <a:rPr lang="en-US" altLang="ko-KR" sz="2000" dirty="0" smtClean="0">
+                          <a:latin typeface="배달의민족 주아" pitchFamily="18" charset="-127"/>
+                          <a:ea typeface="배달의민족 주아" pitchFamily="18" charset="-127"/>
+                        </a:rPr>
+                        <a:t>td</a:t>
+                      </a:r>
+                      <a:endParaRPr lang="ko-KR" altLang="en-US" sz="2000" dirty="0">
+                        <a:latin typeface="배달의민족 주아" pitchFamily="18" charset="-127"/>
+                        <a:ea typeface="배달의민족 주아" pitchFamily="18" charset="-127"/>
+                      </a:endParaRPr>
+                    </a:p>
+                  </a:txBody>
+                  <a:tcPr/>
+                </a:tc>
+                <a:tc>
+                  <a:txBody>
+                    <a:bodyPr/>
+                    <a:lstStyle/>
+                    <a:p>
+                      <a:pPr algn="ctr" latinLnBrk="1"/>
+                      <a:r>
+                        <a:rPr lang="ko-KR" altLang="en-US" sz="2000" dirty="0" smtClean="0">
+                          <a:latin typeface="배달의민족 주아" pitchFamily="18" charset="-127"/>
+                          <a:ea typeface="배달의민족 주아" pitchFamily="18" charset="-127"/>
+                        </a:rPr>
+                        <a:t>일반 셀을 하나 만든다</a:t>
+                      </a:r>
+                      <a:endParaRPr lang="ko-KR" altLang="en-US" sz="2000" dirty="0">
+                        <a:latin typeface="배달의민족 주아" pitchFamily="18" charset="-127"/>
+                        <a:ea typeface="배달의민족 주아" pitchFamily="18" charset="-127"/>
+                      </a:endParaRPr>
+                    </a:p>
+                  </a:txBody>
+                  <a:tcPr/>
+                </a:tc>
+              </a:tr>
+            </a:tbl>
+          </a:graphicData>
+        </a:graphic>
+      </p:graphicFrame>
     </p:spTree>
     <p:extLst>
       <p:ext uri="{BB962C8B-B14F-4D97-AF65-F5344CB8AC3E}">
@@ -5777,456 +6209,7 @@
       </p:grpSpPr>
       <p:sp>
         <p:nvSpPr>
-          <p:cNvPr id="2" name="제목 1"/>
-          <p:cNvSpPr>
-            <a:spLocks noGrp="1"/>
-          </p:cNvSpPr>
-          <p:nvPr>
-            <p:ph type="ctrTitle"/>
-          </p:nvPr>
-        </p:nvSpPr>
-        <p:spPr>
-          <a:xfrm>
-            <a:off x="2483768" y="1484784"/>
-            <a:ext cx="7772400" cy="3600400"/>
-          </a:xfrm>
-        </p:spPr>
-        <p:txBody>
-          <a:bodyPr>
-            <a:noAutofit/>
-          </a:bodyPr>
-          <a:lstStyle/>
-          <a:p>
-            <a:pPr algn="l" defTabSz="876300">
-              <a:tabLst>
-                <a:tab pos="1790700" algn="l"/>
-                <a:tab pos="1879600" algn="l"/>
-              </a:tabLst>
-            </a:pPr>
-            <a:r>
-              <a:rPr lang="en-US" altLang="ko-KR" sz="2400" dirty="0" smtClean="0">
-                <a:latin typeface="배달의민족 주아" pitchFamily="18" charset="-127"/>
-                <a:ea typeface="배달의민족 주아" pitchFamily="18" charset="-127"/>
-              </a:rPr>
-              <a:t>&lt;table border=“”1””&gt;</a:t>
-            </a:r>
-            <a:br>
-              <a:rPr lang="en-US" altLang="ko-KR" sz="2400" dirty="0" smtClean="0">
-                <a:latin typeface="배달의민족 주아" pitchFamily="18" charset="-127"/>
-                <a:ea typeface="배달의민족 주아" pitchFamily="18" charset="-127"/>
-              </a:rPr>
-            </a:br>
-            <a:r>
-              <a:rPr lang="en-US" altLang="ko-KR" sz="2400" dirty="0" smtClean="0">
-                <a:latin typeface="배달의민족 주아" pitchFamily="18" charset="-127"/>
-                <a:ea typeface="배달의민족 주아" pitchFamily="18" charset="-127"/>
-              </a:rPr>
-              <a:t>    &lt;</a:t>
-            </a:r>
-            <a:r>
-              <a:rPr lang="en-US" altLang="ko-KR" sz="2400" dirty="0" err="1" smtClean="0">
-                <a:latin typeface="배달의민족 주아" pitchFamily="18" charset="-127"/>
-                <a:ea typeface="배달의민족 주아" pitchFamily="18" charset="-127"/>
-              </a:rPr>
-              <a:t>tr</a:t>
-            </a:r>
-            <a:r>
-              <a:rPr lang="en-US" altLang="ko-KR" sz="2400" dirty="0" smtClean="0">
-                <a:latin typeface="배달의민족 주아" pitchFamily="18" charset="-127"/>
-                <a:ea typeface="배달의민족 주아" pitchFamily="18" charset="-127"/>
-              </a:rPr>
-              <a:t>&gt;</a:t>
-            </a:r>
-            <a:br>
-              <a:rPr lang="en-US" altLang="ko-KR" sz="2400" dirty="0" smtClean="0">
-                <a:latin typeface="배달의민족 주아" pitchFamily="18" charset="-127"/>
-                <a:ea typeface="배달의민족 주아" pitchFamily="18" charset="-127"/>
-              </a:rPr>
-            </a:br>
-            <a:r>
-              <a:rPr lang="en-US" altLang="ko-KR" sz="2400" dirty="0" smtClean="0">
-                <a:latin typeface="배달의민족 주아" pitchFamily="18" charset="-127"/>
-                <a:ea typeface="배달의민족 주아" pitchFamily="18" charset="-127"/>
-              </a:rPr>
-              <a:t>        &lt;</a:t>
-            </a:r>
-            <a:r>
-              <a:rPr lang="en-US" altLang="ko-KR" sz="2400" dirty="0" err="1" smtClean="0">
-                <a:latin typeface="배달의민족 주아" pitchFamily="18" charset="-127"/>
-                <a:ea typeface="배달의민족 주아" pitchFamily="18" charset="-127"/>
-              </a:rPr>
-              <a:t>th</a:t>
-            </a:r>
-            <a:r>
-              <a:rPr lang="en-US" altLang="ko-KR" sz="2400" dirty="0" smtClean="0">
-                <a:latin typeface="배달의민족 주아" pitchFamily="18" charset="-127"/>
-                <a:ea typeface="배달의민족 주아" pitchFamily="18" charset="-127"/>
-              </a:rPr>
-              <a:t>&gt;</a:t>
-            </a:r>
-            <a:r>
-              <a:rPr lang="ko-KR" altLang="en-US" sz="2400" dirty="0" smtClean="0">
-                <a:latin typeface="배달의민족 주아" pitchFamily="18" charset="-127"/>
-                <a:ea typeface="배달의민족 주아" pitchFamily="18" charset="-127"/>
-              </a:rPr>
-              <a:t>음식</a:t>
-            </a:r>
-            <a:r>
-              <a:rPr lang="en-US" altLang="ko-KR" sz="2400" dirty="0" smtClean="0">
-                <a:latin typeface="배달의민족 주아" pitchFamily="18" charset="-127"/>
-                <a:ea typeface="배달의민족 주아" pitchFamily="18" charset="-127"/>
-              </a:rPr>
-              <a:t>&lt;/</a:t>
-            </a:r>
-            <a:r>
-              <a:rPr lang="en-US" altLang="ko-KR" sz="2400" dirty="0" err="1" smtClean="0">
-                <a:latin typeface="배달의민족 주아" pitchFamily="18" charset="-127"/>
-                <a:ea typeface="배달의민족 주아" pitchFamily="18" charset="-127"/>
-              </a:rPr>
-              <a:t>th</a:t>
-            </a:r>
-            <a:r>
-              <a:rPr lang="en-US" altLang="ko-KR" sz="2400" dirty="0" smtClean="0">
-                <a:latin typeface="배달의민족 주아" pitchFamily="18" charset="-127"/>
-                <a:ea typeface="배달의민족 주아" pitchFamily="18" charset="-127"/>
-              </a:rPr>
-              <a:t>&gt;</a:t>
-            </a:r>
-            <a:br>
-              <a:rPr lang="en-US" altLang="ko-KR" sz="2400" dirty="0" smtClean="0">
-                <a:latin typeface="배달의민족 주아" pitchFamily="18" charset="-127"/>
-                <a:ea typeface="배달의민족 주아" pitchFamily="18" charset="-127"/>
-              </a:rPr>
-            </a:br>
-            <a:r>
-              <a:rPr lang="en-US" altLang="ko-KR" sz="2400" dirty="0" smtClean="0">
-                <a:latin typeface="배달의민족 주아" pitchFamily="18" charset="-127"/>
-                <a:ea typeface="배달의민족 주아" pitchFamily="18" charset="-127"/>
-              </a:rPr>
-              <a:t>        &lt;</a:t>
-            </a:r>
-            <a:r>
-              <a:rPr lang="en-US" altLang="ko-KR" sz="2400" dirty="0" err="1" smtClean="0">
-                <a:latin typeface="배달의민족 주아" pitchFamily="18" charset="-127"/>
-                <a:ea typeface="배달의민족 주아" pitchFamily="18" charset="-127"/>
-              </a:rPr>
-              <a:t>th</a:t>
-            </a:r>
-            <a:r>
-              <a:rPr lang="en-US" altLang="ko-KR" sz="2400" dirty="0" smtClean="0">
-                <a:latin typeface="배달의민족 주아" pitchFamily="18" charset="-127"/>
-                <a:ea typeface="배달의민족 주아" pitchFamily="18" charset="-127"/>
-              </a:rPr>
-              <a:t>&gt;</a:t>
-            </a:r>
-            <a:r>
-              <a:rPr lang="ko-KR" altLang="en-US" sz="2400" dirty="0" smtClean="0">
-                <a:latin typeface="배달의민족 주아" pitchFamily="18" charset="-127"/>
-                <a:ea typeface="배달의민족 주아" pitchFamily="18" charset="-127"/>
-              </a:rPr>
-              <a:t>가격</a:t>
-            </a:r>
-            <a:r>
-              <a:rPr lang="en-US" altLang="ko-KR" sz="2400" dirty="0" smtClean="0">
-                <a:latin typeface="배달의민족 주아" pitchFamily="18" charset="-127"/>
-                <a:ea typeface="배달의민족 주아" pitchFamily="18" charset="-127"/>
-              </a:rPr>
-              <a:t>&lt;/</a:t>
-            </a:r>
-            <a:r>
-              <a:rPr lang="en-US" altLang="ko-KR" sz="2400" dirty="0" err="1" smtClean="0">
-                <a:latin typeface="배달의민족 주아" pitchFamily="18" charset="-127"/>
-                <a:ea typeface="배달의민족 주아" pitchFamily="18" charset="-127"/>
-              </a:rPr>
-              <a:t>th</a:t>
-            </a:r>
-            <a:r>
-              <a:rPr lang="en-US" altLang="ko-KR" sz="2400" dirty="0" smtClean="0">
-                <a:latin typeface="배달의민족 주아" pitchFamily="18" charset="-127"/>
-                <a:ea typeface="배달의민족 주아" pitchFamily="18" charset="-127"/>
-              </a:rPr>
-              <a:t>&gt;</a:t>
-            </a:r>
-            <a:r>
-              <a:rPr lang="en-US" altLang="ko-KR" sz="2400" dirty="0" smtClean="0">
-                <a:latin typeface="배달의민족 주아" pitchFamily="18" charset="-127"/>
-                <a:ea typeface="배달의민족 주아" pitchFamily="18" charset="-127"/>
-              </a:rPr>
-              <a:t/>
-            </a:r>
-            <a:br>
-              <a:rPr lang="en-US" altLang="ko-KR" sz="2400" dirty="0" smtClean="0">
-                <a:latin typeface="배달의민족 주아" pitchFamily="18" charset="-127"/>
-                <a:ea typeface="배달의민족 주아" pitchFamily="18" charset="-127"/>
-              </a:rPr>
-            </a:br>
-            <a:r>
-              <a:rPr lang="en-US" altLang="ko-KR" sz="2400" dirty="0" smtClean="0">
-                <a:latin typeface="배달의민족 주아" pitchFamily="18" charset="-127"/>
-                <a:ea typeface="배달의민족 주아" pitchFamily="18" charset="-127"/>
-              </a:rPr>
-              <a:t>    &lt;/</a:t>
-            </a:r>
-            <a:r>
-              <a:rPr lang="en-US" altLang="ko-KR" sz="2400" dirty="0" err="1" smtClean="0">
-                <a:latin typeface="배달의민족 주아" pitchFamily="18" charset="-127"/>
-                <a:ea typeface="배달의민족 주아" pitchFamily="18" charset="-127"/>
-              </a:rPr>
-              <a:t>tr</a:t>
-            </a:r>
-            <a:r>
-              <a:rPr lang="en-US" altLang="ko-KR" sz="2400" dirty="0" smtClean="0">
-                <a:latin typeface="배달의민족 주아" pitchFamily="18" charset="-127"/>
-                <a:ea typeface="배달의민족 주아" pitchFamily="18" charset="-127"/>
-              </a:rPr>
-              <a:t>&gt;</a:t>
-            </a:r>
-            <a:br>
-              <a:rPr lang="en-US" altLang="ko-KR" sz="2400" dirty="0" smtClean="0">
-                <a:latin typeface="배달의민족 주아" pitchFamily="18" charset="-127"/>
-                <a:ea typeface="배달의민족 주아" pitchFamily="18" charset="-127"/>
-              </a:rPr>
-            </a:br>
-            <a:r>
-              <a:rPr lang="en-US" altLang="ko-KR" sz="2400" dirty="0" smtClean="0">
-                <a:latin typeface="배달의민족 주아" pitchFamily="18" charset="-127"/>
-                <a:ea typeface="배달의민족 주아" pitchFamily="18" charset="-127"/>
-              </a:rPr>
-              <a:t>    &lt;</a:t>
-            </a:r>
-            <a:r>
-              <a:rPr lang="en-US" altLang="ko-KR" sz="2400" dirty="0" err="1" smtClean="0">
-                <a:latin typeface="배달의민족 주아" pitchFamily="18" charset="-127"/>
-                <a:ea typeface="배달의민족 주아" pitchFamily="18" charset="-127"/>
-              </a:rPr>
-              <a:t>tr</a:t>
-            </a:r>
-            <a:r>
-              <a:rPr lang="en-US" altLang="ko-KR" sz="2400" dirty="0" smtClean="0">
-                <a:latin typeface="배달의민족 주아" pitchFamily="18" charset="-127"/>
-                <a:ea typeface="배달의민족 주아" pitchFamily="18" charset="-127"/>
-              </a:rPr>
-              <a:t>&gt;</a:t>
-            </a:r>
-            <a:br>
-              <a:rPr lang="en-US" altLang="ko-KR" sz="2400" dirty="0" smtClean="0">
-                <a:latin typeface="배달의민족 주아" pitchFamily="18" charset="-127"/>
-                <a:ea typeface="배달의민족 주아" pitchFamily="18" charset="-127"/>
-              </a:rPr>
-            </a:br>
-            <a:r>
-              <a:rPr lang="en-US" altLang="ko-KR" sz="2400" dirty="0" smtClean="0">
-                <a:latin typeface="배달의민족 주아" pitchFamily="18" charset="-127"/>
-                <a:ea typeface="배달의민족 주아" pitchFamily="18" charset="-127"/>
-              </a:rPr>
-              <a:t>        &lt;td&gt;</a:t>
-            </a:r>
-            <a:r>
-              <a:rPr lang="ko-KR" altLang="en-US" sz="2400" dirty="0" smtClean="0">
-                <a:latin typeface="배달의민족 주아" pitchFamily="18" charset="-127"/>
-                <a:ea typeface="배달의민족 주아" pitchFamily="18" charset="-127"/>
-              </a:rPr>
-              <a:t>피자</a:t>
-            </a:r>
-            <a:r>
-              <a:rPr lang="en-US" altLang="ko-KR" sz="2400" dirty="0" smtClean="0">
-                <a:latin typeface="배달의민족 주아" pitchFamily="18" charset="-127"/>
-                <a:ea typeface="배달의민족 주아" pitchFamily="18" charset="-127"/>
-              </a:rPr>
-              <a:t>&lt;/td&gt;</a:t>
-            </a:r>
-            <a:br>
-              <a:rPr lang="en-US" altLang="ko-KR" sz="2400" dirty="0" smtClean="0">
-                <a:latin typeface="배달의민족 주아" pitchFamily="18" charset="-127"/>
-                <a:ea typeface="배달의민족 주아" pitchFamily="18" charset="-127"/>
-              </a:rPr>
-            </a:br>
-            <a:r>
-              <a:rPr lang="en-US" altLang="ko-KR" sz="2400" dirty="0" smtClean="0">
-                <a:latin typeface="배달의민족 주아" pitchFamily="18" charset="-127"/>
-                <a:ea typeface="배달의민족 주아" pitchFamily="18" charset="-127"/>
-              </a:rPr>
-              <a:t>        &lt;td&gt;15000</a:t>
-            </a:r>
-            <a:r>
-              <a:rPr lang="ko-KR" altLang="en-US" sz="2400" dirty="0" smtClean="0">
-                <a:latin typeface="배달의민족 주아" pitchFamily="18" charset="-127"/>
-                <a:ea typeface="배달의민족 주아" pitchFamily="18" charset="-127"/>
-              </a:rPr>
-              <a:t>원</a:t>
-            </a:r>
-            <a:r>
-              <a:rPr lang="en-US" altLang="ko-KR" sz="2400" dirty="0" smtClean="0">
-                <a:latin typeface="배달의민족 주아" pitchFamily="18" charset="-127"/>
-                <a:ea typeface="배달의민족 주아" pitchFamily="18" charset="-127"/>
-              </a:rPr>
-              <a:t>&lt;/td&gt;</a:t>
-            </a:r>
-            <a:br>
-              <a:rPr lang="en-US" altLang="ko-KR" sz="2400" dirty="0" smtClean="0">
-                <a:latin typeface="배달의민족 주아" pitchFamily="18" charset="-127"/>
-                <a:ea typeface="배달의민족 주아" pitchFamily="18" charset="-127"/>
-              </a:rPr>
-            </a:br>
-            <a:r>
-              <a:rPr lang="en-US" altLang="ko-KR" sz="2400" dirty="0" smtClean="0">
-                <a:latin typeface="배달의민족 주아" pitchFamily="18" charset="-127"/>
-                <a:ea typeface="배달의민족 주아" pitchFamily="18" charset="-127"/>
-              </a:rPr>
-              <a:t>    &lt;/</a:t>
-            </a:r>
-            <a:r>
-              <a:rPr lang="en-US" altLang="ko-KR" sz="2400" dirty="0" err="1" smtClean="0">
-                <a:latin typeface="배달의민족 주아" pitchFamily="18" charset="-127"/>
-                <a:ea typeface="배달의민족 주아" pitchFamily="18" charset="-127"/>
-              </a:rPr>
-              <a:t>tr</a:t>
-            </a:r>
-            <a:r>
-              <a:rPr lang="en-US" altLang="ko-KR" sz="2400" dirty="0" smtClean="0">
-                <a:latin typeface="배달의민족 주아" pitchFamily="18" charset="-127"/>
-                <a:ea typeface="배달의민족 주아" pitchFamily="18" charset="-127"/>
-              </a:rPr>
-              <a:t>&gt;</a:t>
-            </a:r>
-            <a:br>
-              <a:rPr lang="en-US" altLang="ko-KR" sz="2400" dirty="0" smtClean="0">
-                <a:latin typeface="배달의민족 주아" pitchFamily="18" charset="-127"/>
-                <a:ea typeface="배달의민족 주아" pitchFamily="18" charset="-127"/>
-              </a:rPr>
-            </a:br>
-            <a:r>
-              <a:rPr lang="en-US" altLang="ko-KR" sz="2400" dirty="0" smtClean="0">
-                <a:latin typeface="배달의민족 주아" pitchFamily="18" charset="-127"/>
-                <a:ea typeface="배달의민족 주아" pitchFamily="18" charset="-127"/>
-              </a:rPr>
-              <a:t>    &lt;</a:t>
-            </a:r>
-            <a:r>
-              <a:rPr lang="en-US" altLang="ko-KR" sz="2400" dirty="0" err="1" smtClean="0">
-                <a:latin typeface="배달의민족 주아" pitchFamily="18" charset="-127"/>
-                <a:ea typeface="배달의민족 주아" pitchFamily="18" charset="-127"/>
-              </a:rPr>
-              <a:t>tr</a:t>
-            </a:r>
-            <a:r>
-              <a:rPr lang="en-US" altLang="ko-KR" sz="2400" dirty="0" smtClean="0">
-                <a:latin typeface="배달의민족 주아" pitchFamily="18" charset="-127"/>
-                <a:ea typeface="배달의민족 주아" pitchFamily="18" charset="-127"/>
-              </a:rPr>
-              <a:t>&gt;</a:t>
-            </a:r>
-            <a:br>
-              <a:rPr lang="en-US" altLang="ko-KR" sz="2400" dirty="0" smtClean="0">
-                <a:latin typeface="배달의민족 주아" pitchFamily="18" charset="-127"/>
-                <a:ea typeface="배달의민족 주아" pitchFamily="18" charset="-127"/>
-              </a:rPr>
-            </a:br>
-            <a:r>
-              <a:rPr lang="en-US" altLang="ko-KR" sz="2400" dirty="0" smtClean="0">
-                <a:latin typeface="배달의민족 주아" pitchFamily="18" charset="-127"/>
-                <a:ea typeface="배달의민족 주아" pitchFamily="18" charset="-127"/>
-              </a:rPr>
-              <a:t>        &lt;td&gt;</a:t>
-            </a:r>
-            <a:r>
-              <a:rPr lang="ko-KR" altLang="en-US" sz="2400" dirty="0" smtClean="0">
-                <a:latin typeface="배달의민족 주아" pitchFamily="18" charset="-127"/>
-                <a:ea typeface="배달의민족 주아" pitchFamily="18" charset="-127"/>
-              </a:rPr>
-              <a:t>치킨</a:t>
-            </a:r>
-            <a:r>
-              <a:rPr lang="en-US" altLang="ko-KR" sz="2400" dirty="0" smtClean="0">
-                <a:latin typeface="배달의민족 주아" pitchFamily="18" charset="-127"/>
-                <a:ea typeface="배달의민족 주아" pitchFamily="18" charset="-127"/>
-              </a:rPr>
-              <a:t>&lt;/td&gt;</a:t>
-            </a:r>
-            <a:br>
-              <a:rPr lang="en-US" altLang="ko-KR" sz="2400" dirty="0" smtClean="0">
-                <a:latin typeface="배달의민족 주아" pitchFamily="18" charset="-127"/>
-                <a:ea typeface="배달의민족 주아" pitchFamily="18" charset="-127"/>
-              </a:rPr>
-            </a:br>
-            <a:r>
-              <a:rPr lang="en-US" altLang="ko-KR" sz="2400" dirty="0" smtClean="0">
-                <a:latin typeface="배달의민족 주아" pitchFamily="18" charset="-127"/>
-                <a:ea typeface="배달의민족 주아" pitchFamily="18" charset="-127"/>
-              </a:rPr>
-              <a:t>        &lt;td&gt;20000</a:t>
-            </a:r>
-            <a:r>
-              <a:rPr lang="ko-KR" altLang="en-US" sz="2400" dirty="0" smtClean="0">
-                <a:latin typeface="배달의민족 주아" pitchFamily="18" charset="-127"/>
-                <a:ea typeface="배달의민족 주아" pitchFamily="18" charset="-127"/>
-              </a:rPr>
-              <a:t>원</a:t>
-            </a:r>
-            <a:r>
-              <a:rPr lang="en-US" altLang="ko-KR" sz="2400" dirty="0" smtClean="0">
-                <a:latin typeface="배달의민족 주아" pitchFamily="18" charset="-127"/>
-                <a:ea typeface="배달의민족 주아" pitchFamily="18" charset="-127"/>
-              </a:rPr>
-              <a:t>&lt;/td&gt;</a:t>
-            </a:r>
-            <a:br>
-              <a:rPr lang="en-US" altLang="ko-KR" sz="2400" dirty="0" smtClean="0">
-                <a:latin typeface="배달의민족 주아" pitchFamily="18" charset="-127"/>
-                <a:ea typeface="배달의민족 주아" pitchFamily="18" charset="-127"/>
-              </a:rPr>
-            </a:br>
-            <a:r>
-              <a:rPr lang="en-US" altLang="ko-KR" sz="2400" dirty="0" smtClean="0">
-                <a:latin typeface="배달의민족 주아" pitchFamily="18" charset="-127"/>
-                <a:ea typeface="배달의민족 주아" pitchFamily="18" charset="-127"/>
-              </a:rPr>
-              <a:t>    &lt;/</a:t>
-            </a:r>
-            <a:r>
-              <a:rPr lang="en-US" altLang="ko-KR" sz="2400" dirty="0" err="1" smtClean="0">
-                <a:latin typeface="배달의민족 주아" pitchFamily="18" charset="-127"/>
-                <a:ea typeface="배달의민족 주아" pitchFamily="18" charset="-127"/>
-              </a:rPr>
-              <a:t>tr</a:t>
-            </a:r>
-            <a:r>
-              <a:rPr lang="en-US" altLang="ko-KR" sz="2400" dirty="0" smtClean="0">
-                <a:latin typeface="배달의민족 주아" pitchFamily="18" charset="-127"/>
-                <a:ea typeface="배달의민족 주아" pitchFamily="18" charset="-127"/>
-              </a:rPr>
-              <a:t>&gt;</a:t>
-            </a:r>
-            <a:r>
-              <a:rPr lang="en-US" altLang="ko-KR" sz="2400" dirty="0" smtClean="0">
-                <a:latin typeface="배달의민족 주아" pitchFamily="18" charset="-127"/>
-                <a:ea typeface="배달의민족 주아" pitchFamily="18" charset="-127"/>
-              </a:rPr>
-              <a:t/>
-            </a:r>
-            <a:br>
-              <a:rPr lang="en-US" altLang="ko-KR" sz="2400" dirty="0" smtClean="0">
-                <a:latin typeface="배달의민족 주아" pitchFamily="18" charset="-127"/>
-                <a:ea typeface="배달의민족 주아" pitchFamily="18" charset="-127"/>
-              </a:rPr>
-            </a:br>
-            <a:r>
-              <a:rPr lang="en-US" altLang="ko-KR" sz="2400" dirty="0" smtClean="0">
-                <a:latin typeface="배달의민족 주아" pitchFamily="18" charset="-127"/>
-                <a:ea typeface="배달의민족 주아" pitchFamily="18" charset="-127"/>
-              </a:rPr>
-              <a:t>&lt;/table&gt;</a:t>
-            </a:r>
-            <a:endParaRPr lang="ko-KR" altLang="en-US" sz="2400" dirty="0">
-              <a:latin typeface="배달의민족 주아" pitchFamily="18" charset="-127"/>
-              <a:ea typeface="배달의민족 주아" pitchFamily="18" charset="-127"/>
-            </a:endParaRPr>
-          </a:p>
-        </p:txBody>
-      </p:sp>
-      <p:sp>
-        <p:nvSpPr>
-          <p:cNvPr id="5" name="TextBox 2"/>
+          <p:cNvPr id="3" name="TextBox 2"/>
           <p:cNvSpPr txBox="1"/>
           <p:nvPr/>
         </p:nvSpPr>
@@ -6381,10 +6364,667 @@
           </a:p>
         </p:txBody>
       </p:sp>
+      <p:graphicFrame>
+        <p:nvGraphicFramePr>
+          <p:cNvPr id="2" name="표 1"/>
+          <p:cNvGraphicFramePr>
+            <a:graphicFrameLocks noGrp="1"/>
+          </p:cNvGraphicFramePr>
+          <p:nvPr>
+            <p:extLst>
+              <p:ext uri="{D42A27DB-BD31-4B8C-83A1-F6EECF244321}">
+                <p14:modId xmlns:p14="http://schemas.microsoft.com/office/powerpoint/2010/main" val="3250396657"/>
+              </p:ext>
+            </p:extLst>
+          </p:nvPr>
+        </p:nvGraphicFramePr>
+        <p:xfrm>
+          <a:off x="1547664" y="2420888"/>
+          <a:ext cx="6096000" cy="1552818"/>
+        </p:xfrm>
+        <a:graphic>
+          <a:graphicData uri="http://schemas.openxmlformats.org/drawingml/2006/table">
+            <a:tbl>
+              <a:tblPr firstRow="1" bandRow="1">
+                <a:tableStyleId>{5C22544A-7EE6-4342-B048-85BDC9FD1C3A}</a:tableStyleId>
+              </a:tblPr>
+              <a:tblGrid>
+                <a:gridCol w="3048000"/>
+                <a:gridCol w="3048000"/>
+              </a:tblGrid>
+              <a:tr h="517606">
+                <a:tc>
+                  <a:txBody>
+                    <a:bodyPr/>
+                    <a:lstStyle/>
+                    <a:p>
+                      <a:pPr algn="ctr" latinLnBrk="1"/>
+                      <a:r>
+                        <a:rPr lang="ko-KR" altLang="en-US" sz="2000" dirty="0" smtClean="0">
+                          <a:latin typeface="배달의민족 주아" pitchFamily="18" charset="-127"/>
+                          <a:ea typeface="배달의민족 주아" pitchFamily="18" charset="-127"/>
+                        </a:rPr>
+                        <a:t>제목</a:t>
+                      </a:r>
+                      <a:r>
+                        <a:rPr lang="en-US" altLang="ko-KR" sz="2000" dirty="0" smtClean="0">
+                          <a:latin typeface="배달의민족 주아" pitchFamily="18" charset="-127"/>
+                          <a:ea typeface="배달의민족 주아" pitchFamily="18" charset="-127"/>
+                        </a:rPr>
+                        <a:t>&lt;</a:t>
+                      </a:r>
+                      <a:r>
+                        <a:rPr lang="en-US" altLang="ko-KR" sz="2000" dirty="0" err="1" smtClean="0">
+                          <a:latin typeface="배달의민족 주아" pitchFamily="18" charset="-127"/>
+                          <a:ea typeface="배달의민족 주아" pitchFamily="18" charset="-127"/>
+                        </a:rPr>
+                        <a:t>th</a:t>
+                      </a:r>
+                      <a:r>
+                        <a:rPr lang="en-US" altLang="ko-KR" sz="2000" dirty="0" smtClean="0">
+                          <a:latin typeface="배달의민족 주아" pitchFamily="18" charset="-127"/>
+                          <a:ea typeface="배달의민족 주아" pitchFamily="18" charset="-127"/>
+                        </a:rPr>
+                        <a:t>&gt;&lt;/</a:t>
+                      </a:r>
+                      <a:r>
+                        <a:rPr lang="en-US" altLang="ko-KR" sz="2000" dirty="0" err="1" smtClean="0">
+                          <a:latin typeface="배달의민족 주아" pitchFamily="18" charset="-127"/>
+                          <a:ea typeface="배달의민족 주아" pitchFamily="18" charset="-127"/>
+                        </a:rPr>
+                        <a:t>th</a:t>
+                      </a:r>
+                      <a:r>
+                        <a:rPr lang="en-US" altLang="ko-KR" sz="2000" dirty="0" smtClean="0">
+                          <a:latin typeface="배달의민족 주아" pitchFamily="18" charset="-127"/>
+                          <a:ea typeface="배달의민족 주아" pitchFamily="18" charset="-127"/>
+                        </a:rPr>
+                        <a:t>&gt;</a:t>
+                      </a:r>
+                      <a:endParaRPr lang="ko-KR" altLang="en-US" sz="2000" dirty="0">
+                        <a:latin typeface="배달의민족 주아" pitchFamily="18" charset="-127"/>
+                        <a:ea typeface="배달의민족 주아" pitchFamily="18" charset="-127"/>
+                      </a:endParaRPr>
+                    </a:p>
+                  </a:txBody>
+                  <a:tcPr/>
+                </a:tc>
+                <a:tc>
+                  <a:txBody>
+                    <a:bodyPr/>
+                    <a:lstStyle/>
+                    <a:p>
+                      <a:pPr algn="ctr" latinLnBrk="1"/>
+                      <a:r>
+                        <a:rPr lang="ko-KR" altLang="en-US" sz="2000" dirty="0" smtClean="0">
+                          <a:latin typeface="배달의민족 주아" pitchFamily="18" charset="-127"/>
+                          <a:ea typeface="배달의민족 주아" pitchFamily="18" charset="-127"/>
+                        </a:rPr>
+                        <a:t>제목</a:t>
+                      </a:r>
+                      <a:r>
+                        <a:rPr lang="en-US" altLang="ko-KR" sz="2000" dirty="0" smtClean="0">
+                          <a:latin typeface="배달의민족 주아" pitchFamily="18" charset="-127"/>
+                          <a:ea typeface="배달의민족 주아" pitchFamily="18" charset="-127"/>
+                        </a:rPr>
+                        <a:t>&lt;</a:t>
+                      </a:r>
+                      <a:r>
+                        <a:rPr lang="en-US" altLang="ko-KR" sz="2000" dirty="0" err="1" smtClean="0">
+                          <a:latin typeface="배달의민족 주아" pitchFamily="18" charset="-127"/>
+                          <a:ea typeface="배달의민족 주아" pitchFamily="18" charset="-127"/>
+                        </a:rPr>
+                        <a:t>th</a:t>
+                      </a:r>
+                      <a:r>
+                        <a:rPr lang="en-US" altLang="ko-KR" sz="2000" dirty="0" smtClean="0">
+                          <a:latin typeface="배달의민족 주아" pitchFamily="18" charset="-127"/>
+                          <a:ea typeface="배달의민족 주아" pitchFamily="18" charset="-127"/>
+                        </a:rPr>
+                        <a:t>&gt;&lt;/</a:t>
+                      </a:r>
+                      <a:r>
+                        <a:rPr lang="en-US" altLang="ko-KR" sz="2000" dirty="0" err="1" smtClean="0">
+                          <a:latin typeface="배달의민족 주아" pitchFamily="18" charset="-127"/>
+                          <a:ea typeface="배달의민족 주아" pitchFamily="18" charset="-127"/>
+                        </a:rPr>
+                        <a:t>th</a:t>
+                      </a:r>
+                      <a:r>
+                        <a:rPr lang="en-US" altLang="ko-KR" sz="2000" dirty="0" smtClean="0">
+                          <a:latin typeface="배달의민족 주아" pitchFamily="18" charset="-127"/>
+                          <a:ea typeface="배달의민족 주아" pitchFamily="18" charset="-127"/>
+                        </a:rPr>
+                        <a:t>&gt;</a:t>
+                      </a:r>
+                      <a:endParaRPr lang="ko-KR" altLang="en-US" sz="2000" dirty="0">
+                        <a:latin typeface="배달의민족 주아" pitchFamily="18" charset="-127"/>
+                        <a:ea typeface="배달의민족 주아" pitchFamily="18" charset="-127"/>
+                      </a:endParaRPr>
+                    </a:p>
+                  </a:txBody>
+                  <a:tcPr/>
+                </a:tc>
+              </a:tr>
+              <a:tr h="517606">
+                <a:tc>
+                  <a:txBody>
+                    <a:bodyPr/>
+                    <a:lstStyle/>
+                    <a:p>
+                      <a:pPr algn="ctr" latinLnBrk="1"/>
+                      <a:r>
+                        <a:rPr lang="ko-KR" altLang="en-US" sz="2000" dirty="0" smtClean="0">
+                          <a:latin typeface="배달의민족 주아" pitchFamily="18" charset="-127"/>
+                          <a:ea typeface="배달의민족 주아" pitchFamily="18" charset="-127"/>
+                        </a:rPr>
+                        <a:t>내용</a:t>
+                      </a:r>
+                      <a:r>
+                        <a:rPr lang="en-US" altLang="ko-KR" sz="2000" dirty="0" smtClean="0">
+                          <a:latin typeface="배달의민족 주아" pitchFamily="18" charset="-127"/>
+                          <a:ea typeface="배달의민족 주아" pitchFamily="18" charset="-127"/>
+                        </a:rPr>
+                        <a:t>&lt;td&gt;&lt;/td&gt;</a:t>
+                      </a:r>
+                      <a:endParaRPr lang="ko-KR" altLang="en-US" sz="2000" dirty="0">
+                        <a:latin typeface="배달의민족 주아" pitchFamily="18" charset="-127"/>
+                        <a:ea typeface="배달의민족 주아" pitchFamily="18" charset="-127"/>
+                      </a:endParaRPr>
+                    </a:p>
+                  </a:txBody>
+                  <a:tcPr/>
+                </a:tc>
+                <a:tc>
+                  <a:txBody>
+                    <a:bodyPr/>
+                    <a:lstStyle/>
+                    <a:p>
+                      <a:pPr marL="0" marR="0" indent="0" algn="ctr" defTabSz="914400" rtl="0" eaLnBrk="1" fontAlgn="auto" latinLnBrk="1" hangingPunct="1">
+                        <a:lnSpc>
+                          <a:spcPct val="100000"/>
+                        </a:lnSpc>
+                        <a:spcBef>
+                          <a:spcPts val="0"/>
+                        </a:spcBef>
+                        <a:spcAft>
+                          <a:spcPts val="0"/>
+                        </a:spcAft>
+                        <a:buClrTx/>
+                        <a:buSzTx/>
+                        <a:buFontTx/>
+                        <a:buNone/>
+                        <a:tabLst/>
+                        <a:defRPr/>
+                      </a:pPr>
+                      <a:r>
+                        <a:rPr lang="ko-KR" altLang="en-US" sz="2000" dirty="0" smtClean="0">
+                          <a:latin typeface="배달의민족 주아" pitchFamily="18" charset="-127"/>
+                          <a:ea typeface="배달의민족 주아" pitchFamily="18" charset="-127"/>
+                        </a:rPr>
+                        <a:t>내용</a:t>
+                      </a:r>
+                      <a:r>
+                        <a:rPr lang="en-US" altLang="ko-KR" sz="2000" dirty="0" smtClean="0">
+                          <a:latin typeface="배달의민족 주아" pitchFamily="18" charset="-127"/>
+                          <a:ea typeface="배달의민족 주아" pitchFamily="18" charset="-127"/>
+                        </a:rPr>
+                        <a:t>&lt;td&gt;&lt;/td&gt;</a:t>
+                      </a:r>
+                      <a:endParaRPr lang="ko-KR" altLang="en-US" sz="2000" dirty="0" smtClean="0">
+                        <a:latin typeface="배달의민족 주아" pitchFamily="18" charset="-127"/>
+                        <a:ea typeface="배달의민족 주아" pitchFamily="18" charset="-127"/>
+                      </a:endParaRPr>
+                    </a:p>
+                  </a:txBody>
+                  <a:tcPr/>
+                </a:tc>
+              </a:tr>
+              <a:tr h="517606">
+                <a:tc>
+                  <a:txBody>
+                    <a:bodyPr/>
+                    <a:lstStyle/>
+                    <a:p>
+                      <a:pPr algn="ctr" latinLnBrk="1"/>
+                      <a:r>
+                        <a:rPr lang="ko-KR" altLang="en-US" sz="2000" dirty="0" smtClean="0">
+                          <a:latin typeface="배달의민족 주아" pitchFamily="18" charset="-127"/>
+                          <a:ea typeface="배달의민족 주아" pitchFamily="18" charset="-127"/>
+                        </a:rPr>
+                        <a:t>내용</a:t>
+                      </a:r>
+                      <a:r>
+                        <a:rPr lang="en-US" altLang="ko-KR" sz="2000" dirty="0" smtClean="0">
+                          <a:latin typeface="배달의민족 주아" pitchFamily="18" charset="-127"/>
+                          <a:ea typeface="배달의민족 주아" pitchFamily="18" charset="-127"/>
+                        </a:rPr>
+                        <a:t>&lt;td&gt;&lt;/td&gt;</a:t>
+                      </a:r>
+                      <a:endParaRPr lang="ko-KR" altLang="en-US" sz="2000" dirty="0">
+                        <a:latin typeface="배달의민족 주아" pitchFamily="18" charset="-127"/>
+                        <a:ea typeface="배달의민족 주아" pitchFamily="18" charset="-127"/>
+                      </a:endParaRPr>
+                    </a:p>
+                  </a:txBody>
+                  <a:tcPr/>
+                </a:tc>
+                <a:tc>
+                  <a:txBody>
+                    <a:bodyPr/>
+                    <a:lstStyle/>
+                    <a:p>
+                      <a:pPr algn="ctr" latinLnBrk="1"/>
+                      <a:r>
+                        <a:rPr lang="ko-KR" altLang="en-US" sz="2000" dirty="0" smtClean="0">
+                          <a:latin typeface="배달의민족 주아" pitchFamily="18" charset="-127"/>
+                          <a:ea typeface="배달의민족 주아" pitchFamily="18" charset="-127"/>
+                        </a:rPr>
+                        <a:t>내용</a:t>
+                      </a:r>
+                      <a:r>
+                        <a:rPr lang="en-US" altLang="ko-KR" sz="2000" dirty="0" smtClean="0">
+                          <a:latin typeface="배달의민족 주아" pitchFamily="18" charset="-127"/>
+                          <a:ea typeface="배달의민족 주아" pitchFamily="18" charset="-127"/>
+                        </a:rPr>
+                        <a:t>&lt;td&gt;&lt;/td&gt;</a:t>
+                      </a:r>
+                      <a:endParaRPr lang="ko-KR" altLang="en-US" sz="2000" dirty="0">
+                        <a:latin typeface="배달의민족 주아" pitchFamily="18" charset="-127"/>
+                        <a:ea typeface="배달의민족 주아" pitchFamily="18" charset="-127"/>
+                      </a:endParaRPr>
+                    </a:p>
+                  </a:txBody>
+                  <a:tcPr/>
+                </a:tc>
+              </a:tr>
+            </a:tbl>
+          </a:graphicData>
+        </a:graphic>
+      </p:graphicFrame>
+      <p:sp>
+        <p:nvSpPr>
+          <p:cNvPr id="5" name="TextBox 4"/>
+          <p:cNvSpPr txBox="1"/>
+          <p:nvPr/>
+        </p:nvSpPr>
+        <p:spPr>
+          <a:xfrm>
+            <a:off x="1619672" y="1844824"/>
+            <a:ext cx="1039259" cy="400110"/>
+          </a:xfrm>
+          <a:prstGeom prst="rect">
+            <a:avLst/>
+          </a:prstGeom>
+          <a:noFill/>
+        </p:spPr>
+        <p:txBody>
+          <a:bodyPr wrap="none" rtlCol="0">
+            <a:spAutoFit/>
+          </a:bodyPr>
+          <a:lstStyle/>
+          <a:p>
+            <a:r>
+              <a:rPr lang="en-US" altLang="ko-KR" sz="2000" dirty="0" smtClean="0">
+                <a:latin typeface="배달의민족 주아" pitchFamily="18" charset="-127"/>
+                <a:ea typeface="배달의민족 주아" pitchFamily="18" charset="-127"/>
+              </a:rPr>
+              <a:t>&lt;table&gt;</a:t>
+            </a:r>
+            <a:endParaRPr lang="ko-KR" altLang="en-US" sz="2000" dirty="0">
+              <a:latin typeface="배달의민족 주아" pitchFamily="18" charset="-127"/>
+              <a:ea typeface="배달의민족 주아" pitchFamily="18" charset="-127"/>
+            </a:endParaRPr>
+          </a:p>
+        </p:txBody>
+      </p:sp>
+      <p:sp>
+        <p:nvSpPr>
+          <p:cNvPr id="6" name="TextBox 5"/>
+          <p:cNvSpPr txBox="1"/>
+          <p:nvPr/>
+        </p:nvSpPr>
+        <p:spPr>
+          <a:xfrm>
+            <a:off x="1619672" y="4158372"/>
+            <a:ext cx="1162691" cy="400110"/>
+          </a:xfrm>
+          <a:prstGeom prst="rect">
+            <a:avLst/>
+          </a:prstGeom>
+          <a:noFill/>
+        </p:spPr>
+        <p:txBody>
+          <a:bodyPr wrap="none" rtlCol="0">
+            <a:spAutoFit/>
+          </a:bodyPr>
+          <a:lstStyle/>
+          <a:p>
+            <a:r>
+              <a:rPr lang="en-US" altLang="ko-KR" sz="2000" dirty="0" smtClean="0">
+                <a:latin typeface="배달의민족 주아" pitchFamily="18" charset="-127"/>
+                <a:ea typeface="배달의민족 주아" pitchFamily="18" charset="-127"/>
+              </a:rPr>
+              <a:t>&lt;/table</a:t>
+            </a:r>
+            <a:r>
+              <a:rPr lang="en-US" altLang="ko-KR" sz="2000" dirty="0">
+                <a:latin typeface="배달의민족 주아" pitchFamily="18" charset="-127"/>
+                <a:ea typeface="배달의민족 주아" pitchFamily="18" charset="-127"/>
+              </a:rPr>
+              <a:t>&gt;</a:t>
+            </a:r>
+            <a:endParaRPr lang="ko-KR" altLang="en-US" sz="2000" dirty="0">
+              <a:latin typeface="배달의민족 주아" pitchFamily="18" charset="-127"/>
+              <a:ea typeface="배달의민족 주아" pitchFamily="18" charset="-127"/>
+            </a:endParaRPr>
+          </a:p>
+        </p:txBody>
+      </p:sp>
+      <p:sp>
+        <p:nvSpPr>
+          <p:cNvPr id="7" name="TextBox 6"/>
+          <p:cNvSpPr txBox="1"/>
+          <p:nvPr/>
+        </p:nvSpPr>
+        <p:spPr>
+          <a:xfrm>
+            <a:off x="539552" y="2420888"/>
+            <a:ext cx="721672" cy="400110"/>
+          </a:xfrm>
+          <a:prstGeom prst="rect">
+            <a:avLst/>
+          </a:prstGeom>
+          <a:noFill/>
+        </p:spPr>
+        <p:txBody>
+          <a:bodyPr wrap="none" rtlCol="0">
+            <a:spAutoFit/>
+          </a:bodyPr>
+          <a:lstStyle/>
+          <a:p>
+            <a:r>
+              <a:rPr lang="en-US" altLang="ko-KR" sz="2000" dirty="0" smtClean="0">
+                <a:latin typeface="배달의민족 주아" pitchFamily="18" charset="-127"/>
+                <a:ea typeface="배달의민족 주아" pitchFamily="18" charset="-127"/>
+              </a:rPr>
+              <a:t>&lt;</a:t>
+            </a:r>
+            <a:r>
+              <a:rPr lang="en-US" altLang="ko-KR" sz="2000" dirty="0" err="1" smtClean="0">
+                <a:latin typeface="배달의민족 주아" pitchFamily="18" charset="-127"/>
+                <a:ea typeface="배달의민족 주아" pitchFamily="18" charset="-127"/>
+              </a:rPr>
+              <a:t>tr</a:t>
+            </a:r>
+            <a:r>
+              <a:rPr lang="en-US" altLang="ko-KR" sz="2000" dirty="0" smtClean="0">
+                <a:latin typeface="배달의민족 주아" pitchFamily="18" charset="-127"/>
+                <a:ea typeface="배달의민족 주아" pitchFamily="18" charset="-127"/>
+              </a:rPr>
+              <a:t>&gt;</a:t>
+            </a:r>
+            <a:endParaRPr lang="ko-KR" altLang="en-US" sz="2000" dirty="0">
+              <a:latin typeface="배달의민족 주아" pitchFamily="18" charset="-127"/>
+              <a:ea typeface="배달의민족 주아" pitchFamily="18" charset="-127"/>
+            </a:endParaRPr>
+          </a:p>
+        </p:txBody>
+      </p:sp>
+      <p:sp>
+        <p:nvSpPr>
+          <p:cNvPr id="8" name="TextBox 7"/>
+          <p:cNvSpPr txBox="1"/>
+          <p:nvPr/>
+        </p:nvSpPr>
+        <p:spPr>
+          <a:xfrm>
+            <a:off x="539552" y="2974886"/>
+            <a:ext cx="721672" cy="400110"/>
+          </a:xfrm>
+          <a:prstGeom prst="rect">
+            <a:avLst/>
+          </a:prstGeom>
+          <a:noFill/>
+        </p:spPr>
+        <p:txBody>
+          <a:bodyPr wrap="none" rtlCol="0">
+            <a:spAutoFit/>
+          </a:bodyPr>
+          <a:lstStyle/>
+          <a:p>
+            <a:r>
+              <a:rPr lang="en-US" altLang="ko-KR" sz="2000" dirty="0" smtClean="0">
+                <a:latin typeface="배달의민족 주아" pitchFamily="18" charset="-127"/>
+                <a:ea typeface="배달의민족 주아" pitchFamily="18" charset="-127"/>
+              </a:rPr>
+              <a:t>&lt;</a:t>
+            </a:r>
+            <a:r>
+              <a:rPr lang="en-US" altLang="ko-KR" sz="2000" dirty="0" err="1" smtClean="0">
+                <a:latin typeface="배달의민족 주아" pitchFamily="18" charset="-127"/>
+                <a:ea typeface="배달의민족 주아" pitchFamily="18" charset="-127"/>
+              </a:rPr>
+              <a:t>tr</a:t>
+            </a:r>
+            <a:r>
+              <a:rPr lang="en-US" altLang="ko-KR" sz="2000" dirty="0" smtClean="0">
+                <a:latin typeface="배달의민족 주아" pitchFamily="18" charset="-127"/>
+                <a:ea typeface="배달의민족 주아" pitchFamily="18" charset="-127"/>
+              </a:rPr>
+              <a:t>&gt;</a:t>
+            </a:r>
+            <a:endParaRPr lang="ko-KR" altLang="en-US" sz="2000" dirty="0">
+              <a:latin typeface="배달의민족 주아" pitchFamily="18" charset="-127"/>
+              <a:ea typeface="배달의민족 주아" pitchFamily="18" charset="-127"/>
+            </a:endParaRPr>
+          </a:p>
+        </p:txBody>
+      </p:sp>
+      <p:sp>
+        <p:nvSpPr>
+          <p:cNvPr id="9" name="TextBox 8"/>
+          <p:cNvSpPr txBox="1"/>
+          <p:nvPr/>
+        </p:nvSpPr>
+        <p:spPr>
+          <a:xfrm>
+            <a:off x="550268" y="3513684"/>
+            <a:ext cx="721672" cy="400110"/>
+          </a:xfrm>
+          <a:prstGeom prst="rect">
+            <a:avLst/>
+          </a:prstGeom>
+          <a:noFill/>
+        </p:spPr>
+        <p:txBody>
+          <a:bodyPr wrap="none" rtlCol="0">
+            <a:spAutoFit/>
+          </a:bodyPr>
+          <a:lstStyle/>
+          <a:p>
+            <a:r>
+              <a:rPr lang="en-US" altLang="ko-KR" sz="2000" dirty="0" smtClean="0">
+                <a:latin typeface="배달의민족 주아" pitchFamily="18" charset="-127"/>
+                <a:ea typeface="배달의민족 주아" pitchFamily="18" charset="-127"/>
+              </a:rPr>
+              <a:t>&lt;</a:t>
+            </a:r>
+            <a:r>
+              <a:rPr lang="en-US" altLang="ko-KR" sz="2000" dirty="0" err="1" smtClean="0">
+                <a:latin typeface="배달의민족 주아" pitchFamily="18" charset="-127"/>
+                <a:ea typeface="배달의민족 주아" pitchFamily="18" charset="-127"/>
+              </a:rPr>
+              <a:t>tr</a:t>
+            </a:r>
+            <a:r>
+              <a:rPr lang="en-US" altLang="ko-KR" sz="2000" dirty="0" smtClean="0">
+                <a:latin typeface="배달의민족 주아" pitchFamily="18" charset="-127"/>
+                <a:ea typeface="배달의민족 주아" pitchFamily="18" charset="-127"/>
+              </a:rPr>
+              <a:t>&gt;</a:t>
+            </a:r>
+            <a:endParaRPr lang="ko-KR" altLang="en-US" sz="2000" dirty="0">
+              <a:latin typeface="배달의민족 주아" pitchFamily="18" charset="-127"/>
+              <a:ea typeface="배달의민족 주아" pitchFamily="18" charset="-127"/>
+            </a:endParaRPr>
+          </a:p>
+        </p:txBody>
+      </p:sp>
+      <p:sp>
+        <p:nvSpPr>
+          <p:cNvPr id="10" name="TextBox 9"/>
+          <p:cNvSpPr txBox="1"/>
+          <p:nvPr/>
+        </p:nvSpPr>
+        <p:spPr>
+          <a:xfrm>
+            <a:off x="7740352" y="2405688"/>
+            <a:ext cx="845103" cy="400110"/>
+          </a:xfrm>
+          <a:prstGeom prst="rect">
+            <a:avLst/>
+          </a:prstGeom>
+          <a:noFill/>
+        </p:spPr>
+        <p:txBody>
+          <a:bodyPr wrap="none" rtlCol="0">
+            <a:spAutoFit/>
+          </a:bodyPr>
+          <a:lstStyle/>
+          <a:p>
+            <a:r>
+              <a:rPr lang="en-US" altLang="ko-KR" sz="2000" dirty="0" smtClean="0">
+                <a:latin typeface="배달의민족 주아" pitchFamily="18" charset="-127"/>
+                <a:ea typeface="배달의민족 주아" pitchFamily="18" charset="-127"/>
+              </a:rPr>
+              <a:t>&lt;/</a:t>
+            </a:r>
+            <a:r>
+              <a:rPr lang="en-US" altLang="ko-KR" sz="2000" dirty="0" err="1" smtClean="0">
+                <a:latin typeface="배달의민족 주아" pitchFamily="18" charset="-127"/>
+                <a:ea typeface="배달의민족 주아" pitchFamily="18" charset="-127"/>
+              </a:rPr>
+              <a:t>tr</a:t>
+            </a:r>
+            <a:r>
+              <a:rPr lang="en-US" altLang="ko-KR" sz="2000" dirty="0" smtClean="0">
+                <a:latin typeface="배달의민족 주아" pitchFamily="18" charset="-127"/>
+                <a:ea typeface="배달의민족 주아" pitchFamily="18" charset="-127"/>
+              </a:rPr>
+              <a:t>&gt;</a:t>
+            </a:r>
+            <a:endParaRPr lang="ko-KR" altLang="en-US" sz="2000" dirty="0">
+              <a:latin typeface="배달의민족 주아" pitchFamily="18" charset="-127"/>
+              <a:ea typeface="배달의민족 주아" pitchFamily="18" charset="-127"/>
+            </a:endParaRPr>
+          </a:p>
+        </p:txBody>
+      </p:sp>
+      <p:sp>
+        <p:nvSpPr>
+          <p:cNvPr id="11" name="TextBox 10"/>
+          <p:cNvSpPr txBox="1"/>
+          <p:nvPr/>
+        </p:nvSpPr>
+        <p:spPr>
+          <a:xfrm>
+            <a:off x="7740352" y="2956154"/>
+            <a:ext cx="845103" cy="400110"/>
+          </a:xfrm>
+          <a:prstGeom prst="rect">
+            <a:avLst/>
+          </a:prstGeom>
+          <a:noFill/>
+        </p:spPr>
+        <p:txBody>
+          <a:bodyPr wrap="none" rtlCol="0">
+            <a:spAutoFit/>
+          </a:bodyPr>
+          <a:lstStyle/>
+          <a:p>
+            <a:r>
+              <a:rPr lang="en-US" altLang="ko-KR" sz="2000" dirty="0" smtClean="0">
+                <a:latin typeface="배달의민족 주아" pitchFamily="18" charset="-127"/>
+                <a:ea typeface="배달의민족 주아" pitchFamily="18" charset="-127"/>
+              </a:rPr>
+              <a:t>&lt;/</a:t>
+            </a:r>
+            <a:r>
+              <a:rPr lang="en-US" altLang="ko-KR" sz="2000" dirty="0" err="1" smtClean="0">
+                <a:latin typeface="배달의민족 주아" pitchFamily="18" charset="-127"/>
+                <a:ea typeface="배달의민족 주아" pitchFamily="18" charset="-127"/>
+              </a:rPr>
+              <a:t>tr</a:t>
+            </a:r>
+            <a:r>
+              <a:rPr lang="en-US" altLang="ko-KR" sz="2000" dirty="0" smtClean="0">
+                <a:latin typeface="배달의민족 주아" pitchFamily="18" charset="-127"/>
+                <a:ea typeface="배달의민족 주아" pitchFamily="18" charset="-127"/>
+              </a:rPr>
+              <a:t>&gt;</a:t>
+            </a:r>
+            <a:endParaRPr lang="ko-KR" altLang="en-US" sz="2000" dirty="0">
+              <a:latin typeface="배달의민족 주아" pitchFamily="18" charset="-127"/>
+              <a:ea typeface="배달의민족 주아" pitchFamily="18" charset="-127"/>
+            </a:endParaRPr>
+          </a:p>
+        </p:txBody>
+      </p:sp>
+      <p:sp>
+        <p:nvSpPr>
+          <p:cNvPr id="12" name="TextBox 11"/>
+          <p:cNvSpPr txBox="1"/>
+          <p:nvPr/>
+        </p:nvSpPr>
+        <p:spPr>
+          <a:xfrm>
+            <a:off x="7740351" y="3513684"/>
+            <a:ext cx="845103" cy="400110"/>
+          </a:xfrm>
+          <a:prstGeom prst="rect">
+            <a:avLst/>
+          </a:prstGeom>
+          <a:noFill/>
+        </p:spPr>
+        <p:txBody>
+          <a:bodyPr wrap="none" rtlCol="0">
+            <a:spAutoFit/>
+          </a:bodyPr>
+          <a:lstStyle/>
+          <a:p>
+            <a:r>
+              <a:rPr lang="en-US" altLang="ko-KR" sz="2000" dirty="0" smtClean="0">
+                <a:latin typeface="배달의민족 주아" pitchFamily="18" charset="-127"/>
+                <a:ea typeface="배달의민족 주아" pitchFamily="18" charset="-127"/>
+              </a:rPr>
+              <a:t>&lt;/</a:t>
+            </a:r>
+            <a:r>
+              <a:rPr lang="en-US" altLang="ko-KR" sz="2000" dirty="0" err="1" smtClean="0">
+                <a:latin typeface="배달의민족 주아" pitchFamily="18" charset="-127"/>
+                <a:ea typeface="배달의민족 주아" pitchFamily="18" charset="-127"/>
+              </a:rPr>
+              <a:t>tr</a:t>
+            </a:r>
+            <a:r>
+              <a:rPr lang="en-US" altLang="ko-KR" sz="2000" dirty="0" smtClean="0">
+                <a:latin typeface="배달의민족 주아" pitchFamily="18" charset="-127"/>
+                <a:ea typeface="배달의민족 주아" pitchFamily="18" charset="-127"/>
+              </a:rPr>
+              <a:t>&gt;</a:t>
+            </a:r>
+            <a:endParaRPr lang="ko-KR" altLang="en-US" sz="2000" dirty="0">
+              <a:latin typeface="배달의민족 주아" pitchFamily="18" charset="-127"/>
+              <a:ea typeface="배달의민족 주아" pitchFamily="18" charset="-127"/>
+            </a:endParaRPr>
+          </a:p>
+        </p:txBody>
+      </p:sp>
     </p:spTree>
     <p:extLst>
       <p:ext uri="{BB962C8B-B14F-4D97-AF65-F5344CB8AC3E}">
-        <p14:creationId xmlns:p14="http://schemas.microsoft.com/office/powerpoint/2010/main" val="2178618757"/>
+        <p14:creationId xmlns:p14="http://schemas.microsoft.com/office/powerpoint/2010/main" val="3263913732"/>
       </p:ext>
     </p:extLst>
   </p:cSld>
@@ -6428,35 +7068,425 @@
             <p:ph type="ctrTitle"/>
           </p:nvPr>
         </p:nvSpPr>
-        <p:spPr/>
-        <p:txBody>
-          <a:bodyPr/>
+        <p:spPr>
+          <a:xfrm>
+            <a:off x="2483768" y="1484784"/>
+            <a:ext cx="7772400" cy="3600400"/>
+          </a:xfrm>
+        </p:spPr>
+        <p:txBody>
+          <a:bodyPr>
+            <a:noAutofit/>
+          </a:bodyPr>
           <a:lstStyle/>
           <a:p>
-            <a:r>
-              <a:rPr lang="ko-KR" altLang="en-US" dirty="0" smtClean="0">
-                <a:solidFill>
-                  <a:schemeClr val="accent5"/>
-                </a:solidFill>
-                <a:latin typeface="배달의민족 주아" pitchFamily="18" charset="-127"/>
-                <a:ea typeface="배달의민족 주아" pitchFamily="18" charset="-127"/>
-              </a:rPr>
-              <a:t>실습</a:t>
-            </a:r>
-            <a:r>
-              <a:rPr lang="en-US" altLang="ko-KR" dirty="0" smtClean="0">
-                <a:solidFill>
-                  <a:schemeClr val="accent5"/>
-                </a:solidFill>
-                <a:latin typeface="배달의민족 주아" pitchFamily="18" charset="-127"/>
-                <a:ea typeface="배달의민족 주아" pitchFamily="18" charset="-127"/>
-              </a:rPr>
-              <a:t>!</a:t>
-            </a:r>
-            <a:endParaRPr lang="ko-KR" altLang="en-US" dirty="0">
-              <a:solidFill>
-                <a:schemeClr val="accent5"/>
-              </a:solidFill>
+            <a:pPr algn="l" defTabSz="876300">
+              <a:tabLst>
+                <a:tab pos="1790700" algn="l"/>
+                <a:tab pos="1879600" algn="l"/>
+              </a:tabLst>
+            </a:pPr>
+            <a:r>
+              <a:rPr lang="en-US" altLang="ko-KR" sz="2400" dirty="0" smtClean="0">
+                <a:latin typeface="배달의민족 주아" pitchFamily="18" charset="-127"/>
+                <a:ea typeface="배달의민족 주아" pitchFamily="18" charset="-127"/>
+              </a:rPr>
+              <a:t>&lt;table border=“”1””&gt;</a:t>
+            </a:r>
+            <a:br>
+              <a:rPr lang="en-US" altLang="ko-KR" sz="2400" dirty="0" smtClean="0">
+                <a:latin typeface="배달의민족 주아" pitchFamily="18" charset="-127"/>
+                <a:ea typeface="배달의민족 주아" pitchFamily="18" charset="-127"/>
+              </a:rPr>
+            </a:br>
+            <a:r>
+              <a:rPr lang="en-US" altLang="ko-KR" sz="2400" dirty="0" smtClean="0">
+                <a:latin typeface="배달의민족 주아" pitchFamily="18" charset="-127"/>
+                <a:ea typeface="배달의민족 주아" pitchFamily="18" charset="-127"/>
+              </a:rPr>
+              <a:t>    &lt;</a:t>
+            </a:r>
+            <a:r>
+              <a:rPr lang="en-US" altLang="ko-KR" sz="2400" dirty="0" err="1" smtClean="0">
+                <a:latin typeface="배달의민족 주아" pitchFamily="18" charset="-127"/>
+                <a:ea typeface="배달의민족 주아" pitchFamily="18" charset="-127"/>
+              </a:rPr>
+              <a:t>tr</a:t>
+            </a:r>
+            <a:r>
+              <a:rPr lang="en-US" altLang="ko-KR" sz="2400" dirty="0" smtClean="0">
+                <a:latin typeface="배달의민족 주아" pitchFamily="18" charset="-127"/>
+                <a:ea typeface="배달의민족 주아" pitchFamily="18" charset="-127"/>
+              </a:rPr>
+              <a:t>&gt;</a:t>
+            </a:r>
+            <a:br>
+              <a:rPr lang="en-US" altLang="ko-KR" sz="2400" dirty="0" smtClean="0">
+                <a:latin typeface="배달의민족 주아" pitchFamily="18" charset="-127"/>
+                <a:ea typeface="배달의민족 주아" pitchFamily="18" charset="-127"/>
+              </a:rPr>
+            </a:br>
+            <a:r>
+              <a:rPr lang="en-US" altLang="ko-KR" sz="2400" dirty="0" smtClean="0">
+                <a:latin typeface="배달의민족 주아" pitchFamily="18" charset="-127"/>
+                <a:ea typeface="배달의민족 주아" pitchFamily="18" charset="-127"/>
+              </a:rPr>
+              <a:t>        &lt;</a:t>
+            </a:r>
+            <a:r>
+              <a:rPr lang="en-US" altLang="ko-KR" sz="2400" dirty="0" err="1" smtClean="0">
+                <a:latin typeface="배달의민족 주아" pitchFamily="18" charset="-127"/>
+                <a:ea typeface="배달의민족 주아" pitchFamily="18" charset="-127"/>
+              </a:rPr>
+              <a:t>th</a:t>
+            </a:r>
+            <a:r>
+              <a:rPr lang="en-US" altLang="ko-KR" sz="2400" dirty="0" smtClean="0">
+                <a:latin typeface="배달의민족 주아" pitchFamily="18" charset="-127"/>
+                <a:ea typeface="배달의민족 주아" pitchFamily="18" charset="-127"/>
+              </a:rPr>
+              <a:t>&gt;</a:t>
+            </a:r>
+            <a:r>
+              <a:rPr lang="ko-KR" altLang="en-US" sz="2400" dirty="0" smtClean="0">
+                <a:latin typeface="배달의민족 주아" pitchFamily="18" charset="-127"/>
+                <a:ea typeface="배달의민족 주아" pitchFamily="18" charset="-127"/>
+              </a:rPr>
+              <a:t>음식</a:t>
+            </a:r>
+            <a:r>
+              <a:rPr lang="en-US" altLang="ko-KR" sz="2400" dirty="0" smtClean="0">
+                <a:latin typeface="배달의민족 주아" pitchFamily="18" charset="-127"/>
+                <a:ea typeface="배달의민족 주아" pitchFamily="18" charset="-127"/>
+              </a:rPr>
+              <a:t>&lt;/</a:t>
+            </a:r>
+            <a:r>
+              <a:rPr lang="en-US" altLang="ko-KR" sz="2400" dirty="0" err="1" smtClean="0">
+                <a:latin typeface="배달의민족 주아" pitchFamily="18" charset="-127"/>
+                <a:ea typeface="배달의민족 주아" pitchFamily="18" charset="-127"/>
+              </a:rPr>
+              <a:t>th</a:t>
+            </a:r>
+            <a:r>
+              <a:rPr lang="en-US" altLang="ko-KR" sz="2400" dirty="0" smtClean="0">
+                <a:latin typeface="배달의민족 주아" pitchFamily="18" charset="-127"/>
+                <a:ea typeface="배달의민족 주아" pitchFamily="18" charset="-127"/>
+              </a:rPr>
+              <a:t>&gt;</a:t>
+            </a:r>
+            <a:br>
+              <a:rPr lang="en-US" altLang="ko-KR" sz="2400" dirty="0" smtClean="0">
+                <a:latin typeface="배달의민족 주아" pitchFamily="18" charset="-127"/>
+                <a:ea typeface="배달의민족 주아" pitchFamily="18" charset="-127"/>
+              </a:rPr>
+            </a:br>
+            <a:r>
+              <a:rPr lang="en-US" altLang="ko-KR" sz="2400" dirty="0" smtClean="0">
+                <a:latin typeface="배달의민족 주아" pitchFamily="18" charset="-127"/>
+                <a:ea typeface="배달의민족 주아" pitchFamily="18" charset="-127"/>
+              </a:rPr>
+              <a:t>        &lt;</a:t>
+            </a:r>
+            <a:r>
+              <a:rPr lang="en-US" altLang="ko-KR" sz="2400" dirty="0" err="1" smtClean="0">
+                <a:latin typeface="배달의민족 주아" pitchFamily="18" charset="-127"/>
+                <a:ea typeface="배달의민족 주아" pitchFamily="18" charset="-127"/>
+              </a:rPr>
+              <a:t>th</a:t>
+            </a:r>
+            <a:r>
+              <a:rPr lang="en-US" altLang="ko-KR" sz="2400" dirty="0" smtClean="0">
+                <a:latin typeface="배달의민족 주아" pitchFamily="18" charset="-127"/>
+                <a:ea typeface="배달의민족 주아" pitchFamily="18" charset="-127"/>
+              </a:rPr>
+              <a:t>&gt;</a:t>
+            </a:r>
+            <a:r>
+              <a:rPr lang="ko-KR" altLang="en-US" sz="2400" dirty="0" smtClean="0">
+                <a:latin typeface="배달의민족 주아" pitchFamily="18" charset="-127"/>
+                <a:ea typeface="배달의민족 주아" pitchFamily="18" charset="-127"/>
+              </a:rPr>
+              <a:t>가격</a:t>
+            </a:r>
+            <a:r>
+              <a:rPr lang="en-US" altLang="ko-KR" sz="2400" dirty="0" smtClean="0">
+                <a:latin typeface="배달의민족 주아" pitchFamily="18" charset="-127"/>
+                <a:ea typeface="배달의민족 주아" pitchFamily="18" charset="-127"/>
+              </a:rPr>
+              <a:t>&lt;/</a:t>
+            </a:r>
+            <a:r>
+              <a:rPr lang="en-US" altLang="ko-KR" sz="2400" dirty="0" err="1" smtClean="0">
+                <a:latin typeface="배달의민족 주아" pitchFamily="18" charset="-127"/>
+                <a:ea typeface="배달의민족 주아" pitchFamily="18" charset="-127"/>
+              </a:rPr>
+              <a:t>th</a:t>
+            </a:r>
+            <a:r>
+              <a:rPr lang="en-US" altLang="ko-KR" sz="2400" dirty="0" smtClean="0">
+                <a:latin typeface="배달의민족 주아" pitchFamily="18" charset="-127"/>
+                <a:ea typeface="배달의민족 주아" pitchFamily="18" charset="-127"/>
+              </a:rPr>
+              <a:t>&gt;</a:t>
+            </a:r>
+            <a:br>
+              <a:rPr lang="en-US" altLang="ko-KR" sz="2400" dirty="0" smtClean="0">
+                <a:latin typeface="배달의민족 주아" pitchFamily="18" charset="-127"/>
+                <a:ea typeface="배달의민족 주아" pitchFamily="18" charset="-127"/>
+              </a:rPr>
+            </a:br>
+            <a:r>
+              <a:rPr lang="en-US" altLang="ko-KR" sz="2400" dirty="0" smtClean="0">
+                <a:latin typeface="배달의민족 주아" pitchFamily="18" charset="-127"/>
+                <a:ea typeface="배달의민족 주아" pitchFamily="18" charset="-127"/>
+              </a:rPr>
+              <a:t>    &lt;/</a:t>
+            </a:r>
+            <a:r>
+              <a:rPr lang="en-US" altLang="ko-KR" sz="2400" dirty="0" err="1" smtClean="0">
+                <a:latin typeface="배달의민족 주아" pitchFamily="18" charset="-127"/>
+                <a:ea typeface="배달의민족 주아" pitchFamily="18" charset="-127"/>
+              </a:rPr>
+              <a:t>tr</a:t>
+            </a:r>
+            <a:r>
+              <a:rPr lang="en-US" altLang="ko-KR" sz="2400" dirty="0" smtClean="0">
+                <a:latin typeface="배달의민족 주아" pitchFamily="18" charset="-127"/>
+                <a:ea typeface="배달의민족 주아" pitchFamily="18" charset="-127"/>
+              </a:rPr>
+              <a:t>&gt;</a:t>
+            </a:r>
+            <a:br>
+              <a:rPr lang="en-US" altLang="ko-KR" sz="2400" dirty="0" smtClean="0">
+                <a:latin typeface="배달의민족 주아" pitchFamily="18" charset="-127"/>
+                <a:ea typeface="배달의민족 주아" pitchFamily="18" charset="-127"/>
+              </a:rPr>
+            </a:br>
+            <a:r>
+              <a:rPr lang="en-US" altLang="ko-KR" sz="2400" dirty="0" smtClean="0">
+                <a:latin typeface="배달의민족 주아" pitchFamily="18" charset="-127"/>
+                <a:ea typeface="배달의민족 주아" pitchFamily="18" charset="-127"/>
+              </a:rPr>
+              <a:t>    &lt;</a:t>
+            </a:r>
+            <a:r>
+              <a:rPr lang="en-US" altLang="ko-KR" sz="2400" dirty="0" err="1" smtClean="0">
+                <a:latin typeface="배달의민족 주아" pitchFamily="18" charset="-127"/>
+                <a:ea typeface="배달의민족 주아" pitchFamily="18" charset="-127"/>
+              </a:rPr>
+              <a:t>tr</a:t>
+            </a:r>
+            <a:r>
+              <a:rPr lang="en-US" altLang="ko-KR" sz="2400" dirty="0" smtClean="0">
+                <a:latin typeface="배달의민족 주아" pitchFamily="18" charset="-127"/>
+                <a:ea typeface="배달의민족 주아" pitchFamily="18" charset="-127"/>
+              </a:rPr>
+              <a:t>&gt;</a:t>
+            </a:r>
+            <a:br>
+              <a:rPr lang="en-US" altLang="ko-KR" sz="2400" dirty="0" smtClean="0">
+                <a:latin typeface="배달의민족 주아" pitchFamily="18" charset="-127"/>
+                <a:ea typeface="배달의민족 주아" pitchFamily="18" charset="-127"/>
+              </a:rPr>
+            </a:br>
+            <a:r>
+              <a:rPr lang="en-US" altLang="ko-KR" sz="2400" dirty="0" smtClean="0">
+                <a:latin typeface="배달의민족 주아" pitchFamily="18" charset="-127"/>
+                <a:ea typeface="배달의민족 주아" pitchFamily="18" charset="-127"/>
+              </a:rPr>
+              <a:t>        &lt;td&gt;</a:t>
+            </a:r>
+            <a:r>
+              <a:rPr lang="ko-KR" altLang="en-US" sz="2400" dirty="0" smtClean="0">
+                <a:latin typeface="배달의민족 주아" pitchFamily="18" charset="-127"/>
+                <a:ea typeface="배달의민족 주아" pitchFamily="18" charset="-127"/>
+              </a:rPr>
+              <a:t>피자</a:t>
+            </a:r>
+            <a:r>
+              <a:rPr lang="en-US" altLang="ko-KR" sz="2400" dirty="0" smtClean="0">
+                <a:latin typeface="배달의민족 주아" pitchFamily="18" charset="-127"/>
+                <a:ea typeface="배달의민족 주아" pitchFamily="18" charset="-127"/>
+              </a:rPr>
+              <a:t>&lt;/td&gt;</a:t>
+            </a:r>
+            <a:br>
+              <a:rPr lang="en-US" altLang="ko-KR" sz="2400" dirty="0" smtClean="0">
+                <a:latin typeface="배달의민족 주아" pitchFamily="18" charset="-127"/>
+                <a:ea typeface="배달의민족 주아" pitchFamily="18" charset="-127"/>
+              </a:rPr>
+            </a:br>
+            <a:r>
+              <a:rPr lang="en-US" altLang="ko-KR" sz="2400" dirty="0" smtClean="0">
+                <a:latin typeface="배달의민족 주아" pitchFamily="18" charset="-127"/>
+                <a:ea typeface="배달의민족 주아" pitchFamily="18" charset="-127"/>
+              </a:rPr>
+              <a:t>        &lt;td&gt;15000</a:t>
+            </a:r>
+            <a:r>
+              <a:rPr lang="ko-KR" altLang="en-US" sz="2400" dirty="0" smtClean="0">
+                <a:latin typeface="배달의민족 주아" pitchFamily="18" charset="-127"/>
+                <a:ea typeface="배달의민족 주아" pitchFamily="18" charset="-127"/>
+              </a:rPr>
+              <a:t>원</a:t>
+            </a:r>
+            <a:r>
+              <a:rPr lang="en-US" altLang="ko-KR" sz="2400" dirty="0" smtClean="0">
+                <a:latin typeface="배달의민족 주아" pitchFamily="18" charset="-127"/>
+                <a:ea typeface="배달의민족 주아" pitchFamily="18" charset="-127"/>
+              </a:rPr>
+              <a:t>&lt;/td&gt;</a:t>
+            </a:r>
+            <a:br>
+              <a:rPr lang="en-US" altLang="ko-KR" sz="2400" dirty="0" smtClean="0">
+                <a:latin typeface="배달의민족 주아" pitchFamily="18" charset="-127"/>
+                <a:ea typeface="배달의민족 주아" pitchFamily="18" charset="-127"/>
+              </a:rPr>
+            </a:br>
+            <a:r>
+              <a:rPr lang="en-US" altLang="ko-KR" sz="2400" dirty="0" smtClean="0">
+                <a:latin typeface="배달의민족 주아" pitchFamily="18" charset="-127"/>
+                <a:ea typeface="배달의민족 주아" pitchFamily="18" charset="-127"/>
+              </a:rPr>
+              <a:t>    &lt;/</a:t>
+            </a:r>
+            <a:r>
+              <a:rPr lang="en-US" altLang="ko-KR" sz="2400" dirty="0" err="1" smtClean="0">
+                <a:latin typeface="배달의민족 주아" pitchFamily="18" charset="-127"/>
+                <a:ea typeface="배달의민족 주아" pitchFamily="18" charset="-127"/>
+              </a:rPr>
+              <a:t>tr</a:t>
+            </a:r>
+            <a:r>
+              <a:rPr lang="en-US" altLang="ko-KR" sz="2400" dirty="0" smtClean="0">
+                <a:latin typeface="배달의민족 주아" pitchFamily="18" charset="-127"/>
+                <a:ea typeface="배달의민족 주아" pitchFamily="18" charset="-127"/>
+              </a:rPr>
+              <a:t>&gt;</a:t>
+            </a:r>
+            <a:br>
+              <a:rPr lang="en-US" altLang="ko-KR" sz="2400" dirty="0" smtClean="0">
+                <a:latin typeface="배달의민족 주아" pitchFamily="18" charset="-127"/>
+                <a:ea typeface="배달의민족 주아" pitchFamily="18" charset="-127"/>
+              </a:rPr>
+            </a:br>
+            <a:r>
+              <a:rPr lang="en-US" altLang="ko-KR" sz="2400" dirty="0" smtClean="0">
+                <a:latin typeface="배달의민족 주아" pitchFamily="18" charset="-127"/>
+                <a:ea typeface="배달의민족 주아" pitchFamily="18" charset="-127"/>
+              </a:rPr>
+              <a:t>    &lt;</a:t>
+            </a:r>
+            <a:r>
+              <a:rPr lang="en-US" altLang="ko-KR" sz="2400" dirty="0" err="1" smtClean="0">
+                <a:latin typeface="배달의민족 주아" pitchFamily="18" charset="-127"/>
+                <a:ea typeface="배달의민족 주아" pitchFamily="18" charset="-127"/>
+              </a:rPr>
+              <a:t>tr</a:t>
+            </a:r>
+            <a:r>
+              <a:rPr lang="en-US" altLang="ko-KR" sz="2400" dirty="0" smtClean="0">
+                <a:latin typeface="배달의민족 주아" pitchFamily="18" charset="-127"/>
+                <a:ea typeface="배달의민족 주아" pitchFamily="18" charset="-127"/>
+              </a:rPr>
+              <a:t>&gt;</a:t>
+            </a:r>
+            <a:br>
+              <a:rPr lang="en-US" altLang="ko-KR" sz="2400" dirty="0" smtClean="0">
+                <a:latin typeface="배달의민족 주아" pitchFamily="18" charset="-127"/>
+                <a:ea typeface="배달의민족 주아" pitchFamily="18" charset="-127"/>
+              </a:rPr>
+            </a:br>
+            <a:r>
+              <a:rPr lang="en-US" altLang="ko-KR" sz="2400" dirty="0" smtClean="0">
+                <a:latin typeface="배달의민족 주아" pitchFamily="18" charset="-127"/>
+                <a:ea typeface="배달의민족 주아" pitchFamily="18" charset="-127"/>
+              </a:rPr>
+              <a:t>        &lt;td&gt;</a:t>
+            </a:r>
+            <a:r>
+              <a:rPr lang="ko-KR" altLang="en-US" sz="2400" dirty="0" smtClean="0">
+                <a:latin typeface="배달의민족 주아" pitchFamily="18" charset="-127"/>
+                <a:ea typeface="배달의민족 주아" pitchFamily="18" charset="-127"/>
+              </a:rPr>
+              <a:t>치킨</a:t>
+            </a:r>
+            <a:r>
+              <a:rPr lang="en-US" altLang="ko-KR" sz="2400" dirty="0" smtClean="0">
+                <a:latin typeface="배달의민족 주아" pitchFamily="18" charset="-127"/>
+                <a:ea typeface="배달의민족 주아" pitchFamily="18" charset="-127"/>
+              </a:rPr>
+              <a:t>&lt;/td&gt;</a:t>
+            </a:r>
+            <a:br>
+              <a:rPr lang="en-US" altLang="ko-KR" sz="2400" dirty="0" smtClean="0">
+                <a:latin typeface="배달의민족 주아" pitchFamily="18" charset="-127"/>
+                <a:ea typeface="배달의민족 주아" pitchFamily="18" charset="-127"/>
+              </a:rPr>
+            </a:br>
+            <a:r>
+              <a:rPr lang="en-US" altLang="ko-KR" sz="2400" dirty="0" smtClean="0">
+                <a:latin typeface="배달의민족 주아" pitchFamily="18" charset="-127"/>
+                <a:ea typeface="배달의민족 주아" pitchFamily="18" charset="-127"/>
+              </a:rPr>
+              <a:t>        &lt;td&gt;20000</a:t>
+            </a:r>
+            <a:r>
+              <a:rPr lang="ko-KR" altLang="en-US" sz="2400" dirty="0" smtClean="0">
+                <a:latin typeface="배달의민족 주아" pitchFamily="18" charset="-127"/>
+                <a:ea typeface="배달의민족 주아" pitchFamily="18" charset="-127"/>
+              </a:rPr>
+              <a:t>원</a:t>
+            </a:r>
+            <a:r>
+              <a:rPr lang="en-US" altLang="ko-KR" sz="2400" dirty="0" smtClean="0">
+                <a:latin typeface="배달의민족 주아" pitchFamily="18" charset="-127"/>
+                <a:ea typeface="배달의민족 주아" pitchFamily="18" charset="-127"/>
+              </a:rPr>
+              <a:t>&lt;/td&gt;</a:t>
+            </a:r>
+            <a:br>
+              <a:rPr lang="en-US" altLang="ko-KR" sz="2400" dirty="0" smtClean="0">
+                <a:latin typeface="배달의민족 주아" pitchFamily="18" charset="-127"/>
+                <a:ea typeface="배달의민족 주아" pitchFamily="18" charset="-127"/>
+              </a:rPr>
+            </a:br>
+            <a:r>
+              <a:rPr lang="en-US" altLang="ko-KR" sz="2400" dirty="0" smtClean="0">
+                <a:latin typeface="배달의민족 주아" pitchFamily="18" charset="-127"/>
+                <a:ea typeface="배달의민족 주아" pitchFamily="18" charset="-127"/>
+              </a:rPr>
+              <a:t>    &lt;/</a:t>
+            </a:r>
+            <a:r>
+              <a:rPr lang="en-US" altLang="ko-KR" sz="2400" dirty="0" err="1" smtClean="0">
+                <a:latin typeface="배달의민족 주아" pitchFamily="18" charset="-127"/>
+                <a:ea typeface="배달의민족 주아" pitchFamily="18" charset="-127"/>
+              </a:rPr>
+              <a:t>tr</a:t>
+            </a:r>
+            <a:r>
+              <a:rPr lang="en-US" altLang="ko-KR" sz="2400" dirty="0" smtClean="0">
+                <a:latin typeface="배달의민족 주아" pitchFamily="18" charset="-127"/>
+                <a:ea typeface="배달의민족 주아" pitchFamily="18" charset="-127"/>
+              </a:rPr>
+              <a:t>&gt;</a:t>
+            </a:r>
+            <a:br>
+              <a:rPr lang="en-US" altLang="ko-KR" sz="2400" dirty="0" smtClean="0">
+                <a:latin typeface="배달의민족 주아" pitchFamily="18" charset="-127"/>
+                <a:ea typeface="배달의민족 주아" pitchFamily="18" charset="-127"/>
+              </a:rPr>
+            </a:br>
+            <a:r>
+              <a:rPr lang="en-US" altLang="ko-KR" sz="2400" dirty="0" smtClean="0">
+                <a:latin typeface="배달의민족 주아" pitchFamily="18" charset="-127"/>
+                <a:ea typeface="배달의민족 주아" pitchFamily="18" charset="-127"/>
+              </a:rPr>
+              <a:t>&lt;/table&gt;</a:t>
+            </a:r>
+            <a:endParaRPr lang="ko-KR" altLang="en-US" sz="2400" dirty="0">
               <a:latin typeface="배달의민족 주아" pitchFamily="18" charset="-127"/>
               <a:ea typeface="배달의민족 주아" pitchFamily="18" charset="-127"/>
             </a:endParaRPr>
@@ -6465,7 +7495,7 @@
       </p:sp>
       <p:sp>
         <p:nvSpPr>
-          <p:cNvPr id="3" name="TextBox 2"/>
+          <p:cNvPr id="5" name="TextBox 2"/>
           <p:cNvSpPr txBox="1"/>
           <p:nvPr/>
         </p:nvSpPr>
@@ -6623,7 +7653,7 @@
     </p:spTree>
     <p:extLst>
       <p:ext uri="{BB962C8B-B14F-4D97-AF65-F5344CB8AC3E}">
-        <p14:creationId xmlns:p14="http://schemas.microsoft.com/office/powerpoint/2010/main" val="3842579216"/>
+        <p14:creationId xmlns:p14="http://schemas.microsoft.com/office/powerpoint/2010/main" val="2178618757"/>
       </p:ext>
     </p:extLst>
   </p:cSld>
